--- a/Who’s The Real MVP.pptx
+++ b/Who’s The Real MVP.pptx
@@ -7,9 +7,15 @@
   <p:sldIdLst>
     <p:sldId id="256" r:id="rId2"/>
     <p:sldId id="257" r:id="rId3"/>
-    <p:sldId id="258" r:id="rId4"/>
-    <p:sldId id="259" r:id="rId5"/>
-    <p:sldId id="260" r:id="rId6"/>
+    <p:sldId id="266" r:id="rId4"/>
+    <p:sldId id="258" r:id="rId5"/>
+    <p:sldId id="259" r:id="rId6"/>
+    <p:sldId id="261" r:id="rId7"/>
+    <p:sldId id="260" r:id="rId8"/>
+    <p:sldId id="265" r:id="rId9"/>
+    <p:sldId id="264" r:id="rId10"/>
+    <p:sldId id="262" r:id="rId11"/>
+    <p:sldId id="263" r:id="rId12"/>
   </p:sldIdLst>
   <p:sldSz cx="12192000" cy="6858000"/>
   <p:notesSz cx="6858000" cy="9144000"/>
@@ -128,6 +134,1500 @@
 </file>
 
 <file path=ppt/diagrams/colors1.xml><?xml version="1.0" encoding="utf-8"?>
+<dgm:colorsDef xmlns:dgm="http://schemas.openxmlformats.org/drawingml/2006/diagram" xmlns:a="http://schemas.openxmlformats.org/drawingml/2006/main" uniqueId="urn:microsoft.com/office/officeart/2005/8/colors/accent1_2">
+  <dgm:title val=""/>
+  <dgm:desc val=""/>
+  <dgm:catLst>
+    <dgm:cat type="accent1" pri="11200"/>
+  </dgm:catLst>
+  <dgm:styleLbl name="node0">
+    <dgm:fillClrLst meth="repeat">
+      <a:schemeClr val="accent1"/>
+    </dgm:fillClrLst>
+    <dgm:linClrLst meth="repeat">
+      <a:schemeClr val="lt1"/>
+    </dgm:linClrLst>
+    <dgm:effectClrLst/>
+    <dgm:txLinClrLst/>
+    <dgm:txFillClrLst/>
+    <dgm:txEffectClrLst/>
+  </dgm:styleLbl>
+  <dgm:styleLbl name="alignNode1">
+    <dgm:fillClrLst meth="repeat">
+      <a:schemeClr val="accent1"/>
+    </dgm:fillClrLst>
+    <dgm:linClrLst meth="repeat">
+      <a:schemeClr val="accent1"/>
+    </dgm:linClrLst>
+    <dgm:effectClrLst/>
+    <dgm:txLinClrLst/>
+    <dgm:txFillClrLst/>
+    <dgm:txEffectClrLst/>
+  </dgm:styleLbl>
+  <dgm:styleLbl name="node1">
+    <dgm:fillClrLst meth="repeat">
+      <a:schemeClr val="accent1"/>
+    </dgm:fillClrLst>
+    <dgm:linClrLst meth="repeat">
+      <a:schemeClr val="lt1"/>
+    </dgm:linClrLst>
+    <dgm:effectClrLst/>
+    <dgm:txLinClrLst/>
+    <dgm:txFillClrLst/>
+    <dgm:txEffectClrLst/>
+  </dgm:styleLbl>
+  <dgm:styleLbl name="lnNode1">
+    <dgm:fillClrLst meth="repeat">
+      <a:schemeClr val="accent1"/>
+    </dgm:fillClrLst>
+    <dgm:linClrLst meth="repeat">
+      <a:schemeClr val="lt1"/>
+    </dgm:linClrLst>
+    <dgm:effectClrLst/>
+    <dgm:txLinClrLst/>
+    <dgm:txFillClrLst/>
+    <dgm:txEffectClrLst/>
+  </dgm:styleLbl>
+  <dgm:styleLbl name="vennNode1">
+    <dgm:fillClrLst meth="repeat">
+      <a:schemeClr val="accent1">
+        <a:alpha val="50000"/>
+      </a:schemeClr>
+    </dgm:fillClrLst>
+    <dgm:linClrLst meth="repeat">
+      <a:schemeClr val="lt1"/>
+    </dgm:linClrLst>
+    <dgm:effectClrLst/>
+    <dgm:txLinClrLst/>
+    <dgm:txFillClrLst/>
+    <dgm:txEffectClrLst/>
+  </dgm:styleLbl>
+  <dgm:styleLbl name="node2">
+    <dgm:fillClrLst meth="repeat">
+      <a:schemeClr val="accent1"/>
+    </dgm:fillClrLst>
+    <dgm:linClrLst meth="repeat">
+      <a:schemeClr val="lt1"/>
+    </dgm:linClrLst>
+    <dgm:effectClrLst/>
+    <dgm:txLinClrLst/>
+    <dgm:txFillClrLst/>
+    <dgm:txEffectClrLst/>
+  </dgm:styleLbl>
+  <dgm:styleLbl name="node3">
+    <dgm:fillClrLst meth="repeat">
+      <a:schemeClr val="accent1"/>
+    </dgm:fillClrLst>
+    <dgm:linClrLst meth="repeat">
+      <a:schemeClr val="lt1"/>
+    </dgm:linClrLst>
+    <dgm:effectClrLst/>
+    <dgm:txLinClrLst/>
+    <dgm:txFillClrLst/>
+    <dgm:txEffectClrLst/>
+  </dgm:styleLbl>
+  <dgm:styleLbl name="node4">
+    <dgm:fillClrLst meth="repeat">
+      <a:schemeClr val="accent1"/>
+    </dgm:fillClrLst>
+    <dgm:linClrLst meth="repeat">
+      <a:schemeClr val="lt1"/>
+    </dgm:linClrLst>
+    <dgm:effectClrLst/>
+    <dgm:txLinClrLst/>
+    <dgm:txFillClrLst/>
+    <dgm:txEffectClrLst/>
+  </dgm:styleLbl>
+  <dgm:styleLbl name="fgImgPlace1">
+    <dgm:fillClrLst meth="repeat">
+      <a:schemeClr val="accent1">
+        <a:tint val="50000"/>
+      </a:schemeClr>
+    </dgm:fillClrLst>
+    <dgm:linClrLst meth="repeat">
+      <a:schemeClr val="lt1"/>
+    </dgm:linClrLst>
+    <dgm:effectClrLst/>
+    <dgm:txLinClrLst/>
+    <dgm:txFillClrLst meth="repeat">
+      <a:schemeClr val="lt1"/>
+    </dgm:txFillClrLst>
+    <dgm:txEffectClrLst/>
+  </dgm:styleLbl>
+  <dgm:styleLbl name="alignImgPlace1">
+    <dgm:fillClrLst meth="repeat">
+      <a:schemeClr val="accent1">
+        <a:tint val="50000"/>
+      </a:schemeClr>
+    </dgm:fillClrLst>
+    <dgm:linClrLst meth="repeat">
+      <a:schemeClr val="lt1"/>
+    </dgm:linClrLst>
+    <dgm:effectClrLst/>
+    <dgm:txLinClrLst/>
+    <dgm:txFillClrLst meth="repeat">
+      <a:schemeClr val="lt1"/>
+    </dgm:txFillClrLst>
+    <dgm:txEffectClrLst/>
+  </dgm:styleLbl>
+  <dgm:styleLbl name="bgImgPlace1">
+    <dgm:fillClrLst meth="repeat">
+      <a:schemeClr val="accent1">
+        <a:tint val="50000"/>
+      </a:schemeClr>
+    </dgm:fillClrLst>
+    <dgm:linClrLst meth="repeat">
+      <a:schemeClr val="lt1"/>
+    </dgm:linClrLst>
+    <dgm:effectClrLst/>
+    <dgm:txLinClrLst/>
+    <dgm:txFillClrLst meth="repeat">
+      <a:schemeClr val="lt1"/>
+    </dgm:txFillClrLst>
+    <dgm:txEffectClrLst/>
+  </dgm:styleLbl>
+  <dgm:styleLbl name="sibTrans2D1">
+    <dgm:fillClrLst meth="repeat">
+      <a:schemeClr val="accent1">
+        <a:tint val="60000"/>
+      </a:schemeClr>
+    </dgm:fillClrLst>
+    <dgm:linClrLst meth="repeat">
+      <a:schemeClr val="accent1">
+        <a:tint val="60000"/>
+      </a:schemeClr>
+    </dgm:linClrLst>
+    <dgm:effectClrLst/>
+    <dgm:txLinClrLst/>
+    <dgm:txFillClrLst/>
+    <dgm:txEffectClrLst/>
+  </dgm:styleLbl>
+  <dgm:styleLbl name="fgSibTrans2D1">
+    <dgm:fillClrLst meth="repeat">
+      <a:schemeClr val="accent1">
+        <a:tint val="60000"/>
+      </a:schemeClr>
+    </dgm:fillClrLst>
+    <dgm:linClrLst meth="repeat">
+      <a:schemeClr val="accent1">
+        <a:tint val="60000"/>
+      </a:schemeClr>
+    </dgm:linClrLst>
+    <dgm:effectClrLst/>
+    <dgm:txLinClrLst/>
+    <dgm:txFillClrLst/>
+    <dgm:txEffectClrLst/>
+  </dgm:styleLbl>
+  <dgm:styleLbl name="bgSibTrans2D1">
+    <dgm:fillClrLst meth="repeat">
+      <a:schemeClr val="accent1">
+        <a:tint val="60000"/>
+      </a:schemeClr>
+    </dgm:fillClrLst>
+    <dgm:linClrLst meth="repeat">
+      <a:schemeClr val="accent1">
+        <a:tint val="60000"/>
+      </a:schemeClr>
+    </dgm:linClrLst>
+    <dgm:effectClrLst/>
+    <dgm:txLinClrLst/>
+    <dgm:txFillClrLst/>
+    <dgm:txEffectClrLst/>
+  </dgm:styleLbl>
+  <dgm:styleLbl name="sibTrans1D1">
+    <dgm:fillClrLst meth="repeat">
+      <a:schemeClr val="accent1"/>
+    </dgm:fillClrLst>
+    <dgm:linClrLst meth="repeat">
+      <a:schemeClr val="accent1"/>
+    </dgm:linClrLst>
+    <dgm:effectClrLst/>
+    <dgm:txLinClrLst/>
+    <dgm:txFillClrLst meth="repeat">
+      <a:schemeClr val="tx1"/>
+    </dgm:txFillClrLst>
+    <dgm:txEffectClrLst/>
+  </dgm:styleLbl>
+  <dgm:styleLbl name="callout">
+    <dgm:fillClrLst meth="repeat">
+      <a:schemeClr val="accent1"/>
+    </dgm:fillClrLst>
+    <dgm:linClrLst meth="repeat">
+      <a:schemeClr val="accent1">
+        <a:tint val="50000"/>
+      </a:schemeClr>
+    </dgm:linClrLst>
+    <dgm:effectClrLst/>
+    <dgm:txLinClrLst/>
+    <dgm:txFillClrLst meth="repeat">
+      <a:schemeClr val="tx1"/>
+    </dgm:txFillClrLst>
+    <dgm:txEffectClrLst/>
+  </dgm:styleLbl>
+  <dgm:styleLbl name="asst0">
+    <dgm:fillClrLst meth="repeat">
+      <a:schemeClr val="accent1"/>
+    </dgm:fillClrLst>
+    <dgm:linClrLst meth="repeat">
+      <a:schemeClr val="lt1"/>
+    </dgm:linClrLst>
+    <dgm:effectClrLst/>
+    <dgm:txLinClrLst/>
+    <dgm:txFillClrLst/>
+    <dgm:txEffectClrLst/>
+  </dgm:styleLbl>
+  <dgm:styleLbl name="asst1">
+    <dgm:fillClrLst meth="repeat">
+      <a:schemeClr val="accent1"/>
+    </dgm:fillClrLst>
+    <dgm:linClrLst meth="repeat">
+      <a:schemeClr val="lt1"/>
+    </dgm:linClrLst>
+    <dgm:effectClrLst/>
+    <dgm:txLinClrLst/>
+    <dgm:txFillClrLst/>
+    <dgm:txEffectClrLst/>
+  </dgm:styleLbl>
+  <dgm:styleLbl name="asst2">
+    <dgm:fillClrLst meth="repeat">
+      <a:schemeClr val="accent1"/>
+    </dgm:fillClrLst>
+    <dgm:linClrLst meth="repeat">
+      <a:schemeClr val="lt1"/>
+    </dgm:linClrLst>
+    <dgm:effectClrLst/>
+    <dgm:txLinClrLst/>
+    <dgm:txFillClrLst/>
+    <dgm:txEffectClrLst/>
+  </dgm:styleLbl>
+  <dgm:styleLbl name="asst3">
+    <dgm:fillClrLst meth="repeat">
+      <a:schemeClr val="accent1"/>
+    </dgm:fillClrLst>
+    <dgm:linClrLst meth="repeat">
+      <a:schemeClr val="lt1"/>
+    </dgm:linClrLst>
+    <dgm:effectClrLst/>
+    <dgm:txLinClrLst/>
+    <dgm:txFillClrLst/>
+    <dgm:txEffectClrLst/>
+  </dgm:styleLbl>
+  <dgm:styleLbl name="asst4">
+    <dgm:fillClrLst meth="repeat">
+      <a:schemeClr val="accent1"/>
+    </dgm:fillClrLst>
+    <dgm:linClrLst meth="repeat">
+      <a:schemeClr val="lt1"/>
+    </dgm:linClrLst>
+    <dgm:effectClrLst/>
+    <dgm:txLinClrLst/>
+    <dgm:txFillClrLst/>
+    <dgm:txEffectClrLst/>
+  </dgm:styleLbl>
+  <dgm:styleLbl name="parChTrans2D1">
+    <dgm:fillClrLst meth="repeat">
+      <a:schemeClr val="accent1">
+        <a:tint val="60000"/>
+      </a:schemeClr>
+    </dgm:fillClrLst>
+    <dgm:linClrLst meth="repeat">
+      <a:schemeClr val="accent1">
+        <a:tint val="60000"/>
+      </a:schemeClr>
+    </dgm:linClrLst>
+    <dgm:effectClrLst/>
+    <dgm:txLinClrLst/>
+    <dgm:txFillClrLst meth="repeat">
+      <a:schemeClr val="lt1"/>
+    </dgm:txFillClrLst>
+    <dgm:txEffectClrLst/>
+  </dgm:styleLbl>
+  <dgm:styleLbl name="parChTrans2D2">
+    <dgm:fillClrLst meth="repeat">
+      <a:schemeClr val="accent1"/>
+    </dgm:fillClrLst>
+    <dgm:linClrLst meth="repeat">
+      <a:schemeClr val="accent1"/>
+    </dgm:linClrLst>
+    <dgm:effectClrLst/>
+    <dgm:txLinClrLst/>
+    <dgm:txFillClrLst meth="repeat">
+      <a:schemeClr val="lt1"/>
+    </dgm:txFillClrLst>
+    <dgm:txEffectClrLst/>
+  </dgm:styleLbl>
+  <dgm:styleLbl name="parChTrans2D3">
+    <dgm:fillClrLst meth="repeat">
+      <a:schemeClr val="accent1"/>
+    </dgm:fillClrLst>
+    <dgm:linClrLst meth="repeat">
+      <a:schemeClr val="accent1"/>
+    </dgm:linClrLst>
+    <dgm:effectClrLst/>
+    <dgm:txLinClrLst/>
+    <dgm:txFillClrLst meth="repeat">
+      <a:schemeClr val="lt1"/>
+    </dgm:txFillClrLst>
+    <dgm:txEffectClrLst/>
+  </dgm:styleLbl>
+  <dgm:styleLbl name="parChTrans2D4">
+    <dgm:fillClrLst meth="repeat">
+      <a:schemeClr val="accent1"/>
+    </dgm:fillClrLst>
+    <dgm:linClrLst meth="repeat">
+      <a:schemeClr val="accent1"/>
+    </dgm:linClrLst>
+    <dgm:effectClrLst/>
+    <dgm:txLinClrLst/>
+    <dgm:txFillClrLst meth="repeat">
+      <a:schemeClr val="lt1"/>
+    </dgm:txFillClrLst>
+    <dgm:txEffectClrLst/>
+  </dgm:styleLbl>
+  <dgm:styleLbl name="parChTrans1D1">
+    <dgm:fillClrLst meth="repeat">
+      <a:schemeClr val="accent1"/>
+    </dgm:fillClrLst>
+    <dgm:linClrLst meth="repeat">
+      <a:schemeClr val="accent1">
+        <a:shade val="60000"/>
+      </a:schemeClr>
+    </dgm:linClrLst>
+    <dgm:effectClrLst/>
+    <dgm:txLinClrLst/>
+    <dgm:txFillClrLst meth="repeat">
+      <a:schemeClr val="tx1"/>
+    </dgm:txFillClrLst>
+    <dgm:txEffectClrLst/>
+  </dgm:styleLbl>
+  <dgm:styleLbl name="parChTrans1D2">
+    <dgm:fillClrLst meth="repeat">
+      <a:schemeClr val="accent1"/>
+    </dgm:fillClrLst>
+    <dgm:linClrLst meth="repeat">
+      <a:schemeClr val="accent1">
+        <a:shade val="60000"/>
+      </a:schemeClr>
+    </dgm:linClrLst>
+    <dgm:effectClrLst/>
+    <dgm:txLinClrLst/>
+    <dgm:txFillClrLst meth="repeat">
+      <a:schemeClr val="tx1"/>
+    </dgm:txFillClrLst>
+    <dgm:txEffectClrLst/>
+  </dgm:styleLbl>
+  <dgm:styleLbl name="parChTrans1D3">
+    <dgm:fillClrLst meth="repeat">
+      <a:schemeClr val="accent1"/>
+    </dgm:fillClrLst>
+    <dgm:linClrLst meth="repeat">
+      <a:schemeClr val="accent1">
+        <a:shade val="80000"/>
+      </a:schemeClr>
+    </dgm:linClrLst>
+    <dgm:effectClrLst/>
+    <dgm:txLinClrLst/>
+    <dgm:txFillClrLst meth="repeat">
+      <a:schemeClr val="tx1"/>
+    </dgm:txFillClrLst>
+    <dgm:txEffectClrLst/>
+  </dgm:styleLbl>
+  <dgm:styleLbl name="parChTrans1D4">
+    <dgm:fillClrLst meth="repeat">
+      <a:schemeClr val="accent1"/>
+    </dgm:fillClrLst>
+    <dgm:linClrLst meth="repeat">
+      <a:schemeClr val="accent1">
+        <a:shade val="80000"/>
+      </a:schemeClr>
+    </dgm:linClrLst>
+    <dgm:effectClrLst/>
+    <dgm:txLinClrLst/>
+    <dgm:txFillClrLst meth="repeat">
+      <a:schemeClr val="tx1"/>
+    </dgm:txFillClrLst>
+    <dgm:txEffectClrLst/>
+  </dgm:styleLbl>
+  <dgm:styleLbl name="fgAcc1">
+    <dgm:fillClrLst meth="repeat">
+      <a:schemeClr val="lt1">
+        <a:alpha val="90000"/>
+      </a:schemeClr>
+    </dgm:fillClrLst>
+    <dgm:linClrLst meth="repeat">
+      <a:schemeClr val="accent1"/>
+    </dgm:linClrLst>
+    <dgm:effectClrLst/>
+    <dgm:txLinClrLst/>
+    <dgm:txFillClrLst meth="repeat">
+      <a:schemeClr val="dk1"/>
+    </dgm:txFillClrLst>
+    <dgm:txEffectClrLst/>
+  </dgm:styleLbl>
+  <dgm:styleLbl name="conFgAcc1">
+    <dgm:fillClrLst meth="repeat">
+      <a:schemeClr val="lt1">
+        <a:alpha val="90000"/>
+      </a:schemeClr>
+    </dgm:fillClrLst>
+    <dgm:linClrLst meth="repeat">
+      <a:schemeClr val="accent1"/>
+    </dgm:linClrLst>
+    <dgm:effectClrLst/>
+    <dgm:txLinClrLst/>
+    <dgm:txFillClrLst meth="repeat">
+      <a:schemeClr val="dk1"/>
+    </dgm:txFillClrLst>
+    <dgm:txEffectClrLst/>
+  </dgm:styleLbl>
+  <dgm:styleLbl name="alignAcc1">
+    <dgm:fillClrLst meth="repeat">
+      <a:schemeClr val="lt1">
+        <a:alpha val="90000"/>
+      </a:schemeClr>
+    </dgm:fillClrLst>
+    <dgm:linClrLst meth="repeat">
+      <a:schemeClr val="accent1"/>
+    </dgm:linClrLst>
+    <dgm:effectClrLst/>
+    <dgm:txLinClrLst/>
+    <dgm:txFillClrLst meth="repeat">
+      <a:schemeClr val="dk1"/>
+    </dgm:txFillClrLst>
+    <dgm:txEffectClrLst/>
+  </dgm:styleLbl>
+  <dgm:styleLbl name="trAlignAcc1">
+    <dgm:fillClrLst meth="repeat">
+      <a:schemeClr val="lt1">
+        <a:alpha val="40000"/>
+      </a:schemeClr>
+    </dgm:fillClrLst>
+    <dgm:linClrLst meth="repeat">
+      <a:schemeClr val="accent1"/>
+    </dgm:linClrLst>
+    <dgm:effectClrLst/>
+    <dgm:txLinClrLst/>
+    <dgm:txFillClrLst meth="repeat">
+      <a:schemeClr val="dk1"/>
+    </dgm:txFillClrLst>
+    <dgm:txEffectClrLst/>
+  </dgm:styleLbl>
+  <dgm:styleLbl name="bgAcc1">
+    <dgm:fillClrLst meth="repeat">
+      <a:schemeClr val="lt1">
+        <a:alpha val="90000"/>
+      </a:schemeClr>
+    </dgm:fillClrLst>
+    <dgm:linClrLst meth="repeat">
+      <a:schemeClr val="accent1"/>
+    </dgm:linClrLst>
+    <dgm:effectClrLst/>
+    <dgm:txLinClrLst/>
+    <dgm:txFillClrLst meth="repeat">
+      <a:schemeClr val="dk1"/>
+    </dgm:txFillClrLst>
+    <dgm:txEffectClrLst/>
+  </dgm:styleLbl>
+  <dgm:styleLbl name="solidFgAcc1">
+    <dgm:fillClrLst meth="repeat">
+      <a:schemeClr val="lt1"/>
+    </dgm:fillClrLst>
+    <dgm:linClrLst meth="repeat">
+      <a:schemeClr val="accent1"/>
+    </dgm:linClrLst>
+    <dgm:effectClrLst/>
+    <dgm:txLinClrLst/>
+    <dgm:txFillClrLst meth="repeat">
+      <a:schemeClr val="dk1"/>
+    </dgm:txFillClrLst>
+    <dgm:txEffectClrLst/>
+  </dgm:styleLbl>
+  <dgm:styleLbl name="solidAlignAcc1">
+    <dgm:fillClrLst meth="repeat">
+      <a:schemeClr val="lt1"/>
+    </dgm:fillClrLst>
+    <dgm:linClrLst meth="repeat">
+      <a:schemeClr val="accent1"/>
+    </dgm:linClrLst>
+    <dgm:effectClrLst/>
+    <dgm:txLinClrLst/>
+    <dgm:txFillClrLst meth="repeat">
+      <a:schemeClr val="dk1"/>
+    </dgm:txFillClrLst>
+    <dgm:txEffectClrLst/>
+  </dgm:styleLbl>
+  <dgm:styleLbl name="solidBgAcc1">
+    <dgm:fillClrLst meth="repeat">
+      <a:schemeClr val="lt1"/>
+    </dgm:fillClrLst>
+    <dgm:linClrLst meth="repeat">
+      <a:schemeClr val="accent1"/>
+    </dgm:linClrLst>
+    <dgm:effectClrLst/>
+    <dgm:txLinClrLst/>
+    <dgm:txFillClrLst meth="repeat">
+      <a:schemeClr val="dk1"/>
+    </dgm:txFillClrLst>
+    <dgm:txEffectClrLst/>
+  </dgm:styleLbl>
+  <dgm:styleLbl name="fgAccFollowNode1">
+    <dgm:fillClrLst meth="repeat">
+      <a:schemeClr val="accent1">
+        <a:alpha val="90000"/>
+        <a:tint val="40000"/>
+      </a:schemeClr>
+    </dgm:fillClrLst>
+    <dgm:linClrLst meth="repeat">
+      <a:schemeClr val="accent1">
+        <a:alpha val="90000"/>
+        <a:tint val="40000"/>
+      </a:schemeClr>
+    </dgm:linClrLst>
+    <dgm:effectClrLst/>
+    <dgm:txLinClrLst/>
+    <dgm:txFillClrLst meth="repeat">
+      <a:schemeClr val="dk1"/>
+    </dgm:txFillClrLst>
+    <dgm:txEffectClrLst/>
+  </dgm:styleLbl>
+  <dgm:styleLbl name="alignAccFollowNode1">
+    <dgm:fillClrLst meth="repeat">
+      <a:schemeClr val="accent1">
+        <a:alpha val="90000"/>
+        <a:tint val="40000"/>
+      </a:schemeClr>
+    </dgm:fillClrLst>
+    <dgm:linClrLst meth="repeat">
+      <a:schemeClr val="accent1">
+        <a:alpha val="90000"/>
+        <a:tint val="40000"/>
+      </a:schemeClr>
+    </dgm:linClrLst>
+    <dgm:effectClrLst/>
+    <dgm:txLinClrLst/>
+    <dgm:txFillClrLst meth="repeat">
+      <a:schemeClr val="dk1"/>
+    </dgm:txFillClrLst>
+    <dgm:txEffectClrLst/>
+  </dgm:styleLbl>
+  <dgm:styleLbl name="bgAccFollowNode1">
+    <dgm:fillClrLst meth="repeat">
+      <a:schemeClr val="accent1">
+        <a:alpha val="90000"/>
+        <a:tint val="40000"/>
+      </a:schemeClr>
+    </dgm:fillClrLst>
+    <dgm:linClrLst meth="repeat">
+      <a:schemeClr val="accent1">
+        <a:alpha val="90000"/>
+        <a:tint val="40000"/>
+      </a:schemeClr>
+    </dgm:linClrLst>
+    <dgm:effectClrLst/>
+    <dgm:txLinClrLst/>
+    <dgm:txFillClrLst meth="repeat">
+      <a:schemeClr val="dk1"/>
+    </dgm:txFillClrLst>
+    <dgm:txEffectClrLst/>
+  </dgm:styleLbl>
+  <dgm:styleLbl name="fgAcc0">
+    <dgm:fillClrLst meth="repeat">
+      <a:schemeClr val="lt1">
+        <a:alpha val="90000"/>
+      </a:schemeClr>
+    </dgm:fillClrLst>
+    <dgm:linClrLst meth="repeat">
+      <a:schemeClr val="accent1"/>
+    </dgm:linClrLst>
+    <dgm:effectClrLst/>
+    <dgm:txLinClrLst/>
+    <dgm:txFillClrLst meth="repeat">
+      <a:schemeClr val="dk1"/>
+    </dgm:txFillClrLst>
+    <dgm:txEffectClrLst/>
+  </dgm:styleLbl>
+  <dgm:styleLbl name="fgAcc2">
+    <dgm:fillClrLst meth="repeat">
+      <a:schemeClr val="lt1">
+        <a:alpha val="90000"/>
+      </a:schemeClr>
+    </dgm:fillClrLst>
+    <dgm:linClrLst meth="repeat">
+      <a:schemeClr val="accent1"/>
+    </dgm:linClrLst>
+    <dgm:effectClrLst/>
+    <dgm:txLinClrLst/>
+    <dgm:txFillClrLst meth="repeat">
+      <a:schemeClr val="dk1"/>
+    </dgm:txFillClrLst>
+    <dgm:txEffectClrLst/>
+  </dgm:styleLbl>
+  <dgm:styleLbl name="fgAcc3">
+    <dgm:fillClrLst meth="repeat">
+      <a:schemeClr val="lt1">
+        <a:alpha val="90000"/>
+      </a:schemeClr>
+    </dgm:fillClrLst>
+    <dgm:linClrLst meth="repeat">
+      <a:schemeClr val="accent1"/>
+    </dgm:linClrLst>
+    <dgm:effectClrLst/>
+    <dgm:txLinClrLst/>
+    <dgm:txFillClrLst meth="repeat">
+      <a:schemeClr val="dk1"/>
+    </dgm:txFillClrLst>
+    <dgm:txEffectClrLst/>
+  </dgm:styleLbl>
+  <dgm:styleLbl name="fgAcc4">
+    <dgm:fillClrLst meth="repeat">
+      <a:schemeClr val="lt1">
+        <a:alpha val="90000"/>
+      </a:schemeClr>
+    </dgm:fillClrLst>
+    <dgm:linClrLst meth="repeat">
+      <a:schemeClr val="accent1"/>
+    </dgm:linClrLst>
+    <dgm:effectClrLst/>
+    <dgm:txLinClrLst/>
+    <dgm:txFillClrLst meth="repeat">
+      <a:schemeClr val="dk1"/>
+    </dgm:txFillClrLst>
+    <dgm:txEffectClrLst/>
+  </dgm:styleLbl>
+  <dgm:styleLbl name="bgShp">
+    <dgm:fillClrLst meth="repeat">
+      <a:schemeClr val="accent1">
+        <a:tint val="40000"/>
+      </a:schemeClr>
+    </dgm:fillClrLst>
+    <dgm:linClrLst meth="repeat">
+      <a:schemeClr val="accent1"/>
+    </dgm:linClrLst>
+    <dgm:effectClrLst/>
+    <dgm:txLinClrLst/>
+    <dgm:txFillClrLst meth="repeat">
+      <a:schemeClr val="dk1"/>
+    </dgm:txFillClrLst>
+    <dgm:txEffectClrLst/>
+  </dgm:styleLbl>
+  <dgm:styleLbl name="dkBgShp">
+    <dgm:fillClrLst meth="repeat">
+      <a:schemeClr val="accent1">
+        <a:shade val="80000"/>
+      </a:schemeClr>
+    </dgm:fillClrLst>
+    <dgm:linClrLst meth="repeat">
+      <a:schemeClr val="accent1"/>
+    </dgm:linClrLst>
+    <dgm:effectClrLst/>
+    <dgm:txLinClrLst/>
+    <dgm:txFillClrLst meth="repeat">
+      <a:schemeClr val="lt1"/>
+    </dgm:txFillClrLst>
+    <dgm:txEffectClrLst/>
+  </dgm:styleLbl>
+  <dgm:styleLbl name="trBgShp">
+    <dgm:fillClrLst meth="repeat">
+      <a:schemeClr val="accent1">
+        <a:tint val="50000"/>
+        <a:alpha val="40000"/>
+      </a:schemeClr>
+    </dgm:fillClrLst>
+    <dgm:linClrLst meth="repeat">
+      <a:schemeClr val="accent1"/>
+    </dgm:linClrLst>
+    <dgm:effectClrLst/>
+    <dgm:txLinClrLst/>
+    <dgm:txFillClrLst meth="repeat">
+      <a:schemeClr val="lt1"/>
+    </dgm:txFillClrLst>
+    <dgm:txEffectClrLst/>
+  </dgm:styleLbl>
+  <dgm:styleLbl name="fgShp">
+    <dgm:fillClrLst meth="repeat">
+      <a:schemeClr val="accent1">
+        <a:tint val="60000"/>
+      </a:schemeClr>
+    </dgm:fillClrLst>
+    <dgm:linClrLst meth="repeat">
+      <a:schemeClr val="lt1"/>
+    </dgm:linClrLst>
+    <dgm:effectClrLst/>
+    <dgm:txLinClrLst/>
+    <dgm:txFillClrLst meth="repeat">
+      <a:schemeClr val="dk1"/>
+    </dgm:txFillClrLst>
+    <dgm:txEffectClrLst/>
+  </dgm:styleLbl>
+  <dgm:styleLbl name="revTx">
+    <dgm:fillClrLst meth="repeat">
+      <a:schemeClr val="lt1">
+        <a:alpha val="0"/>
+      </a:schemeClr>
+    </dgm:fillClrLst>
+    <dgm:linClrLst meth="repeat">
+      <a:schemeClr val="dk1">
+        <a:alpha val="0"/>
+      </a:schemeClr>
+    </dgm:linClrLst>
+    <dgm:effectClrLst/>
+    <dgm:txLinClrLst/>
+    <dgm:txFillClrLst meth="repeat">
+      <a:schemeClr val="tx1"/>
+    </dgm:txFillClrLst>
+    <dgm:txEffectClrLst/>
+  </dgm:styleLbl>
+</dgm:colorsDef>
+</file>
+
+<file path=ppt/diagrams/colors2.xml><?xml version="1.0" encoding="utf-8"?>
+<dgm:colorsDef xmlns:dgm="http://schemas.openxmlformats.org/drawingml/2006/diagram" xmlns:a="http://schemas.openxmlformats.org/drawingml/2006/main" uniqueId="urn:microsoft.com/office/officeart/2005/8/colors/accent1_2">
+  <dgm:title val=""/>
+  <dgm:desc val=""/>
+  <dgm:catLst>
+    <dgm:cat type="accent1" pri="11200"/>
+  </dgm:catLst>
+  <dgm:styleLbl name="node0">
+    <dgm:fillClrLst meth="repeat">
+      <a:schemeClr val="accent1"/>
+    </dgm:fillClrLst>
+    <dgm:linClrLst meth="repeat">
+      <a:schemeClr val="lt1"/>
+    </dgm:linClrLst>
+    <dgm:effectClrLst/>
+    <dgm:txLinClrLst/>
+    <dgm:txFillClrLst/>
+    <dgm:txEffectClrLst/>
+  </dgm:styleLbl>
+  <dgm:styleLbl name="alignNode1">
+    <dgm:fillClrLst meth="repeat">
+      <a:schemeClr val="accent1"/>
+    </dgm:fillClrLst>
+    <dgm:linClrLst meth="repeat">
+      <a:schemeClr val="accent1"/>
+    </dgm:linClrLst>
+    <dgm:effectClrLst/>
+    <dgm:txLinClrLst/>
+    <dgm:txFillClrLst/>
+    <dgm:txEffectClrLst/>
+  </dgm:styleLbl>
+  <dgm:styleLbl name="node1">
+    <dgm:fillClrLst meth="repeat">
+      <a:schemeClr val="accent1"/>
+    </dgm:fillClrLst>
+    <dgm:linClrLst meth="repeat">
+      <a:schemeClr val="lt1"/>
+    </dgm:linClrLst>
+    <dgm:effectClrLst/>
+    <dgm:txLinClrLst/>
+    <dgm:txFillClrLst/>
+    <dgm:txEffectClrLst/>
+  </dgm:styleLbl>
+  <dgm:styleLbl name="lnNode1">
+    <dgm:fillClrLst meth="repeat">
+      <a:schemeClr val="accent1"/>
+    </dgm:fillClrLst>
+    <dgm:linClrLst meth="repeat">
+      <a:schemeClr val="lt1"/>
+    </dgm:linClrLst>
+    <dgm:effectClrLst/>
+    <dgm:txLinClrLst/>
+    <dgm:txFillClrLst/>
+    <dgm:txEffectClrLst/>
+  </dgm:styleLbl>
+  <dgm:styleLbl name="vennNode1">
+    <dgm:fillClrLst meth="repeat">
+      <a:schemeClr val="accent1">
+        <a:alpha val="50000"/>
+      </a:schemeClr>
+    </dgm:fillClrLst>
+    <dgm:linClrLst meth="repeat">
+      <a:schemeClr val="lt1"/>
+    </dgm:linClrLst>
+    <dgm:effectClrLst/>
+    <dgm:txLinClrLst/>
+    <dgm:txFillClrLst/>
+    <dgm:txEffectClrLst/>
+  </dgm:styleLbl>
+  <dgm:styleLbl name="node2">
+    <dgm:fillClrLst meth="repeat">
+      <a:schemeClr val="accent1"/>
+    </dgm:fillClrLst>
+    <dgm:linClrLst meth="repeat">
+      <a:schemeClr val="lt1"/>
+    </dgm:linClrLst>
+    <dgm:effectClrLst/>
+    <dgm:txLinClrLst/>
+    <dgm:txFillClrLst/>
+    <dgm:txEffectClrLst/>
+  </dgm:styleLbl>
+  <dgm:styleLbl name="node3">
+    <dgm:fillClrLst meth="repeat">
+      <a:schemeClr val="accent1"/>
+    </dgm:fillClrLst>
+    <dgm:linClrLst meth="repeat">
+      <a:schemeClr val="lt1"/>
+    </dgm:linClrLst>
+    <dgm:effectClrLst/>
+    <dgm:txLinClrLst/>
+    <dgm:txFillClrLst/>
+    <dgm:txEffectClrLst/>
+  </dgm:styleLbl>
+  <dgm:styleLbl name="node4">
+    <dgm:fillClrLst meth="repeat">
+      <a:schemeClr val="accent1"/>
+    </dgm:fillClrLst>
+    <dgm:linClrLst meth="repeat">
+      <a:schemeClr val="lt1"/>
+    </dgm:linClrLst>
+    <dgm:effectClrLst/>
+    <dgm:txLinClrLst/>
+    <dgm:txFillClrLst/>
+    <dgm:txEffectClrLst/>
+  </dgm:styleLbl>
+  <dgm:styleLbl name="fgImgPlace1">
+    <dgm:fillClrLst meth="repeat">
+      <a:schemeClr val="accent1">
+        <a:tint val="50000"/>
+      </a:schemeClr>
+    </dgm:fillClrLst>
+    <dgm:linClrLst meth="repeat">
+      <a:schemeClr val="lt1"/>
+    </dgm:linClrLst>
+    <dgm:effectClrLst/>
+    <dgm:txLinClrLst/>
+    <dgm:txFillClrLst meth="repeat">
+      <a:schemeClr val="lt1"/>
+    </dgm:txFillClrLst>
+    <dgm:txEffectClrLst/>
+  </dgm:styleLbl>
+  <dgm:styleLbl name="alignImgPlace1">
+    <dgm:fillClrLst meth="repeat">
+      <a:schemeClr val="accent1">
+        <a:tint val="50000"/>
+      </a:schemeClr>
+    </dgm:fillClrLst>
+    <dgm:linClrLst meth="repeat">
+      <a:schemeClr val="lt1"/>
+    </dgm:linClrLst>
+    <dgm:effectClrLst/>
+    <dgm:txLinClrLst/>
+    <dgm:txFillClrLst meth="repeat">
+      <a:schemeClr val="lt1"/>
+    </dgm:txFillClrLst>
+    <dgm:txEffectClrLst/>
+  </dgm:styleLbl>
+  <dgm:styleLbl name="bgImgPlace1">
+    <dgm:fillClrLst meth="repeat">
+      <a:schemeClr val="accent1">
+        <a:tint val="50000"/>
+      </a:schemeClr>
+    </dgm:fillClrLst>
+    <dgm:linClrLst meth="repeat">
+      <a:schemeClr val="lt1"/>
+    </dgm:linClrLst>
+    <dgm:effectClrLst/>
+    <dgm:txLinClrLst/>
+    <dgm:txFillClrLst meth="repeat">
+      <a:schemeClr val="lt1"/>
+    </dgm:txFillClrLst>
+    <dgm:txEffectClrLst/>
+  </dgm:styleLbl>
+  <dgm:styleLbl name="sibTrans2D1">
+    <dgm:fillClrLst meth="repeat">
+      <a:schemeClr val="accent1">
+        <a:tint val="60000"/>
+      </a:schemeClr>
+    </dgm:fillClrLst>
+    <dgm:linClrLst meth="repeat">
+      <a:schemeClr val="accent1">
+        <a:tint val="60000"/>
+      </a:schemeClr>
+    </dgm:linClrLst>
+    <dgm:effectClrLst/>
+    <dgm:txLinClrLst/>
+    <dgm:txFillClrLst/>
+    <dgm:txEffectClrLst/>
+  </dgm:styleLbl>
+  <dgm:styleLbl name="fgSibTrans2D1">
+    <dgm:fillClrLst meth="repeat">
+      <a:schemeClr val="accent1">
+        <a:tint val="60000"/>
+      </a:schemeClr>
+    </dgm:fillClrLst>
+    <dgm:linClrLst meth="repeat">
+      <a:schemeClr val="accent1">
+        <a:tint val="60000"/>
+      </a:schemeClr>
+    </dgm:linClrLst>
+    <dgm:effectClrLst/>
+    <dgm:txLinClrLst/>
+    <dgm:txFillClrLst/>
+    <dgm:txEffectClrLst/>
+  </dgm:styleLbl>
+  <dgm:styleLbl name="bgSibTrans2D1">
+    <dgm:fillClrLst meth="repeat">
+      <a:schemeClr val="accent1">
+        <a:tint val="60000"/>
+      </a:schemeClr>
+    </dgm:fillClrLst>
+    <dgm:linClrLst meth="repeat">
+      <a:schemeClr val="accent1">
+        <a:tint val="60000"/>
+      </a:schemeClr>
+    </dgm:linClrLst>
+    <dgm:effectClrLst/>
+    <dgm:txLinClrLst/>
+    <dgm:txFillClrLst/>
+    <dgm:txEffectClrLst/>
+  </dgm:styleLbl>
+  <dgm:styleLbl name="sibTrans1D1">
+    <dgm:fillClrLst meth="repeat">
+      <a:schemeClr val="accent1"/>
+    </dgm:fillClrLst>
+    <dgm:linClrLst meth="repeat">
+      <a:schemeClr val="accent1"/>
+    </dgm:linClrLst>
+    <dgm:effectClrLst/>
+    <dgm:txLinClrLst/>
+    <dgm:txFillClrLst meth="repeat">
+      <a:schemeClr val="tx1"/>
+    </dgm:txFillClrLst>
+    <dgm:txEffectClrLst/>
+  </dgm:styleLbl>
+  <dgm:styleLbl name="callout">
+    <dgm:fillClrLst meth="repeat">
+      <a:schemeClr val="accent1"/>
+    </dgm:fillClrLst>
+    <dgm:linClrLst meth="repeat">
+      <a:schemeClr val="accent1">
+        <a:tint val="50000"/>
+      </a:schemeClr>
+    </dgm:linClrLst>
+    <dgm:effectClrLst/>
+    <dgm:txLinClrLst/>
+    <dgm:txFillClrLst meth="repeat">
+      <a:schemeClr val="tx1"/>
+    </dgm:txFillClrLst>
+    <dgm:txEffectClrLst/>
+  </dgm:styleLbl>
+  <dgm:styleLbl name="asst0">
+    <dgm:fillClrLst meth="repeat">
+      <a:schemeClr val="accent1"/>
+    </dgm:fillClrLst>
+    <dgm:linClrLst meth="repeat">
+      <a:schemeClr val="lt1"/>
+    </dgm:linClrLst>
+    <dgm:effectClrLst/>
+    <dgm:txLinClrLst/>
+    <dgm:txFillClrLst/>
+    <dgm:txEffectClrLst/>
+  </dgm:styleLbl>
+  <dgm:styleLbl name="asst1">
+    <dgm:fillClrLst meth="repeat">
+      <a:schemeClr val="accent1"/>
+    </dgm:fillClrLst>
+    <dgm:linClrLst meth="repeat">
+      <a:schemeClr val="lt1"/>
+    </dgm:linClrLst>
+    <dgm:effectClrLst/>
+    <dgm:txLinClrLst/>
+    <dgm:txFillClrLst/>
+    <dgm:txEffectClrLst/>
+  </dgm:styleLbl>
+  <dgm:styleLbl name="asst2">
+    <dgm:fillClrLst meth="repeat">
+      <a:schemeClr val="accent1"/>
+    </dgm:fillClrLst>
+    <dgm:linClrLst meth="repeat">
+      <a:schemeClr val="lt1"/>
+    </dgm:linClrLst>
+    <dgm:effectClrLst/>
+    <dgm:txLinClrLst/>
+    <dgm:txFillClrLst/>
+    <dgm:txEffectClrLst/>
+  </dgm:styleLbl>
+  <dgm:styleLbl name="asst3">
+    <dgm:fillClrLst meth="repeat">
+      <a:schemeClr val="accent1"/>
+    </dgm:fillClrLst>
+    <dgm:linClrLst meth="repeat">
+      <a:schemeClr val="lt1"/>
+    </dgm:linClrLst>
+    <dgm:effectClrLst/>
+    <dgm:txLinClrLst/>
+    <dgm:txFillClrLst/>
+    <dgm:txEffectClrLst/>
+  </dgm:styleLbl>
+  <dgm:styleLbl name="asst4">
+    <dgm:fillClrLst meth="repeat">
+      <a:schemeClr val="accent1"/>
+    </dgm:fillClrLst>
+    <dgm:linClrLst meth="repeat">
+      <a:schemeClr val="lt1"/>
+    </dgm:linClrLst>
+    <dgm:effectClrLst/>
+    <dgm:txLinClrLst/>
+    <dgm:txFillClrLst/>
+    <dgm:txEffectClrLst/>
+  </dgm:styleLbl>
+  <dgm:styleLbl name="parChTrans2D1">
+    <dgm:fillClrLst meth="repeat">
+      <a:schemeClr val="accent1">
+        <a:tint val="60000"/>
+      </a:schemeClr>
+    </dgm:fillClrLst>
+    <dgm:linClrLst meth="repeat">
+      <a:schemeClr val="accent1">
+        <a:tint val="60000"/>
+      </a:schemeClr>
+    </dgm:linClrLst>
+    <dgm:effectClrLst/>
+    <dgm:txLinClrLst/>
+    <dgm:txFillClrLst meth="repeat">
+      <a:schemeClr val="lt1"/>
+    </dgm:txFillClrLst>
+    <dgm:txEffectClrLst/>
+  </dgm:styleLbl>
+  <dgm:styleLbl name="parChTrans2D2">
+    <dgm:fillClrLst meth="repeat">
+      <a:schemeClr val="accent1"/>
+    </dgm:fillClrLst>
+    <dgm:linClrLst meth="repeat">
+      <a:schemeClr val="accent1"/>
+    </dgm:linClrLst>
+    <dgm:effectClrLst/>
+    <dgm:txLinClrLst/>
+    <dgm:txFillClrLst meth="repeat">
+      <a:schemeClr val="lt1"/>
+    </dgm:txFillClrLst>
+    <dgm:txEffectClrLst/>
+  </dgm:styleLbl>
+  <dgm:styleLbl name="parChTrans2D3">
+    <dgm:fillClrLst meth="repeat">
+      <a:schemeClr val="accent1"/>
+    </dgm:fillClrLst>
+    <dgm:linClrLst meth="repeat">
+      <a:schemeClr val="accent1"/>
+    </dgm:linClrLst>
+    <dgm:effectClrLst/>
+    <dgm:txLinClrLst/>
+    <dgm:txFillClrLst meth="repeat">
+      <a:schemeClr val="lt1"/>
+    </dgm:txFillClrLst>
+    <dgm:txEffectClrLst/>
+  </dgm:styleLbl>
+  <dgm:styleLbl name="parChTrans2D4">
+    <dgm:fillClrLst meth="repeat">
+      <a:schemeClr val="accent1"/>
+    </dgm:fillClrLst>
+    <dgm:linClrLst meth="repeat">
+      <a:schemeClr val="accent1"/>
+    </dgm:linClrLst>
+    <dgm:effectClrLst/>
+    <dgm:txLinClrLst/>
+    <dgm:txFillClrLst meth="repeat">
+      <a:schemeClr val="lt1"/>
+    </dgm:txFillClrLst>
+    <dgm:txEffectClrLst/>
+  </dgm:styleLbl>
+  <dgm:styleLbl name="parChTrans1D1">
+    <dgm:fillClrLst meth="repeat">
+      <a:schemeClr val="accent1"/>
+    </dgm:fillClrLst>
+    <dgm:linClrLst meth="repeat">
+      <a:schemeClr val="accent1">
+        <a:shade val="60000"/>
+      </a:schemeClr>
+    </dgm:linClrLst>
+    <dgm:effectClrLst/>
+    <dgm:txLinClrLst/>
+    <dgm:txFillClrLst meth="repeat">
+      <a:schemeClr val="tx1"/>
+    </dgm:txFillClrLst>
+    <dgm:txEffectClrLst/>
+  </dgm:styleLbl>
+  <dgm:styleLbl name="parChTrans1D2">
+    <dgm:fillClrLst meth="repeat">
+      <a:schemeClr val="accent1"/>
+    </dgm:fillClrLst>
+    <dgm:linClrLst meth="repeat">
+      <a:schemeClr val="accent1">
+        <a:shade val="60000"/>
+      </a:schemeClr>
+    </dgm:linClrLst>
+    <dgm:effectClrLst/>
+    <dgm:txLinClrLst/>
+    <dgm:txFillClrLst meth="repeat">
+      <a:schemeClr val="tx1"/>
+    </dgm:txFillClrLst>
+    <dgm:txEffectClrLst/>
+  </dgm:styleLbl>
+  <dgm:styleLbl name="parChTrans1D3">
+    <dgm:fillClrLst meth="repeat">
+      <a:schemeClr val="accent1"/>
+    </dgm:fillClrLst>
+    <dgm:linClrLst meth="repeat">
+      <a:schemeClr val="accent1">
+        <a:shade val="80000"/>
+      </a:schemeClr>
+    </dgm:linClrLst>
+    <dgm:effectClrLst/>
+    <dgm:txLinClrLst/>
+    <dgm:txFillClrLst meth="repeat">
+      <a:schemeClr val="tx1"/>
+    </dgm:txFillClrLst>
+    <dgm:txEffectClrLst/>
+  </dgm:styleLbl>
+  <dgm:styleLbl name="parChTrans1D4">
+    <dgm:fillClrLst meth="repeat">
+      <a:schemeClr val="accent1"/>
+    </dgm:fillClrLst>
+    <dgm:linClrLst meth="repeat">
+      <a:schemeClr val="accent1">
+        <a:shade val="80000"/>
+      </a:schemeClr>
+    </dgm:linClrLst>
+    <dgm:effectClrLst/>
+    <dgm:txLinClrLst/>
+    <dgm:txFillClrLst meth="repeat">
+      <a:schemeClr val="tx1"/>
+    </dgm:txFillClrLst>
+    <dgm:txEffectClrLst/>
+  </dgm:styleLbl>
+  <dgm:styleLbl name="fgAcc1">
+    <dgm:fillClrLst meth="repeat">
+      <a:schemeClr val="lt1">
+        <a:alpha val="90000"/>
+      </a:schemeClr>
+    </dgm:fillClrLst>
+    <dgm:linClrLst meth="repeat">
+      <a:schemeClr val="accent1"/>
+    </dgm:linClrLst>
+    <dgm:effectClrLst/>
+    <dgm:txLinClrLst/>
+    <dgm:txFillClrLst meth="repeat">
+      <a:schemeClr val="dk1"/>
+    </dgm:txFillClrLst>
+    <dgm:txEffectClrLst/>
+  </dgm:styleLbl>
+  <dgm:styleLbl name="conFgAcc1">
+    <dgm:fillClrLst meth="repeat">
+      <a:schemeClr val="lt1">
+        <a:alpha val="90000"/>
+      </a:schemeClr>
+    </dgm:fillClrLst>
+    <dgm:linClrLst meth="repeat">
+      <a:schemeClr val="accent1"/>
+    </dgm:linClrLst>
+    <dgm:effectClrLst/>
+    <dgm:txLinClrLst/>
+    <dgm:txFillClrLst meth="repeat">
+      <a:schemeClr val="dk1"/>
+    </dgm:txFillClrLst>
+    <dgm:txEffectClrLst/>
+  </dgm:styleLbl>
+  <dgm:styleLbl name="alignAcc1">
+    <dgm:fillClrLst meth="repeat">
+      <a:schemeClr val="lt1">
+        <a:alpha val="90000"/>
+      </a:schemeClr>
+    </dgm:fillClrLst>
+    <dgm:linClrLst meth="repeat">
+      <a:schemeClr val="accent1"/>
+    </dgm:linClrLst>
+    <dgm:effectClrLst/>
+    <dgm:txLinClrLst/>
+    <dgm:txFillClrLst meth="repeat">
+      <a:schemeClr val="dk1"/>
+    </dgm:txFillClrLst>
+    <dgm:txEffectClrLst/>
+  </dgm:styleLbl>
+  <dgm:styleLbl name="trAlignAcc1">
+    <dgm:fillClrLst meth="repeat">
+      <a:schemeClr val="lt1">
+        <a:alpha val="40000"/>
+      </a:schemeClr>
+    </dgm:fillClrLst>
+    <dgm:linClrLst meth="repeat">
+      <a:schemeClr val="accent1"/>
+    </dgm:linClrLst>
+    <dgm:effectClrLst/>
+    <dgm:txLinClrLst/>
+    <dgm:txFillClrLst meth="repeat">
+      <a:schemeClr val="dk1"/>
+    </dgm:txFillClrLst>
+    <dgm:txEffectClrLst/>
+  </dgm:styleLbl>
+  <dgm:styleLbl name="bgAcc1">
+    <dgm:fillClrLst meth="repeat">
+      <a:schemeClr val="lt1">
+        <a:alpha val="90000"/>
+      </a:schemeClr>
+    </dgm:fillClrLst>
+    <dgm:linClrLst meth="repeat">
+      <a:schemeClr val="accent1"/>
+    </dgm:linClrLst>
+    <dgm:effectClrLst/>
+    <dgm:txLinClrLst/>
+    <dgm:txFillClrLst meth="repeat">
+      <a:schemeClr val="dk1"/>
+    </dgm:txFillClrLst>
+    <dgm:txEffectClrLst/>
+  </dgm:styleLbl>
+  <dgm:styleLbl name="solidFgAcc1">
+    <dgm:fillClrLst meth="repeat">
+      <a:schemeClr val="lt1"/>
+    </dgm:fillClrLst>
+    <dgm:linClrLst meth="repeat">
+      <a:schemeClr val="accent1"/>
+    </dgm:linClrLst>
+    <dgm:effectClrLst/>
+    <dgm:txLinClrLst/>
+    <dgm:txFillClrLst meth="repeat">
+      <a:schemeClr val="dk1"/>
+    </dgm:txFillClrLst>
+    <dgm:txEffectClrLst/>
+  </dgm:styleLbl>
+  <dgm:styleLbl name="solidAlignAcc1">
+    <dgm:fillClrLst meth="repeat">
+      <a:schemeClr val="lt1"/>
+    </dgm:fillClrLst>
+    <dgm:linClrLst meth="repeat">
+      <a:schemeClr val="accent1"/>
+    </dgm:linClrLst>
+    <dgm:effectClrLst/>
+    <dgm:txLinClrLst/>
+    <dgm:txFillClrLst meth="repeat">
+      <a:schemeClr val="dk1"/>
+    </dgm:txFillClrLst>
+    <dgm:txEffectClrLst/>
+  </dgm:styleLbl>
+  <dgm:styleLbl name="solidBgAcc1">
+    <dgm:fillClrLst meth="repeat">
+      <a:schemeClr val="lt1"/>
+    </dgm:fillClrLst>
+    <dgm:linClrLst meth="repeat">
+      <a:schemeClr val="accent1"/>
+    </dgm:linClrLst>
+    <dgm:effectClrLst/>
+    <dgm:txLinClrLst/>
+    <dgm:txFillClrLst meth="repeat">
+      <a:schemeClr val="dk1"/>
+    </dgm:txFillClrLst>
+    <dgm:txEffectClrLst/>
+  </dgm:styleLbl>
+  <dgm:styleLbl name="fgAccFollowNode1">
+    <dgm:fillClrLst meth="repeat">
+      <a:schemeClr val="accent1">
+        <a:alpha val="90000"/>
+        <a:tint val="40000"/>
+      </a:schemeClr>
+    </dgm:fillClrLst>
+    <dgm:linClrLst meth="repeat">
+      <a:schemeClr val="accent1">
+        <a:alpha val="90000"/>
+        <a:tint val="40000"/>
+      </a:schemeClr>
+    </dgm:linClrLst>
+    <dgm:effectClrLst/>
+    <dgm:txLinClrLst/>
+    <dgm:txFillClrLst meth="repeat">
+      <a:schemeClr val="dk1"/>
+    </dgm:txFillClrLst>
+    <dgm:txEffectClrLst/>
+  </dgm:styleLbl>
+  <dgm:styleLbl name="alignAccFollowNode1">
+    <dgm:fillClrLst meth="repeat">
+      <a:schemeClr val="accent1">
+        <a:alpha val="90000"/>
+        <a:tint val="40000"/>
+      </a:schemeClr>
+    </dgm:fillClrLst>
+    <dgm:linClrLst meth="repeat">
+      <a:schemeClr val="accent1">
+        <a:alpha val="90000"/>
+        <a:tint val="40000"/>
+      </a:schemeClr>
+    </dgm:linClrLst>
+    <dgm:effectClrLst/>
+    <dgm:txLinClrLst/>
+    <dgm:txFillClrLst meth="repeat">
+      <a:schemeClr val="dk1"/>
+    </dgm:txFillClrLst>
+    <dgm:txEffectClrLst/>
+  </dgm:styleLbl>
+  <dgm:styleLbl name="bgAccFollowNode1">
+    <dgm:fillClrLst meth="repeat">
+      <a:schemeClr val="accent1">
+        <a:alpha val="90000"/>
+        <a:tint val="40000"/>
+      </a:schemeClr>
+    </dgm:fillClrLst>
+    <dgm:linClrLst meth="repeat">
+      <a:schemeClr val="accent1">
+        <a:alpha val="90000"/>
+        <a:tint val="40000"/>
+      </a:schemeClr>
+    </dgm:linClrLst>
+    <dgm:effectClrLst/>
+    <dgm:txLinClrLst/>
+    <dgm:txFillClrLst meth="repeat">
+      <a:schemeClr val="dk1"/>
+    </dgm:txFillClrLst>
+    <dgm:txEffectClrLst/>
+  </dgm:styleLbl>
+  <dgm:styleLbl name="fgAcc0">
+    <dgm:fillClrLst meth="repeat">
+      <a:schemeClr val="lt1">
+        <a:alpha val="90000"/>
+      </a:schemeClr>
+    </dgm:fillClrLst>
+    <dgm:linClrLst meth="repeat">
+      <a:schemeClr val="accent1"/>
+    </dgm:linClrLst>
+    <dgm:effectClrLst/>
+    <dgm:txLinClrLst/>
+    <dgm:txFillClrLst meth="repeat">
+      <a:schemeClr val="dk1"/>
+    </dgm:txFillClrLst>
+    <dgm:txEffectClrLst/>
+  </dgm:styleLbl>
+  <dgm:styleLbl name="fgAcc2">
+    <dgm:fillClrLst meth="repeat">
+      <a:schemeClr val="lt1">
+        <a:alpha val="90000"/>
+      </a:schemeClr>
+    </dgm:fillClrLst>
+    <dgm:linClrLst meth="repeat">
+      <a:schemeClr val="accent1"/>
+    </dgm:linClrLst>
+    <dgm:effectClrLst/>
+    <dgm:txLinClrLst/>
+    <dgm:txFillClrLst meth="repeat">
+      <a:schemeClr val="dk1"/>
+    </dgm:txFillClrLst>
+    <dgm:txEffectClrLst/>
+  </dgm:styleLbl>
+  <dgm:styleLbl name="fgAcc3">
+    <dgm:fillClrLst meth="repeat">
+      <a:schemeClr val="lt1">
+        <a:alpha val="90000"/>
+      </a:schemeClr>
+    </dgm:fillClrLst>
+    <dgm:linClrLst meth="repeat">
+      <a:schemeClr val="accent1"/>
+    </dgm:linClrLst>
+    <dgm:effectClrLst/>
+    <dgm:txLinClrLst/>
+    <dgm:txFillClrLst meth="repeat">
+      <a:schemeClr val="dk1"/>
+    </dgm:txFillClrLst>
+    <dgm:txEffectClrLst/>
+  </dgm:styleLbl>
+  <dgm:styleLbl name="fgAcc4">
+    <dgm:fillClrLst meth="repeat">
+      <a:schemeClr val="lt1">
+        <a:alpha val="90000"/>
+      </a:schemeClr>
+    </dgm:fillClrLst>
+    <dgm:linClrLst meth="repeat">
+      <a:schemeClr val="accent1"/>
+    </dgm:linClrLst>
+    <dgm:effectClrLst/>
+    <dgm:txLinClrLst/>
+    <dgm:txFillClrLst meth="repeat">
+      <a:schemeClr val="dk1"/>
+    </dgm:txFillClrLst>
+    <dgm:txEffectClrLst/>
+  </dgm:styleLbl>
+  <dgm:styleLbl name="bgShp">
+    <dgm:fillClrLst meth="repeat">
+      <a:schemeClr val="accent1">
+        <a:tint val="40000"/>
+      </a:schemeClr>
+    </dgm:fillClrLst>
+    <dgm:linClrLst meth="repeat">
+      <a:schemeClr val="accent1"/>
+    </dgm:linClrLst>
+    <dgm:effectClrLst/>
+    <dgm:txLinClrLst/>
+    <dgm:txFillClrLst meth="repeat">
+      <a:schemeClr val="dk1"/>
+    </dgm:txFillClrLst>
+    <dgm:txEffectClrLst/>
+  </dgm:styleLbl>
+  <dgm:styleLbl name="dkBgShp">
+    <dgm:fillClrLst meth="repeat">
+      <a:schemeClr val="accent1">
+        <a:shade val="80000"/>
+      </a:schemeClr>
+    </dgm:fillClrLst>
+    <dgm:linClrLst meth="repeat">
+      <a:schemeClr val="accent1"/>
+    </dgm:linClrLst>
+    <dgm:effectClrLst/>
+    <dgm:txLinClrLst/>
+    <dgm:txFillClrLst meth="repeat">
+      <a:schemeClr val="lt1"/>
+    </dgm:txFillClrLst>
+    <dgm:txEffectClrLst/>
+  </dgm:styleLbl>
+  <dgm:styleLbl name="trBgShp">
+    <dgm:fillClrLst meth="repeat">
+      <a:schemeClr val="accent1">
+        <a:tint val="50000"/>
+        <a:alpha val="40000"/>
+      </a:schemeClr>
+    </dgm:fillClrLst>
+    <dgm:linClrLst meth="repeat">
+      <a:schemeClr val="accent1"/>
+    </dgm:linClrLst>
+    <dgm:effectClrLst/>
+    <dgm:txLinClrLst/>
+    <dgm:txFillClrLst meth="repeat">
+      <a:schemeClr val="lt1"/>
+    </dgm:txFillClrLst>
+    <dgm:txEffectClrLst/>
+  </dgm:styleLbl>
+  <dgm:styleLbl name="fgShp">
+    <dgm:fillClrLst meth="repeat">
+      <a:schemeClr val="accent1">
+        <a:tint val="60000"/>
+      </a:schemeClr>
+    </dgm:fillClrLst>
+    <dgm:linClrLst meth="repeat">
+      <a:schemeClr val="lt1"/>
+    </dgm:linClrLst>
+    <dgm:effectClrLst/>
+    <dgm:txLinClrLst/>
+    <dgm:txFillClrLst meth="repeat">
+      <a:schemeClr val="dk1"/>
+    </dgm:txFillClrLst>
+    <dgm:txEffectClrLst/>
+  </dgm:styleLbl>
+  <dgm:styleLbl name="revTx">
+    <dgm:fillClrLst meth="repeat">
+      <a:schemeClr val="lt1">
+        <a:alpha val="0"/>
+      </a:schemeClr>
+    </dgm:fillClrLst>
+    <dgm:linClrLst meth="repeat">
+      <a:schemeClr val="dk1">
+        <a:alpha val="0"/>
+      </a:schemeClr>
+    </dgm:linClrLst>
+    <dgm:effectClrLst/>
+    <dgm:txLinClrLst/>
+    <dgm:txFillClrLst meth="repeat">
+      <a:schemeClr val="tx1"/>
+    </dgm:txFillClrLst>
+    <dgm:txEffectClrLst/>
+  </dgm:styleLbl>
+</dgm:colorsDef>
+</file>
+
+<file path=ppt/diagrams/colors3.xml><?xml version="1.0" encoding="utf-8"?>
 <dgm:colorsDef xmlns:dgm="http://schemas.openxmlformats.org/drawingml/2006/diagram" xmlns:a="http://schemas.openxmlformats.org/drawingml/2006/main" uniqueId="urn:microsoft.com/office/officeart/2005/8/colors/accent1_2">
   <dgm:title val=""/>
   <dgm:desc val=""/>
@@ -1124,6 +2624,462 @@
     <dgm:cxn modelId="{55D194C7-D271-40EA-AF40-CA5D935CBA50}" type="presParOf" srcId="{22B33940-F1D3-4880-8FEA-DBD0B4D4583B}" destId="{AD756C54-89BB-45F9-94E8-3D72085E27BA}" srcOrd="1" destOrd="0" presId="urn:microsoft.com/office/officeart/2005/8/layout/vList2"/>
     <dgm:cxn modelId="{DF40FABA-0221-438B-B5E5-5D06DBDA631A}" type="presParOf" srcId="{22B33940-F1D3-4880-8FEA-DBD0B4D4583B}" destId="{CBDE57FB-4C46-4A21-9988-BBE6FA174EDF}" srcOrd="2" destOrd="0" presId="urn:microsoft.com/office/officeart/2005/8/layout/vList2"/>
     <dgm:cxn modelId="{4D33542D-3422-4A0F-B007-2129BAFB045A}" type="presParOf" srcId="{22B33940-F1D3-4880-8FEA-DBD0B4D4583B}" destId="{55F78752-4BE1-4E15-9B3C-F72A651DE2A4}" srcOrd="3" destOrd="0" presId="urn:microsoft.com/office/officeart/2005/8/layout/vList2"/>
+  </dgm:cxnLst>
+  <dgm:bg/>
+  <dgm:whole/>
+  <dgm:extLst>
+    <a:ext uri="http://schemas.microsoft.com/office/drawing/2008/diagram">
+      <dsp:dataModelExt xmlns:dsp="http://schemas.microsoft.com/office/drawing/2008/diagram" relId="rId6" minVer="http://schemas.openxmlformats.org/drawingml/2006/diagram"/>
+    </a:ext>
+  </dgm:extLst>
+</dgm:dataModel>
+</file>
+
+<file path=ppt/diagrams/data2.xml><?xml version="1.0" encoding="utf-8"?>
+<dgm:dataModel xmlns:dgm="http://schemas.openxmlformats.org/drawingml/2006/diagram" xmlns:a="http://schemas.openxmlformats.org/drawingml/2006/main">
+  <dgm:ptLst>
+    <dgm:pt modelId="{67498219-DD69-4CD3-9FD5-2830E852E946}" type="doc">
+      <dgm:prSet loTypeId="urn:microsoft.com/office/officeart/2018/2/layout/IconLabelList" loCatId="icon" qsTypeId="urn:microsoft.com/office/officeart/2005/8/quickstyle/simple1" qsCatId="simple" csTypeId="urn:microsoft.com/office/officeart/2005/8/colors/accent1_2" csCatId="accent1" phldr="1"/>
+      <dgm:spPr/>
+      <dgm:t>
+        <a:bodyPr/>
+        <a:lstStyle/>
+        <a:p>
+          <a:endParaRPr lang="en-US"/>
+        </a:p>
+      </dgm:t>
+    </dgm:pt>
+    <dgm:pt modelId="{2F8B460E-6439-474E-AE43-AFC79E9FCDA2}">
+      <dgm:prSet/>
+      <dgm:spPr/>
+      <dgm:t>
+        <a:bodyPr/>
+        <a:lstStyle/>
+        <a:p>
+          <a:pPr>
+            <a:lnSpc>
+              <a:spcPct val="100000"/>
+            </a:lnSpc>
+          </a:pPr>
+          <a:r>
+            <a:rPr lang="en-US" dirty="0"/>
+            <a:t>Having a large amount of Data.</a:t>
+          </a:r>
+        </a:p>
+      </dgm:t>
+    </dgm:pt>
+    <dgm:pt modelId="{E3AB8E57-BFE9-4300-A5E5-66276726B2A2}" type="parTrans" cxnId="{84818F42-BECF-4232-9268-85E7A87656AA}">
+      <dgm:prSet/>
+      <dgm:spPr/>
+      <dgm:t>
+        <a:bodyPr/>
+        <a:lstStyle/>
+        <a:p>
+          <a:endParaRPr lang="en-US"/>
+        </a:p>
+      </dgm:t>
+    </dgm:pt>
+    <dgm:pt modelId="{D54E9E72-5D5A-464A-ADDC-FA651C4C4BAC}" type="sibTrans" cxnId="{84818F42-BECF-4232-9268-85E7A87656AA}">
+      <dgm:prSet/>
+      <dgm:spPr/>
+      <dgm:t>
+        <a:bodyPr/>
+        <a:lstStyle/>
+        <a:p>
+          <a:endParaRPr lang="en-US"/>
+        </a:p>
+      </dgm:t>
+    </dgm:pt>
+    <dgm:pt modelId="{1978EB07-F353-4AB3-82AC-58F706EABA44}">
+      <dgm:prSet/>
+      <dgm:spPr/>
+      <dgm:t>
+        <a:bodyPr/>
+        <a:lstStyle/>
+        <a:p>
+          <a:pPr>
+            <a:lnSpc>
+              <a:spcPct val="100000"/>
+            </a:lnSpc>
+          </a:pPr>
+          <a:r>
+            <a:rPr lang="en-US"/>
+            <a:t>The Scrapper Package I used in Python grabbed the individual players data by year.</a:t>
+          </a:r>
+        </a:p>
+      </dgm:t>
+    </dgm:pt>
+    <dgm:pt modelId="{72CB7866-9882-4835-B85A-F124F55BC67F}" type="parTrans" cxnId="{CDD4D30A-CFA0-402E-BC1F-9F20B030F5CC}">
+      <dgm:prSet/>
+      <dgm:spPr/>
+      <dgm:t>
+        <a:bodyPr/>
+        <a:lstStyle/>
+        <a:p>
+          <a:endParaRPr lang="en-US"/>
+        </a:p>
+      </dgm:t>
+    </dgm:pt>
+    <dgm:pt modelId="{367F5169-B7DA-4594-A5B9-9B6CFBD55715}" type="sibTrans" cxnId="{CDD4D30A-CFA0-402E-BC1F-9F20B030F5CC}">
+      <dgm:prSet/>
+      <dgm:spPr/>
+      <dgm:t>
+        <a:bodyPr/>
+        <a:lstStyle/>
+        <a:p>
+          <a:endParaRPr lang="en-US"/>
+        </a:p>
+      </dgm:t>
+    </dgm:pt>
+    <dgm:pt modelId="{ADD6289D-DC3B-4D93-AD34-AAD0CC523A1C}">
+      <dgm:prSet/>
+      <dgm:spPr/>
+      <dgm:t>
+        <a:bodyPr/>
+        <a:lstStyle/>
+        <a:p>
+          <a:pPr>
+            <a:lnSpc>
+              <a:spcPct val="100000"/>
+            </a:lnSpc>
+          </a:pPr>
+          <a:r>
+            <a:rPr lang="en-US"/>
+            <a:t>Cleaning became tedious with having 20+ tabs in Excel.</a:t>
+          </a:r>
+        </a:p>
+      </dgm:t>
+    </dgm:pt>
+    <dgm:pt modelId="{FE4009F7-E867-4F4D-A96A-D34C624FB643}" type="parTrans" cxnId="{398C15E8-CE41-47C4-9EFE-466E38458C92}">
+      <dgm:prSet/>
+      <dgm:spPr/>
+      <dgm:t>
+        <a:bodyPr/>
+        <a:lstStyle/>
+        <a:p>
+          <a:endParaRPr lang="en-US"/>
+        </a:p>
+      </dgm:t>
+    </dgm:pt>
+    <dgm:pt modelId="{BC3EA79D-B06E-4CE9-836C-86D04CF82E79}" type="sibTrans" cxnId="{398C15E8-CE41-47C4-9EFE-466E38458C92}">
+      <dgm:prSet/>
+      <dgm:spPr/>
+      <dgm:t>
+        <a:bodyPr/>
+        <a:lstStyle/>
+        <a:p>
+          <a:endParaRPr lang="en-US"/>
+        </a:p>
+      </dgm:t>
+    </dgm:pt>
+    <dgm:pt modelId="{162C9F73-308E-4170-9FEC-61B2DBBAED84}" type="pres">
+      <dgm:prSet presAssocID="{67498219-DD69-4CD3-9FD5-2830E852E946}" presName="root" presStyleCnt="0">
+        <dgm:presLayoutVars>
+          <dgm:dir/>
+          <dgm:resizeHandles val="exact"/>
+        </dgm:presLayoutVars>
+      </dgm:prSet>
+      <dgm:spPr/>
+    </dgm:pt>
+    <dgm:pt modelId="{D0B0CC86-EBE4-480C-BF84-A6C49ABAB1BD}" type="pres">
+      <dgm:prSet presAssocID="{2F8B460E-6439-474E-AE43-AFC79E9FCDA2}" presName="compNode" presStyleCnt="0"/>
+      <dgm:spPr/>
+    </dgm:pt>
+    <dgm:pt modelId="{C523F677-B8D9-425F-A1FC-C38FF0323AC7}" type="pres">
+      <dgm:prSet presAssocID="{2F8B460E-6439-474E-AE43-AFC79E9FCDA2}" presName="iconRect" presStyleLbl="node1" presStyleIdx="0" presStyleCnt="3"/>
+      <dgm:spPr>
+        <a:blipFill>
+          <a:blip xmlns:r="http://schemas.openxmlformats.org/officeDocument/2006/relationships" r:embed="rId1">
+            <a:extLst>
+              <a:ext uri="{28A0092B-C50C-407E-A947-70E740481C1C}">
+                <a14:useLocalDpi xmlns:a14="http://schemas.microsoft.com/office/drawing/2010/main" val="0"/>
+              </a:ext>
+              <a:ext uri="{96DAC541-7B7A-43D3-8B79-37D633B846F1}">
+                <asvg:svgBlip xmlns:asvg="http://schemas.microsoft.com/office/drawing/2016/SVG/main" r:embed="rId2"/>
+              </a:ext>
+            </a:extLst>
+          </a:blip>
+          <a:stretch>
+            <a:fillRect/>
+          </a:stretch>
+        </a:blipFill>
+      </dgm:spPr>
+      <dgm:extLst>
+        <a:ext uri="{E40237B7-FDA0-4F09-8148-C483321AD2D9}">
+          <dgm14:cNvPr xmlns:dgm14="http://schemas.microsoft.com/office/drawing/2010/diagram" id="0" name="" descr="Gold bars"/>
+        </a:ext>
+      </dgm:extLst>
+    </dgm:pt>
+    <dgm:pt modelId="{5D226249-48DD-497B-BBB8-933E29D1609F}" type="pres">
+      <dgm:prSet presAssocID="{2F8B460E-6439-474E-AE43-AFC79E9FCDA2}" presName="spaceRect" presStyleCnt="0"/>
+      <dgm:spPr/>
+    </dgm:pt>
+    <dgm:pt modelId="{5BD03708-A7CB-45DB-98CC-9B340552FEC4}" type="pres">
+      <dgm:prSet presAssocID="{2F8B460E-6439-474E-AE43-AFC79E9FCDA2}" presName="textRect" presStyleLbl="revTx" presStyleIdx="0" presStyleCnt="3">
+        <dgm:presLayoutVars>
+          <dgm:chMax val="1"/>
+          <dgm:chPref val="1"/>
+        </dgm:presLayoutVars>
+      </dgm:prSet>
+      <dgm:spPr/>
+    </dgm:pt>
+    <dgm:pt modelId="{E314C44C-1353-4684-9168-5C57C8C06595}" type="pres">
+      <dgm:prSet presAssocID="{D54E9E72-5D5A-464A-ADDC-FA651C4C4BAC}" presName="sibTrans" presStyleCnt="0"/>
+      <dgm:spPr/>
+    </dgm:pt>
+    <dgm:pt modelId="{FA0D96FF-0630-4500-A023-A4FF21891985}" type="pres">
+      <dgm:prSet presAssocID="{1978EB07-F353-4AB3-82AC-58F706EABA44}" presName="compNode" presStyleCnt="0"/>
+      <dgm:spPr/>
+    </dgm:pt>
+    <dgm:pt modelId="{0AF222AB-09E8-46D0-92C0-BD1044B07D5A}" type="pres">
+      <dgm:prSet presAssocID="{1978EB07-F353-4AB3-82AC-58F706EABA44}" presName="iconRect" presStyleLbl="node1" presStyleIdx="1" presStyleCnt="3"/>
+      <dgm:spPr>
+        <a:blipFill>
+          <a:blip xmlns:r="http://schemas.openxmlformats.org/officeDocument/2006/relationships" r:embed="rId3">
+            <a:extLst>
+              <a:ext uri="{28A0092B-C50C-407E-A947-70E740481C1C}">
+                <a14:useLocalDpi xmlns:a14="http://schemas.microsoft.com/office/drawing/2010/main" val="0"/>
+              </a:ext>
+              <a:ext uri="{96DAC541-7B7A-43D3-8B79-37D633B846F1}">
+                <asvg:svgBlip xmlns:asvg="http://schemas.microsoft.com/office/drawing/2016/SVG/main" r:embed="rId4"/>
+              </a:ext>
+            </a:extLst>
+          </a:blip>
+          <a:stretch>
+            <a:fillRect/>
+          </a:stretch>
+        </a:blipFill>
+      </dgm:spPr>
+      <dgm:extLst>
+        <a:ext uri="{E40237B7-FDA0-4F09-8148-C483321AD2D9}">
+          <dgm14:cNvPr xmlns:dgm14="http://schemas.microsoft.com/office/drawing/2010/diagram" id="0" name="" descr="Programmer"/>
+        </a:ext>
+      </dgm:extLst>
+    </dgm:pt>
+    <dgm:pt modelId="{BEC0244E-99CC-4B90-A29E-34A47DC3C519}" type="pres">
+      <dgm:prSet presAssocID="{1978EB07-F353-4AB3-82AC-58F706EABA44}" presName="spaceRect" presStyleCnt="0"/>
+      <dgm:spPr/>
+    </dgm:pt>
+    <dgm:pt modelId="{BEB05247-F647-4FA1-8FD8-2CCD5018A8D4}" type="pres">
+      <dgm:prSet presAssocID="{1978EB07-F353-4AB3-82AC-58F706EABA44}" presName="textRect" presStyleLbl="revTx" presStyleIdx="1" presStyleCnt="3">
+        <dgm:presLayoutVars>
+          <dgm:chMax val="1"/>
+          <dgm:chPref val="1"/>
+        </dgm:presLayoutVars>
+      </dgm:prSet>
+      <dgm:spPr/>
+    </dgm:pt>
+    <dgm:pt modelId="{88942250-8675-4D7A-9882-B5B4E93FE252}" type="pres">
+      <dgm:prSet presAssocID="{367F5169-B7DA-4594-A5B9-9B6CFBD55715}" presName="sibTrans" presStyleCnt="0"/>
+      <dgm:spPr/>
+    </dgm:pt>
+    <dgm:pt modelId="{5F9D4563-061C-4CE9-9862-64D038D3A6ED}" type="pres">
+      <dgm:prSet presAssocID="{ADD6289D-DC3B-4D93-AD34-AAD0CC523A1C}" presName="compNode" presStyleCnt="0"/>
+      <dgm:spPr/>
+    </dgm:pt>
+    <dgm:pt modelId="{098675D6-14A4-47C8-A3C1-3287EB5BC4F9}" type="pres">
+      <dgm:prSet presAssocID="{ADD6289D-DC3B-4D93-AD34-AAD0CC523A1C}" presName="iconRect" presStyleLbl="node1" presStyleIdx="2" presStyleCnt="3"/>
+      <dgm:spPr>
+        <a:blipFill>
+          <a:blip xmlns:r="http://schemas.openxmlformats.org/officeDocument/2006/relationships" r:embed="rId5">
+            <a:extLst>
+              <a:ext uri="{28A0092B-C50C-407E-A947-70E740481C1C}">
+                <a14:useLocalDpi xmlns:a14="http://schemas.microsoft.com/office/drawing/2010/main" val="0"/>
+              </a:ext>
+              <a:ext uri="{96DAC541-7B7A-43D3-8B79-37D633B846F1}">
+                <asvg:svgBlip xmlns:asvg="http://schemas.microsoft.com/office/drawing/2016/SVG/main" r:embed="rId6"/>
+              </a:ext>
+            </a:extLst>
+          </a:blip>
+          <a:stretch>
+            <a:fillRect/>
+          </a:stretch>
+        </a:blipFill>
+      </dgm:spPr>
+      <dgm:extLst>
+        <a:ext uri="{E40237B7-FDA0-4F09-8148-C483321AD2D9}">
+          <dgm14:cNvPr xmlns:dgm14="http://schemas.microsoft.com/office/drawing/2010/diagram" id="0" name="" descr="Mop and bucket"/>
+        </a:ext>
+      </dgm:extLst>
+    </dgm:pt>
+    <dgm:pt modelId="{D3B438C9-99E4-41A3-B255-7DD7FA26EA55}" type="pres">
+      <dgm:prSet presAssocID="{ADD6289D-DC3B-4D93-AD34-AAD0CC523A1C}" presName="spaceRect" presStyleCnt="0"/>
+      <dgm:spPr/>
+    </dgm:pt>
+    <dgm:pt modelId="{49D1083E-056C-4447-8ADA-0F2263DCEF04}" type="pres">
+      <dgm:prSet presAssocID="{ADD6289D-DC3B-4D93-AD34-AAD0CC523A1C}" presName="textRect" presStyleLbl="revTx" presStyleIdx="2" presStyleCnt="3">
+        <dgm:presLayoutVars>
+          <dgm:chMax val="1"/>
+          <dgm:chPref val="1"/>
+        </dgm:presLayoutVars>
+      </dgm:prSet>
+      <dgm:spPr/>
+    </dgm:pt>
+  </dgm:ptLst>
+  <dgm:cxnLst>
+    <dgm:cxn modelId="{CDD4D30A-CFA0-402E-BC1F-9F20B030F5CC}" srcId="{67498219-DD69-4CD3-9FD5-2830E852E946}" destId="{1978EB07-F353-4AB3-82AC-58F706EABA44}" srcOrd="1" destOrd="0" parTransId="{72CB7866-9882-4835-B85A-F124F55BC67F}" sibTransId="{367F5169-B7DA-4594-A5B9-9B6CFBD55715}"/>
+    <dgm:cxn modelId="{84818F42-BECF-4232-9268-85E7A87656AA}" srcId="{67498219-DD69-4CD3-9FD5-2830E852E946}" destId="{2F8B460E-6439-474E-AE43-AFC79E9FCDA2}" srcOrd="0" destOrd="0" parTransId="{E3AB8E57-BFE9-4300-A5E5-66276726B2A2}" sibTransId="{D54E9E72-5D5A-464A-ADDC-FA651C4C4BAC}"/>
+    <dgm:cxn modelId="{C23386C7-3C73-43CE-94DF-64E1178201FE}" type="presOf" srcId="{67498219-DD69-4CD3-9FD5-2830E852E946}" destId="{162C9F73-308E-4170-9FEC-61B2DBBAED84}" srcOrd="0" destOrd="0" presId="urn:microsoft.com/office/officeart/2018/2/layout/IconLabelList"/>
+    <dgm:cxn modelId="{1D8671DE-8365-4B09-8678-2DCF6EBE1AD8}" type="presOf" srcId="{ADD6289D-DC3B-4D93-AD34-AAD0CC523A1C}" destId="{49D1083E-056C-4447-8ADA-0F2263DCEF04}" srcOrd="0" destOrd="0" presId="urn:microsoft.com/office/officeart/2018/2/layout/IconLabelList"/>
+    <dgm:cxn modelId="{1E25B6E3-1AC7-49B9-92A4-7FB511C70606}" type="presOf" srcId="{2F8B460E-6439-474E-AE43-AFC79E9FCDA2}" destId="{5BD03708-A7CB-45DB-98CC-9B340552FEC4}" srcOrd="0" destOrd="0" presId="urn:microsoft.com/office/officeart/2018/2/layout/IconLabelList"/>
+    <dgm:cxn modelId="{398C15E8-CE41-47C4-9EFE-466E38458C92}" srcId="{67498219-DD69-4CD3-9FD5-2830E852E946}" destId="{ADD6289D-DC3B-4D93-AD34-AAD0CC523A1C}" srcOrd="2" destOrd="0" parTransId="{FE4009F7-E867-4F4D-A96A-D34C624FB643}" sibTransId="{BC3EA79D-B06E-4CE9-836C-86D04CF82E79}"/>
+    <dgm:cxn modelId="{8509E8ED-425E-4904-A0E2-BBE0F678770F}" type="presOf" srcId="{1978EB07-F353-4AB3-82AC-58F706EABA44}" destId="{BEB05247-F647-4FA1-8FD8-2CCD5018A8D4}" srcOrd="0" destOrd="0" presId="urn:microsoft.com/office/officeart/2018/2/layout/IconLabelList"/>
+    <dgm:cxn modelId="{474D4A6F-29C5-4651-BABD-CD93C40D5E1F}" type="presParOf" srcId="{162C9F73-308E-4170-9FEC-61B2DBBAED84}" destId="{D0B0CC86-EBE4-480C-BF84-A6C49ABAB1BD}" srcOrd="0" destOrd="0" presId="urn:microsoft.com/office/officeart/2018/2/layout/IconLabelList"/>
+    <dgm:cxn modelId="{177BE178-4BAE-4990-AC17-0B187B8B0943}" type="presParOf" srcId="{D0B0CC86-EBE4-480C-BF84-A6C49ABAB1BD}" destId="{C523F677-B8D9-425F-A1FC-C38FF0323AC7}" srcOrd="0" destOrd="0" presId="urn:microsoft.com/office/officeart/2018/2/layout/IconLabelList"/>
+    <dgm:cxn modelId="{817385E6-8586-47E2-9E65-FDBE7B1618F6}" type="presParOf" srcId="{D0B0CC86-EBE4-480C-BF84-A6C49ABAB1BD}" destId="{5D226249-48DD-497B-BBB8-933E29D1609F}" srcOrd="1" destOrd="0" presId="urn:microsoft.com/office/officeart/2018/2/layout/IconLabelList"/>
+    <dgm:cxn modelId="{ABE8888A-C6CD-405B-A4B7-F5C266888011}" type="presParOf" srcId="{D0B0CC86-EBE4-480C-BF84-A6C49ABAB1BD}" destId="{5BD03708-A7CB-45DB-98CC-9B340552FEC4}" srcOrd="2" destOrd="0" presId="urn:microsoft.com/office/officeart/2018/2/layout/IconLabelList"/>
+    <dgm:cxn modelId="{F76D0CB1-733A-46AD-9346-94CB0687E682}" type="presParOf" srcId="{162C9F73-308E-4170-9FEC-61B2DBBAED84}" destId="{E314C44C-1353-4684-9168-5C57C8C06595}" srcOrd="1" destOrd="0" presId="urn:microsoft.com/office/officeart/2018/2/layout/IconLabelList"/>
+    <dgm:cxn modelId="{0BFBF5DA-11AD-4889-8DD9-F0FCD1B85918}" type="presParOf" srcId="{162C9F73-308E-4170-9FEC-61B2DBBAED84}" destId="{FA0D96FF-0630-4500-A023-A4FF21891985}" srcOrd="2" destOrd="0" presId="urn:microsoft.com/office/officeart/2018/2/layout/IconLabelList"/>
+    <dgm:cxn modelId="{36CDA7F9-469F-453E-AA26-7705F9AEB437}" type="presParOf" srcId="{FA0D96FF-0630-4500-A023-A4FF21891985}" destId="{0AF222AB-09E8-46D0-92C0-BD1044B07D5A}" srcOrd="0" destOrd="0" presId="urn:microsoft.com/office/officeart/2018/2/layout/IconLabelList"/>
+    <dgm:cxn modelId="{06CB4C58-2EE7-4324-9FD3-F291903BAF0F}" type="presParOf" srcId="{FA0D96FF-0630-4500-A023-A4FF21891985}" destId="{BEC0244E-99CC-4B90-A29E-34A47DC3C519}" srcOrd="1" destOrd="0" presId="urn:microsoft.com/office/officeart/2018/2/layout/IconLabelList"/>
+    <dgm:cxn modelId="{0EBD973F-EFA0-402F-B8C9-84DA826FC68E}" type="presParOf" srcId="{FA0D96FF-0630-4500-A023-A4FF21891985}" destId="{BEB05247-F647-4FA1-8FD8-2CCD5018A8D4}" srcOrd="2" destOrd="0" presId="urn:microsoft.com/office/officeart/2018/2/layout/IconLabelList"/>
+    <dgm:cxn modelId="{140C8D58-5FAF-42EB-8B7F-09D59C984C59}" type="presParOf" srcId="{162C9F73-308E-4170-9FEC-61B2DBBAED84}" destId="{88942250-8675-4D7A-9882-B5B4E93FE252}" srcOrd="3" destOrd="0" presId="urn:microsoft.com/office/officeart/2018/2/layout/IconLabelList"/>
+    <dgm:cxn modelId="{C98438EC-094D-4939-A95B-603963B1016B}" type="presParOf" srcId="{162C9F73-308E-4170-9FEC-61B2DBBAED84}" destId="{5F9D4563-061C-4CE9-9862-64D038D3A6ED}" srcOrd="4" destOrd="0" presId="urn:microsoft.com/office/officeart/2018/2/layout/IconLabelList"/>
+    <dgm:cxn modelId="{F8533B1D-84A5-4D8C-AC93-461EFBD0E9D3}" type="presParOf" srcId="{5F9D4563-061C-4CE9-9862-64D038D3A6ED}" destId="{098675D6-14A4-47C8-A3C1-3287EB5BC4F9}" srcOrd="0" destOrd="0" presId="urn:microsoft.com/office/officeart/2018/2/layout/IconLabelList"/>
+    <dgm:cxn modelId="{2C7171CD-B789-424E-A6EF-201A4FADD126}" type="presParOf" srcId="{5F9D4563-061C-4CE9-9862-64D038D3A6ED}" destId="{D3B438C9-99E4-41A3-B255-7DD7FA26EA55}" srcOrd="1" destOrd="0" presId="urn:microsoft.com/office/officeart/2018/2/layout/IconLabelList"/>
+    <dgm:cxn modelId="{9C65ACF1-C7DE-4DFA-966C-44186E8FBF24}" type="presParOf" srcId="{5F9D4563-061C-4CE9-9862-64D038D3A6ED}" destId="{49D1083E-056C-4447-8ADA-0F2263DCEF04}" srcOrd="2" destOrd="0" presId="urn:microsoft.com/office/officeart/2018/2/layout/IconLabelList"/>
+  </dgm:cxnLst>
+  <dgm:bg/>
+  <dgm:whole/>
+  <dgm:extLst>
+    <a:ext uri="http://schemas.microsoft.com/office/drawing/2008/diagram">
+      <dsp:dataModelExt xmlns:dsp="http://schemas.microsoft.com/office/drawing/2008/diagram" relId="rId6" minVer="http://schemas.openxmlformats.org/drawingml/2006/diagram"/>
+    </a:ext>
+  </dgm:extLst>
+</dgm:dataModel>
+</file>
+
+<file path=ppt/diagrams/data3.xml><?xml version="1.0" encoding="utf-8"?>
+<dgm:dataModel xmlns:dgm="http://schemas.openxmlformats.org/drawingml/2006/diagram" xmlns:a="http://schemas.openxmlformats.org/drawingml/2006/main">
+  <dgm:ptLst>
+    <dgm:pt modelId="{7ADE1187-E899-4E6F-9E7D-C90596F74A5B}" type="doc">
+      <dgm:prSet loTypeId="urn:microsoft.com/office/officeart/2005/8/layout/vList2" loCatId="list" qsTypeId="urn:microsoft.com/office/officeart/2005/8/quickstyle/simple1" qsCatId="simple" csTypeId="urn:microsoft.com/office/officeart/2005/8/colors/accent1_2" csCatId="accent1" phldr="1"/>
+      <dgm:spPr/>
+      <dgm:t>
+        <a:bodyPr/>
+        <a:lstStyle/>
+        <a:p>
+          <a:endParaRPr lang="en-US"/>
+        </a:p>
+      </dgm:t>
+    </dgm:pt>
+    <dgm:pt modelId="{C71C98CB-472E-411A-80EF-479213E0289B}">
+      <dgm:prSet/>
+      <dgm:spPr/>
+      <dgm:t>
+        <a:bodyPr/>
+        <a:lstStyle/>
+        <a:p>
+          <a:r>
+            <a:rPr lang="en-US" b="1" dirty="0"/>
+            <a:t>The Goat?</a:t>
+          </a:r>
+          <a:r>
+            <a:rPr lang="en-US" dirty="0"/>
+            <a:t> This question has been brewing around ever since Lebron James won his first championship. Is Michael Jordan the greatest of all time or is Lebron James the greatest of all time?</a:t>
+          </a:r>
+        </a:p>
+      </dgm:t>
+    </dgm:pt>
+    <dgm:pt modelId="{1F0F164D-8080-45D7-B40C-93F4D47B9D91}" type="parTrans" cxnId="{64663453-1026-4FB2-8A97-6228ECCEC7DB}">
+      <dgm:prSet/>
+      <dgm:spPr/>
+      <dgm:t>
+        <a:bodyPr/>
+        <a:lstStyle/>
+        <a:p>
+          <a:endParaRPr lang="en-US"/>
+        </a:p>
+      </dgm:t>
+    </dgm:pt>
+    <dgm:pt modelId="{23DB68C9-25FD-4762-BC7A-D15B4C82D2F8}" type="sibTrans" cxnId="{64663453-1026-4FB2-8A97-6228ECCEC7DB}">
+      <dgm:prSet/>
+      <dgm:spPr/>
+      <dgm:t>
+        <a:bodyPr/>
+        <a:lstStyle/>
+        <a:p>
+          <a:endParaRPr lang="en-US"/>
+        </a:p>
+      </dgm:t>
+    </dgm:pt>
+    <dgm:pt modelId="{AFEE2A2E-9EC6-49D6-AD9D-FE306DCDA0CD}">
+      <dgm:prSet/>
+      <dgm:spPr/>
+      <dgm:t>
+        <a:bodyPr/>
+        <a:lstStyle/>
+        <a:p>
+          <a:r>
+            <a:rPr lang="en-US"/>
+            <a:t>Did teammates affect the individual's performance?</a:t>
+          </a:r>
+        </a:p>
+      </dgm:t>
+    </dgm:pt>
+    <dgm:pt modelId="{793F52FB-1769-4E64-A6E4-D78760495703}" type="parTrans" cxnId="{30C9602B-E8DD-41EB-A1A5-9A93DDF6D313}">
+      <dgm:prSet/>
+      <dgm:spPr/>
+      <dgm:t>
+        <a:bodyPr/>
+        <a:lstStyle/>
+        <a:p>
+          <a:endParaRPr lang="en-US"/>
+        </a:p>
+      </dgm:t>
+    </dgm:pt>
+    <dgm:pt modelId="{6D0EAE9B-8832-4962-8FF8-5C26EFEB23AB}" type="sibTrans" cxnId="{30C9602B-E8DD-41EB-A1A5-9A93DDF6D313}">
+      <dgm:prSet/>
+      <dgm:spPr/>
+      <dgm:t>
+        <a:bodyPr/>
+        <a:lstStyle/>
+        <a:p>
+          <a:endParaRPr lang="en-US"/>
+        </a:p>
+      </dgm:t>
+    </dgm:pt>
+    <dgm:pt modelId="{29259F11-0DF7-4B12-9FD8-A5F7201E09A1}" type="pres">
+      <dgm:prSet presAssocID="{7ADE1187-E899-4E6F-9E7D-C90596F74A5B}" presName="linear" presStyleCnt="0">
+        <dgm:presLayoutVars>
+          <dgm:animLvl val="lvl"/>
+          <dgm:resizeHandles val="exact"/>
+        </dgm:presLayoutVars>
+      </dgm:prSet>
+      <dgm:spPr/>
+    </dgm:pt>
+    <dgm:pt modelId="{2700BF36-35AD-46E9-A861-5A52C3803A2F}" type="pres">
+      <dgm:prSet presAssocID="{C71C98CB-472E-411A-80EF-479213E0289B}" presName="parentText" presStyleLbl="node1" presStyleIdx="0" presStyleCnt="2" custLinFactNeighborY="23860">
+        <dgm:presLayoutVars>
+          <dgm:chMax val="0"/>
+          <dgm:bulletEnabled val="1"/>
+        </dgm:presLayoutVars>
+      </dgm:prSet>
+      <dgm:spPr/>
+    </dgm:pt>
+    <dgm:pt modelId="{FA0C05E3-493B-44E8-A75A-F6B5D270CE09}" type="pres">
+      <dgm:prSet presAssocID="{23DB68C9-25FD-4762-BC7A-D15B4C82D2F8}" presName="spacer" presStyleCnt="0"/>
+      <dgm:spPr/>
+    </dgm:pt>
+    <dgm:pt modelId="{4A916E5B-6481-44D7-A04E-B31970ED5C52}" type="pres">
+      <dgm:prSet presAssocID="{AFEE2A2E-9EC6-49D6-AD9D-FE306DCDA0CD}" presName="parentText" presStyleLbl="node1" presStyleIdx="1" presStyleCnt="2" custLinFactNeighborY="23293">
+        <dgm:presLayoutVars>
+          <dgm:chMax val="0"/>
+          <dgm:bulletEnabled val="1"/>
+        </dgm:presLayoutVars>
+      </dgm:prSet>
+      <dgm:spPr/>
+    </dgm:pt>
+  </dgm:ptLst>
+  <dgm:cxnLst>
+    <dgm:cxn modelId="{30C9602B-E8DD-41EB-A1A5-9A93DDF6D313}" srcId="{7ADE1187-E899-4E6F-9E7D-C90596F74A5B}" destId="{AFEE2A2E-9EC6-49D6-AD9D-FE306DCDA0CD}" srcOrd="1" destOrd="0" parTransId="{793F52FB-1769-4E64-A6E4-D78760495703}" sibTransId="{6D0EAE9B-8832-4962-8FF8-5C26EFEB23AB}"/>
+    <dgm:cxn modelId="{B29EB434-D009-4A52-8287-964B59654F48}" type="presOf" srcId="{C71C98CB-472E-411A-80EF-479213E0289B}" destId="{2700BF36-35AD-46E9-A861-5A52C3803A2F}" srcOrd="0" destOrd="0" presId="urn:microsoft.com/office/officeart/2005/8/layout/vList2"/>
+    <dgm:cxn modelId="{3D404569-5E22-428C-BF12-8F0D20047335}" type="presOf" srcId="{AFEE2A2E-9EC6-49D6-AD9D-FE306DCDA0CD}" destId="{4A916E5B-6481-44D7-A04E-B31970ED5C52}" srcOrd="0" destOrd="0" presId="urn:microsoft.com/office/officeart/2005/8/layout/vList2"/>
+    <dgm:cxn modelId="{64663453-1026-4FB2-8A97-6228ECCEC7DB}" srcId="{7ADE1187-E899-4E6F-9E7D-C90596F74A5B}" destId="{C71C98CB-472E-411A-80EF-479213E0289B}" srcOrd="0" destOrd="0" parTransId="{1F0F164D-8080-45D7-B40C-93F4D47B9D91}" sibTransId="{23DB68C9-25FD-4762-BC7A-D15B4C82D2F8}"/>
+    <dgm:cxn modelId="{8207DAA6-F8D6-4F3A-8018-CAB66C21F9F6}" type="presOf" srcId="{7ADE1187-E899-4E6F-9E7D-C90596F74A5B}" destId="{29259F11-0DF7-4B12-9FD8-A5F7201E09A1}" srcOrd="0" destOrd="0" presId="urn:microsoft.com/office/officeart/2005/8/layout/vList2"/>
+    <dgm:cxn modelId="{FD523B39-1C75-429F-86F3-8E034FD3D0A1}" type="presParOf" srcId="{29259F11-0DF7-4B12-9FD8-A5F7201E09A1}" destId="{2700BF36-35AD-46E9-A861-5A52C3803A2F}" srcOrd="0" destOrd="0" presId="urn:microsoft.com/office/officeart/2005/8/layout/vList2"/>
+    <dgm:cxn modelId="{F5F5A981-FF12-4214-9FCA-8F28FB6C6C7B}" type="presParOf" srcId="{29259F11-0DF7-4B12-9FD8-A5F7201E09A1}" destId="{FA0C05E3-493B-44E8-A75A-F6B5D270CE09}" srcOrd="1" destOrd="0" presId="urn:microsoft.com/office/officeart/2005/8/layout/vList2"/>
+    <dgm:cxn modelId="{3E599A15-5B28-44E1-941E-3B5874AAA708}" type="presParOf" srcId="{29259F11-0DF7-4B12-9FD8-A5F7201E09A1}" destId="{4A916E5B-6481-44D7-A04E-B31970ED5C52}" srcOrd="2" destOrd="0" presId="urn:microsoft.com/office/officeart/2005/8/layout/vList2"/>
   </dgm:cxnLst>
   <dgm:bg/>
   <dgm:whole/>
@@ -1399,7 +3355,899 @@
 </dsp:drawing>
 </file>
 
+<file path=ppt/diagrams/drawing2.xml><?xml version="1.0" encoding="utf-8"?>
+<dsp:drawing xmlns:dgm="http://schemas.openxmlformats.org/drawingml/2006/diagram" xmlns:dsp="http://schemas.microsoft.com/office/drawing/2008/diagram" xmlns:a="http://schemas.openxmlformats.org/drawingml/2006/main">
+  <dsp:spTree>
+    <dsp:nvGrpSpPr>
+      <dsp:cNvPr id="0" name=""/>
+      <dsp:cNvGrpSpPr/>
+    </dsp:nvGrpSpPr>
+    <dsp:grpSpPr/>
+    <dsp:sp modelId="{C523F677-B8D9-425F-A1FC-C38FF0323AC7}">
+      <dsp:nvSpPr>
+        <dsp:cNvPr id="0" name=""/>
+        <dsp:cNvSpPr/>
+      </dsp:nvSpPr>
+      <dsp:spPr>
+        <a:xfrm>
+          <a:off x="1212569" y="987197"/>
+          <a:ext cx="1300252" cy="1300252"/>
+        </a:xfrm>
+        <a:prstGeom prst="rect">
+          <a:avLst/>
+        </a:prstGeom>
+        <a:blipFill>
+          <a:blip xmlns:r="http://schemas.openxmlformats.org/officeDocument/2006/relationships" r:embed="rId1">
+            <a:extLst>
+              <a:ext uri="{28A0092B-C50C-407E-A947-70E740481C1C}">
+                <a14:useLocalDpi xmlns:a14="http://schemas.microsoft.com/office/drawing/2010/main" val="0"/>
+              </a:ext>
+              <a:ext uri="{96DAC541-7B7A-43D3-8B79-37D633B846F1}">
+                <asvg:svgBlip xmlns:asvg="http://schemas.microsoft.com/office/drawing/2016/SVG/main" r:embed="rId2"/>
+              </a:ext>
+            </a:extLst>
+          </a:blip>
+          <a:stretch>
+            <a:fillRect/>
+          </a:stretch>
+        </a:blipFill>
+        <a:ln w="12700" cap="flat" cmpd="sng" algn="ctr">
+          <a:solidFill>
+            <a:schemeClr val="lt1">
+              <a:hueOff val="0"/>
+              <a:satOff val="0"/>
+              <a:lumOff val="0"/>
+              <a:alphaOff val="0"/>
+            </a:schemeClr>
+          </a:solidFill>
+          <a:prstDash val="solid"/>
+          <a:miter lim="800000"/>
+        </a:ln>
+        <a:effectLst/>
+      </dsp:spPr>
+      <dsp:style>
+        <a:lnRef idx="2">
+          <a:scrgbClr r="0" g="0" b="0"/>
+        </a:lnRef>
+        <a:fillRef idx="1">
+          <a:scrgbClr r="0" g="0" b="0"/>
+        </a:fillRef>
+        <a:effectRef idx="0">
+          <a:scrgbClr r="0" g="0" b="0"/>
+        </a:effectRef>
+        <a:fontRef idx="minor">
+          <a:schemeClr val="lt1"/>
+        </a:fontRef>
+      </dsp:style>
+    </dsp:sp>
+    <dsp:sp modelId="{5BD03708-A7CB-45DB-98CC-9B340552FEC4}">
+      <dsp:nvSpPr>
+        <dsp:cNvPr id="0" name=""/>
+        <dsp:cNvSpPr/>
+      </dsp:nvSpPr>
+      <dsp:spPr>
+        <a:xfrm>
+          <a:off x="417971" y="2644140"/>
+          <a:ext cx="2889450" cy="720000"/>
+        </a:xfrm>
+        <a:prstGeom prst="rect">
+          <a:avLst/>
+        </a:prstGeom>
+        <a:noFill/>
+        <a:ln>
+          <a:noFill/>
+        </a:ln>
+        <a:effectLst/>
+      </dsp:spPr>
+      <dsp:style>
+        <a:lnRef idx="0">
+          <a:scrgbClr r="0" g="0" b="0"/>
+        </a:lnRef>
+        <a:fillRef idx="0">
+          <a:scrgbClr r="0" g="0" b="0"/>
+        </a:fillRef>
+        <a:effectRef idx="0">
+          <a:scrgbClr r="0" g="0" b="0"/>
+        </a:effectRef>
+        <a:fontRef idx="minor"/>
+      </dsp:style>
+      <dsp:txBody>
+        <a:bodyPr spcFirstLastPara="0" vert="horz" wrap="square" lIns="0" tIns="0" rIns="0" bIns="0" numCol="1" spcCol="1270" anchor="t" anchorCtr="0">
+          <a:noAutofit/>
+        </a:bodyPr>
+        <a:lstStyle/>
+        <a:p>
+          <a:pPr marL="0" lvl="0" indent="0" algn="ctr" defTabSz="666750">
+            <a:lnSpc>
+              <a:spcPct val="100000"/>
+            </a:lnSpc>
+            <a:spcBef>
+              <a:spcPct val="0"/>
+            </a:spcBef>
+            <a:spcAft>
+              <a:spcPct val="35000"/>
+            </a:spcAft>
+            <a:buNone/>
+          </a:pPr>
+          <a:r>
+            <a:rPr lang="en-US" sz="1500" kern="1200" dirty="0"/>
+            <a:t>Having a large amount of Data.</a:t>
+          </a:r>
+        </a:p>
+      </dsp:txBody>
+      <dsp:txXfrm>
+        <a:off x="417971" y="2644140"/>
+        <a:ext cx="2889450" cy="720000"/>
+      </dsp:txXfrm>
+    </dsp:sp>
+    <dsp:sp modelId="{0AF222AB-09E8-46D0-92C0-BD1044B07D5A}">
+      <dsp:nvSpPr>
+        <dsp:cNvPr id="0" name=""/>
+        <dsp:cNvSpPr/>
+      </dsp:nvSpPr>
+      <dsp:spPr>
+        <a:xfrm>
+          <a:off x="4607673" y="987197"/>
+          <a:ext cx="1300252" cy="1300252"/>
+        </a:xfrm>
+        <a:prstGeom prst="rect">
+          <a:avLst/>
+        </a:prstGeom>
+        <a:blipFill>
+          <a:blip xmlns:r="http://schemas.openxmlformats.org/officeDocument/2006/relationships" r:embed="rId3">
+            <a:extLst>
+              <a:ext uri="{28A0092B-C50C-407E-A947-70E740481C1C}">
+                <a14:useLocalDpi xmlns:a14="http://schemas.microsoft.com/office/drawing/2010/main" val="0"/>
+              </a:ext>
+              <a:ext uri="{96DAC541-7B7A-43D3-8B79-37D633B846F1}">
+                <asvg:svgBlip xmlns:asvg="http://schemas.microsoft.com/office/drawing/2016/SVG/main" r:embed="rId4"/>
+              </a:ext>
+            </a:extLst>
+          </a:blip>
+          <a:stretch>
+            <a:fillRect/>
+          </a:stretch>
+        </a:blipFill>
+        <a:ln w="12700" cap="flat" cmpd="sng" algn="ctr">
+          <a:solidFill>
+            <a:schemeClr val="lt1">
+              <a:hueOff val="0"/>
+              <a:satOff val="0"/>
+              <a:lumOff val="0"/>
+              <a:alphaOff val="0"/>
+            </a:schemeClr>
+          </a:solidFill>
+          <a:prstDash val="solid"/>
+          <a:miter lim="800000"/>
+        </a:ln>
+        <a:effectLst/>
+      </dsp:spPr>
+      <dsp:style>
+        <a:lnRef idx="2">
+          <a:scrgbClr r="0" g="0" b="0"/>
+        </a:lnRef>
+        <a:fillRef idx="1">
+          <a:scrgbClr r="0" g="0" b="0"/>
+        </a:fillRef>
+        <a:effectRef idx="0">
+          <a:scrgbClr r="0" g="0" b="0"/>
+        </a:effectRef>
+        <a:fontRef idx="minor">
+          <a:schemeClr val="lt1"/>
+        </a:fontRef>
+      </dsp:style>
+    </dsp:sp>
+    <dsp:sp modelId="{BEB05247-F647-4FA1-8FD8-2CCD5018A8D4}">
+      <dsp:nvSpPr>
+        <dsp:cNvPr id="0" name=""/>
+        <dsp:cNvSpPr/>
+      </dsp:nvSpPr>
+      <dsp:spPr>
+        <a:xfrm>
+          <a:off x="3813075" y="2644140"/>
+          <a:ext cx="2889450" cy="720000"/>
+        </a:xfrm>
+        <a:prstGeom prst="rect">
+          <a:avLst/>
+        </a:prstGeom>
+        <a:noFill/>
+        <a:ln>
+          <a:noFill/>
+        </a:ln>
+        <a:effectLst/>
+      </dsp:spPr>
+      <dsp:style>
+        <a:lnRef idx="0">
+          <a:scrgbClr r="0" g="0" b="0"/>
+        </a:lnRef>
+        <a:fillRef idx="0">
+          <a:scrgbClr r="0" g="0" b="0"/>
+        </a:fillRef>
+        <a:effectRef idx="0">
+          <a:scrgbClr r="0" g="0" b="0"/>
+        </a:effectRef>
+        <a:fontRef idx="minor"/>
+      </dsp:style>
+      <dsp:txBody>
+        <a:bodyPr spcFirstLastPara="0" vert="horz" wrap="square" lIns="0" tIns="0" rIns="0" bIns="0" numCol="1" spcCol="1270" anchor="t" anchorCtr="0">
+          <a:noAutofit/>
+        </a:bodyPr>
+        <a:lstStyle/>
+        <a:p>
+          <a:pPr marL="0" lvl="0" indent="0" algn="ctr" defTabSz="666750">
+            <a:lnSpc>
+              <a:spcPct val="100000"/>
+            </a:lnSpc>
+            <a:spcBef>
+              <a:spcPct val="0"/>
+            </a:spcBef>
+            <a:spcAft>
+              <a:spcPct val="35000"/>
+            </a:spcAft>
+            <a:buNone/>
+          </a:pPr>
+          <a:r>
+            <a:rPr lang="en-US" sz="1500" kern="1200"/>
+            <a:t>The Scrapper Package I used in Python grabbed the individual players data by year.</a:t>
+          </a:r>
+        </a:p>
+      </dsp:txBody>
+      <dsp:txXfrm>
+        <a:off x="3813075" y="2644140"/>
+        <a:ext cx="2889450" cy="720000"/>
+      </dsp:txXfrm>
+    </dsp:sp>
+    <dsp:sp modelId="{098675D6-14A4-47C8-A3C1-3287EB5BC4F9}">
+      <dsp:nvSpPr>
+        <dsp:cNvPr id="0" name=""/>
+        <dsp:cNvSpPr/>
+      </dsp:nvSpPr>
+      <dsp:spPr>
+        <a:xfrm>
+          <a:off x="8002777" y="987197"/>
+          <a:ext cx="1300252" cy="1300252"/>
+        </a:xfrm>
+        <a:prstGeom prst="rect">
+          <a:avLst/>
+        </a:prstGeom>
+        <a:blipFill>
+          <a:blip xmlns:r="http://schemas.openxmlformats.org/officeDocument/2006/relationships" r:embed="rId5">
+            <a:extLst>
+              <a:ext uri="{28A0092B-C50C-407E-A947-70E740481C1C}">
+                <a14:useLocalDpi xmlns:a14="http://schemas.microsoft.com/office/drawing/2010/main" val="0"/>
+              </a:ext>
+              <a:ext uri="{96DAC541-7B7A-43D3-8B79-37D633B846F1}">
+                <asvg:svgBlip xmlns:asvg="http://schemas.microsoft.com/office/drawing/2016/SVG/main" r:embed="rId6"/>
+              </a:ext>
+            </a:extLst>
+          </a:blip>
+          <a:stretch>
+            <a:fillRect/>
+          </a:stretch>
+        </a:blipFill>
+        <a:ln w="12700" cap="flat" cmpd="sng" algn="ctr">
+          <a:solidFill>
+            <a:schemeClr val="lt1">
+              <a:hueOff val="0"/>
+              <a:satOff val="0"/>
+              <a:lumOff val="0"/>
+              <a:alphaOff val="0"/>
+            </a:schemeClr>
+          </a:solidFill>
+          <a:prstDash val="solid"/>
+          <a:miter lim="800000"/>
+        </a:ln>
+        <a:effectLst/>
+      </dsp:spPr>
+      <dsp:style>
+        <a:lnRef idx="2">
+          <a:scrgbClr r="0" g="0" b="0"/>
+        </a:lnRef>
+        <a:fillRef idx="1">
+          <a:scrgbClr r="0" g="0" b="0"/>
+        </a:fillRef>
+        <a:effectRef idx="0">
+          <a:scrgbClr r="0" g="0" b="0"/>
+        </a:effectRef>
+        <a:fontRef idx="minor">
+          <a:schemeClr val="lt1"/>
+        </a:fontRef>
+      </dsp:style>
+    </dsp:sp>
+    <dsp:sp modelId="{49D1083E-056C-4447-8ADA-0F2263DCEF04}">
+      <dsp:nvSpPr>
+        <dsp:cNvPr id="0" name=""/>
+        <dsp:cNvSpPr/>
+      </dsp:nvSpPr>
+      <dsp:spPr>
+        <a:xfrm>
+          <a:off x="7208178" y="2644140"/>
+          <a:ext cx="2889450" cy="720000"/>
+        </a:xfrm>
+        <a:prstGeom prst="rect">
+          <a:avLst/>
+        </a:prstGeom>
+        <a:noFill/>
+        <a:ln>
+          <a:noFill/>
+        </a:ln>
+        <a:effectLst/>
+      </dsp:spPr>
+      <dsp:style>
+        <a:lnRef idx="0">
+          <a:scrgbClr r="0" g="0" b="0"/>
+        </a:lnRef>
+        <a:fillRef idx="0">
+          <a:scrgbClr r="0" g="0" b="0"/>
+        </a:fillRef>
+        <a:effectRef idx="0">
+          <a:scrgbClr r="0" g="0" b="0"/>
+        </a:effectRef>
+        <a:fontRef idx="minor"/>
+      </dsp:style>
+      <dsp:txBody>
+        <a:bodyPr spcFirstLastPara="0" vert="horz" wrap="square" lIns="0" tIns="0" rIns="0" bIns="0" numCol="1" spcCol="1270" anchor="t" anchorCtr="0">
+          <a:noAutofit/>
+        </a:bodyPr>
+        <a:lstStyle/>
+        <a:p>
+          <a:pPr marL="0" lvl="0" indent="0" algn="ctr" defTabSz="666750">
+            <a:lnSpc>
+              <a:spcPct val="100000"/>
+            </a:lnSpc>
+            <a:spcBef>
+              <a:spcPct val="0"/>
+            </a:spcBef>
+            <a:spcAft>
+              <a:spcPct val="35000"/>
+            </a:spcAft>
+            <a:buNone/>
+          </a:pPr>
+          <a:r>
+            <a:rPr lang="en-US" sz="1500" kern="1200"/>
+            <a:t>Cleaning became tedious with having 20+ tabs in Excel.</a:t>
+          </a:r>
+        </a:p>
+      </dsp:txBody>
+      <dsp:txXfrm>
+        <a:off x="7208178" y="2644140"/>
+        <a:ext cx="2889450" cy="720000"/>
+      </dsp:txXfrm>
+    </dsp:sp>
+  </dsp:spTree>
+</dsp:drawing>
+</file>
+
+<file path=ppt/diagrams/drawing3.xml><?xml version="1.0" encoding="utf-8"?>
+<dsp:drawing xmlns:dgm="http://schemas.openxmlformats.org/drawingml/2006/diagram" xmlns:dsp="http://schemas.microsoft.com/office/drawing/2008/diagram" xmlns:a="http://schemas.openxmlformats.org/drawingml/2006/main">
+  <dsp:spTree>
+    <dsp:nvGrpSpPr>
+      <dsp:cNvPr id="0" name=""/>
+      <dsp:cNvGrpSpPr/>
+    </dsp:nvGrpSpPr>
+    <dsp:grpSpPr/>
+    <dsp:sp modelId="{2700BF36-35AD-46E9-A861-5A52C3803A2F}">
+      <dsp:nvSpPr>
+        <dsp:cNvPr id="0" name=""/>
+        <dsp:cNvSpPr/>
+      </dsp:nvSpPr>
+      <dsp:spPr>
+        <a:xfrm>
+          <a:off x="0" y="503384"/>
+          <a:ext cx="10515600" cy="1649700"/>
+        </a:xfrm>
+        <a:prstGeom prst="roundRect">
+          <a:avLst/>
+        </a:prstGeom>
+        <a:solidFill>
+          <a:schemeClr val="accent1">
+            <a:hueOff val="0"/>
+            <a:satOff val="0"/>
+            <a:lumOff val="0"/>
+            <a:alphaOff val="0"/>
+          </a:schemeClr>
+        </a:solidFill>
+        <a:ln w="12700" cap="flat" cmpd="sng" algn="ctr">
+          <a:solidFill>
+            <a:schemeClr val="lt1">
+              <a:hueOff val="0"/>
+              <a:satOff val="0"/>
+              <a:lumOff val="0"/>
+              <a:alphaOff val="0"/>
+            </a:schemeClr>
+          </a:solidFill>
+          <a:prstDash val="solid"/>
+          <a:miter lim="800000"/>
+        </a:ln>
+        <a:effectLst/>
+      </dsp:spPr>
+      <dsp:style>
+        <a:lnRef idx="2">
+          <a:scrgbClr r="0" g="0" b="0"/>
+        </a:lnRef>
+        <a:fillRef idx="1">
+          <a:scrgbClr r="0" g="0" b="0"/>
+        </a:fillRef>
+        <a:effectRef idx="0">
+          <a:scrgbClr r="0" g="0" b="0"/>
+        </a:effectRef>
+        <a:fontRef idx="minor">
+          <a:schemeClr val="lt1"/>
+        </a:fontRef>
+      </dsp:style>
+      <dsp:txBody>
+        <a:bodyPr spcFirstLastPara="0" vert="horz" wrap="square" lIns="114300" tIns="114300" rIns="114300" bIns="114300" numCol="1" spcCol="1270" anchor="ctr" anchorCtr="0">
+          <a:noAutofit/>
+        </a:bodyPr>
+        <a:lstStyle/>
+        <a:p>
+          <a:pPr marL="0" lvl="0" indent="0" algn="l" defTabSz="1333500">
+            <a:lnSpc>
+              <a:spcPct val="90000"/>
+            </a:lnSpc>
+            <a:spcBef>
+              <a:spcPct val="0"/>
+            </a:spcBef>
+            <a:spcAft>
+              <a:spcPct val="35000"/>
+            </a:spcAft>
+            <a:buNone/>
+          </a:pPr>
+          <a:r>
+            <a:rPr lang="en-US" sz="3000" b="1" kern="1200" dirty="0"/>
+            <a:t>The Goat?</a:t>
+          </a:r>
+          <a:r>
+            <a:rPr lang="en-US" sz="3000" kern="1200" dirty="0"/>
+            <a:t> This question has been brewing around ever since Lebron James won his first championship. Is Michael Jordan the greatest of all time or is Lebron James the greatest of all time?</a:t>
+          </a:r>
+        </a:p>
+      </dsp:txBody>
+      <dsp:txXfrm>
+        <a:off x="80532" y="583916"/>
+        <a:ext cx="10354536" cy="1488636"/>
+      </dsp:txXfrm>
+    </dsp:sp>
+    <dsp:sp modelId="{4A916E5B-6481-44D7-A04E-B31970ED5C52}">
+      <dsp:nvSpPr>
+        <dsp:cNvPr id="0" name=""/>
+        <dsp:cNvSpPr/>
+      </dsp:nvSpPr>
+      <dsp:spPr>
+        <a:xfrm>
+          <a:off x="0" y="2238994"/>
+          <a:ext cx="10515600" cy="1649700"/>
+        </a:xfrm>
+        <a:prstGeom prst="roundRect">
+          <a:avLst/>
+        </a:prstGeom>
+        <a:solidFill>
+          <a:schemeClr val="accent1">
+            <a:hueOff val="0"/>
+            <a:satOff val="0"/>
+            <a:lumOff val="0"/>
+            <a:alphaOff val="0"/>
+          </a:schemeClr>
+        </a:solidFill>
+        <a:ln w="12700" cap="flat" cmpd="sng" algn="ctr">
+          <a:solidFill>
+            <a:schemeClr val="lt1">
+              <a:hueOff val="0"/>
+              <a:satOff val="0"/>
+              <a:lumOff val="0"/>
+              <a:alphaOff val="0"/>
+            </a:schemeClr>
+          </a:solidFill>
+          <a:prstDash val="solid"/>
+          <a:miter lim="800000"/>
+        </a:ln>
+        <a:effectLst/>
+      </dsp:spPr>
+      <dsp:style>
+        <a:lnRef idx="2">
+          <a:scrgbClr r="0" g="0" b="0"/>
+        </a:lnRef>
+        <a:fillRef idx="1">
+          <a:scrgbClr r="0" g="0" b="0"/>
+        </a:fillRef>
+        <a:effectRef idx="0">
+          <a:scrgbClr r="0" g="0" b="0"/>
+        </a:effectRef>
+        <a:fontRef idx="minor">
+          <a:schemeClr val="lt1"/>
+        </a:fontRef>
+      </dsp:style>
+      <dsp:txBody>
+        <a:bodyPr spcFirstLastPara="0" vert="horz" wrap="square" lIns="114300" tIns="114300" rIns="114300" bIns="114300" numCol="1" spcCol="1270" anchor="ctr" anchorCtr="0">
+          <a:noAutofit/>
+        </a:bodyPr>
+        <a:lstStyle/>
+        <a:p>
+          <a:pPr marL="0" lvl="0" indent="0" algn="l" defTabSz="1333500">
+            <a:lnSpc>
+              <a:spcPct val="90000"/>
+            </a:lnSpc>
+            <a:spcBef>
+              <a:spcPct val="0"/>
+            </a:spcBef>
+            <a:spcAft>
+              <a:spcPct val="35000"/>
+            </a:spcAft>
+            <a:buNone/>
+          </a:pPr>
+          <a:r>
+            <a:rPr lang="en-US" sz="3000" kern="1200"/>
+            <a:t>Did teammates affect the individual's performance?</a:t>
+          </a:r>
+        </a:p>
+      </dsp:txBody>
+      <dsp:txXfrm>
+        <a:off x="80532" y="2319526"/>
+        <a:ext cx="10354536" cy="1488636"/>
+      </dsp:txXfrm>
+    </dsp:sp>
+  </dsp:spTree>
+</dsp:drawing>
+</file>
+
 <file path=ppt/diagrams/layout1.xml><?xml version="1.0" encoding="utf-8"?>
+<dgm:layoutDef xmlns:dgm="http://schemas.openxmlformats.org/drawingml/2006/diagram" xmlns:a="http://schemas.openxmlformats.org/drawingml/2006/main" uniqueId="urn:microsoft.com/office/officeart/2005/8/layout/vList2">
+  <dgm:title val=""/>
+  <dgm:desc val=""/>
+  <dgm:catLst>
+    <dgm:cat type="list" pri="3000"/>
+    <dgm:cat type="convert" pri="1000"/>
+  </dgm:catLst>
+  <dgm:sampData>
+    <dgm:dataModel>
+      <dgm:ptLst>
+        <dgm:pt modelId="0" type="doc"/>
+        <dgm:pt modelId="1">
+          <dgm:prSet phldr="1"/>
+        </dgm:pt>
+        <dgm:pt modelId="11">
+          <dgm:prSet phldr="1"/>
+        </dgm:pt>
+        <dgm:pt modelId="2">
+          <dgm:prSet phldr="1"/>
+        </dgm:pt>
+        <dgm:pt modelId="21">
+          <dgm:prSet phldr="1"/>
+        </dgm:pt>
+      </dgm:ptLst>
+      <dgm:cxnLst>
+        <dgm:cxn modelId="4" srcId="0" destId="1" srcOrd="0" destOrd="0"/>
+        <dgm:cxn modelId="5" srcId="0" destId="2" srcOrd="1" destOrd="0"/>
+        <dgm:cxn modelId="12" srcId="1" destId="11" srcOrd="0" destOrd="0"/>
+        <dgm:cxn modelId="23" srcId="2" destId="21" srcOrd="0" destOrd="0"/>
+      </dgm:cxnLst>
+      <dgm:bg/>
+      <dgm:whole/>
+    </dgm:dataModel>
+  </dgm:sampData>
+  <dgm:styleData>
+    <dgm:dataModel>
+      <dgm:ptLst>
+        <dgm:pt modelId="0" type="doc"/>
+        <dgm:pt modelId="1"/>
+        <dgm:pt modelId="2"/>
+      </dgm:ptLst>
+      <dgm:cxnLst>
+        <dgm:cxn modelId="3" srcId="0" destId="1" srcOrd="0" destOrd="0"/>
+        <dgm:cxn modelId="4" srcId="0" destId="2" srcOrd="1" destOrd="0"/>
+      </dgm:cxnLst>
+      <dgm:bg/>
+      <dgm:whole/>
+    </dgm:dataModel>
+  </dgm:styleData>
+  <dgm:clrData>
+    <dgm:dataModel>
+      <dgm:ptLst>
+        <dgm:pt modelId="0" type="doc"/>
+        <dgm:pt modelId="1"/>
+        <dgm:pt modelId="2"/>
+        <dgm:pt modelId="3"/>
+        <dgm:pt modelId="4"/>
+      </dgm:ptLst>
+      <dgm:cxnLst>
+        <dgm:cxn modelId="5" srcId="0" destId="1" srcOrd="0" destOrd="0"/>
+        <dgm:cxn modelId="6" srcId="0" destId="2" srcOrd="1" destOrd="0"/>
+        <dgm:cxn modelId="7" srcId="0" destId="3" srcOrd="2" destOrd="0"/>
+        <dgm:cxn modelId="8" srcId="0" destId="4" srcOrd="3" destOrd="0"/>
+      </dgm:cxnLst>
+      <dgm:bg/>
+      <dgm:whole/>
+    </dgm:dataModel>
+  </dgm:clrData>
+  <dgm:layoutNode name="linear">
+    <dgm:varLst>
+      <dgm:animLvl val="lvl"/>
+      <dgm:resizeHandles val="exact"/>
+    </dgm:varLst>
+    <dgm:alg type="lin">
+      <dgm:param type="linDir" val="fromT"/>
+      <dgm:param type="vertAlign" val="mid"/>
+    </dgm:alg>
+    <dgm:shape xmlns:r="http://schemas.openxmlformats.org/officeDocument/2006/relationships" r:blip="">
+      <dgm:adjLst/>
+    </dgm:shape>
+    <dgm:presOf/>
+    <dgm:constrLst>
+      <dgm:constr type="w" for="ch" forName="parentText" refType="w"/>
+      <dgm:constr type="h" for="ch" forName="parentText" refType="primFontSz" refFor="ch" refForName="parentText" fact="0.52"/>
+      <dgm:constr type="w" for="ch" forName="childText" refType="w"/>
+      <dgm:constr type="h" for="ch" forName="childText" refType="primFontSz" refFor="ch" refForName="parentText" fact="0.46"/>
+      <dgm:constr type="h" for="ch" forName="parentText" op="equ"/>
+      <dgm:constr type="primFontSz" for="ch" forName="parentText" op="equ" val="65"/>
+      <dgm:constr type="primFontSz" for="ch" forName="childText" refType="primFontSz" refFor="ch" refForName="parentText" op="equ"/>
+      <dgm:constr type="h" for="ch" forName="spacer" refType="primFontSz" refFor="ch" refForName="parentText" fact="0.08"/>
+    </dgm:constrLst>
+    <dgm:ruleLst>
+      <dgm:rule type="primFontSz" for="ch" forName="parentText" val="5" fact="NaN" max="NaN"/>
+    </dgm:ruleLst>
+    <dgm:forEach name="Name0" axis="ch" ptType="node">
+      <dgm:layoutNode name="parentText" styleLbl="node1">
+        <dgm:varLst>
+          <dgm:chMax val="0"/>
+          <dgm:bulletEnabled val="1"/>
+        </dgm:varLst>
+        <dgm:alg type="tx">
+          <dgm:param type="parTxLTRAlign" val="l"/>
+          <dgm:param type="parTxRTLAlign" val="r"/>
+        </dgm:alg>
+        <dgm:shape xmlns:r="http://schemas.openxmlformats.org/officeDocument/2006/relationships" type="roundRect" r:blip="">
+          <dgm:adjLst/>
+        </dgm:shape>
+        <dgm:presOf axis="self"/>
+        <dgm:constrLst>
+          <dgm:constr type="tMarg" refType="primFontSz" fact="0.3"/>
+          <dgm:constr type="bMarg" refType="primFontSz" fact="0.3"/>
+          <dgm:constr type="lMarg" refType="primFontSz" fact="0.3"/>
+          <dgm:constr type="rMarg" refType="primFontSz" fact="0.3"/>
+        </dgm:constrLst>
+        <dgm:ruleLst>
+          <dgm:rule type="h" val="INF" fact="NaN" max="NaN"/>
+        </dgm:ruleLst>
+      </dgm:layoutNode>
+      <dgm:choose name="Name1">
+        <dgm:if name="Name2" axis="ch" ptType="node" func="cnt" op="gte" val="1">
+          <dgm:layoutNode name="childText" styleLbl="revTx">
+            <dgm:varLst>
+              <dgm:bulletEnabled val="1"/>
+            </dgm:varLst>
+            <dgm:alg type="tx">
+              <dgm:param type="stBulletLvl" val="1"/>
+              <dgm:param type="lnSpAfChP" val="20"/>
+            </dgm:alg>
+            <dgm:shape xmlns:r="http://schemas.openxmlformats.org/officeDocument/2006/relationships" type="rect" r:blip="">
+              <dgm:adjLst/>
+            </dgm:shape>
+            <dgm:presOf axis="des" ptType="node"/>
+            <dgm:constrLst>
+              <dgm:constr type="tMarg" refType="primFontSz" fact="0.1"/>
+              <dgm:constr type="bMarg" refType="primFontSz" fact="0.1"/>
+              <dgm:constr type="lMarg" refType="w" fact="0.09"/>
+            </dgm:constrLst>
+            <dgm:ruleLst>
+              <dgm:rule type="h" val="INF" fact="NaN" max="NaN"/>
+            </dgm:ruleLst>
+          </dgm:layoutNode>
+        </dgm:if>
+        <dgm:else name="Name3">
+          <dgm:choose name="Name4">
+            <dgm:if name="Name5" axis="par ch" ptType="doc node" func="cnt" op="gte" val="2">
+              <dgm:forEach name="Name6" axis="followSib" ptType="sibTrans" cnt="1">
+                <dgm:layoutNode name="spacer">
+                  <dgm:alg type="sp"/>
+                  <dgm:shape xmlns:r="http://schemas.openxmlformats.org/officeDocument/2006/relationships" r:blip="">
+                    <dgm:adjLst/>
+                  </dgm:shape>
+                  <dgm:presOf/>
+                  <dgm:constrLst/>
+                  <dgm:ruleLst/>
+                </dgm:layoutNode>
+              </dgm:forEach>
+            </dgm:if>
+            <dgm:else name="Name7"/>
+          </dgm:choose>
+        </dgm:else>
+      </dgm:choose>
+    </dgm:forEach>
+  </dgm:layoutNode>
+</dgm:layoutDef>
+</file>
+
+<file path=ppt/diagrams/layout2.xml><?xml version="1.0" encoding="utf-8"?>
+<dgm:layoutDef xmlns:dgm="http://schemas.openxmlformats.org/drawingml/2006/diagram" xmlns:a="http://schemas.openxmlformats.org/drawingml/2006/main" uniqueId="urn:microsoft.com/office/officeart/2018/2/layout/IconLabelList">
+  <dgm:title val="Icon Label List"/>
+  <dgm:desc val="Use to show non-sequential or grouped chunks of information accompanied by a related visuals. Works best with icons or small pictures with short text captions."/>
+  <dgm:catLst>
+    <dgm:cat type="icon" pri="500"/>
+  </dgm:catLst>
+  <dgm:sampData useDef="1">
+    <dgm:dataModel>
+      <dgm:ptLst/>
+      <dgm:bg/>
+      <dgm:whole/>
+    </dgm:dataModel>
+  </dgm:sampData>
+  <dgm:styleData useDef="1">
+    <dgm:dataModel>
+      <dgm:ptLst/>
+      <dgm:bg/>
+      <dgm:whole/>
+    </dgm:dataModel>
+  </dgm:styleData>
+  <dgm:clrData useDef="1">
+    <dgm:dataModel>
+      <dgm:ptLst/>
+      <dgm:bg/>
+      <dgm:whole/>
+    </dgm:dataModel>
+  </dgm:clrData>
+  <dgm:layoutNode name="root">
+    <dgm:varLst>
+      <dgm:dir/>
+      <dgm:resizeHandles val="exact"/>
+    </dgm:varLst>
+    <dgm:choose name="Name0">
+      <dgm:if name="Name1" axis="self" func="var" arg="dir" op="equ" val="norm">
+        <dgm:alg type="snake">
+          <dgm:param type="grDir" val="tL"/>
+          <dgm:param type="flowDir" val="row"/>
+          <dgm:param type="contDir" val="sameDir"/>
+          <dgm:param type="off" val="ctr"/>
+          <dgm:param type="vertAlign" val="mid"/>
+          <dgm:param type="horzAlign" val="ctr"/>
+        </dgm:alg>
+      </dgm:if>
+      <dgm:else name="Name2">
+        <dgm:alg type="snake">
+          <dgm:param type="grDir" val="tR"/>
+          <dgm:param type="flowDir" val="row"/>
+          <dgm:param type="contDir" val="sameDir"/>
+          <dgm:param type="off" val="ctr"/>
+          <dgm:param type="vertAlign" val="mid"/>
+          <dgm:param type="horzAlign" val="ctr"/>
+        </dgm:alg>
+      </dgm:else>
+    </dgm:choose>
+    <dgm:shape xmlns:r="http://schemas.openxmlformats.org/officeDocument/2006/relationships" r:blip="">
+      <dgm:adjLst/>
+    </dgm:shape>
+    <dgm:presOf/>
+    <dgm:choose name="Name3">
+      <dgm:if name="Name4" axis="ch" ptType="node" func="cnt" op="lte" val="2">
+        <dgm:constrLst>
+          <dgm:constr type="h" for="ch" forName="compNode" refType="h" fact="0.4"/>
+          <dgm:constr type="w" for="ch" forName="compNode" val="120"/>
+          <dgm:constr type="w" for="ch" forName="sibTrans" refType="w" refFor="ch" refForName="compNode" fact="0.175"/>
+          <dgm:constr type="sp" refType="w" refFor="ch" refForName="compNode" op="equ" fact="0.25"/>
+          <dgm:constr type="primFontSz" for="des" ptType="node" op="equ" val="50"/>
+          <dgm:constr type="h" for="des" forName="compNode" op="equ"/>
+          <dgm:constr type="h" for="des" forName="textRect" op="equ"/>
+        </dgm:constrLst>
+      </dgm:if>
+      <dgm:if name="Name5" axis="ch" ptType="node" func="cnt" op="lte" val="4">
+        <dgm:constrLst>
+          <dgm:constr type="h" for="ch" forName="compNode" refType="h" fact="0.4"/>
+          <dgm:constr type="w" for="ch" forName="compNode" refType="w"/>
+          <dgm:constr type="w" for="ch" forName="sibTrans" refType="w" refFor="ch" refForName="compNode" fact="0.175"/>
+          <dgm:constr type="sp" refType="w" refFor="ch" refForName="compNode" op="equ" fact="0.25"/>
+          <dgm:constr type="primFontSz" for="des" ptType="node" op="equ" val="36"/>
+          <dgm:constr type="h" for="des" forName="compNode" op="equ"/>
+          <dgm:constr type="h" for="des" forName="textRect" op="equ"/>
+        </dgm:constrLst>
+      </dgm:if>
+      <dgm:else name="Name6">
+        <dgm:constrLst>
+          <dgm:constr type="h" for="ch" forName="compNode" refType="h" fact="0.4"/>
+          <dgm:constr type="w" for="ch" forName="compNode" refType="w"/>
+          <dgm:constr type="w" for="ch" forName="sibTrans" refType="w" refFor="ch" refForName="compNode" fact="0.175"/>
+          <dgm:constr type="sp" refType="w" refFor="ch" refForName="compNode" op="equ" fact="0.25"/>
+          <dgm:constr type="primFontSz" for="des" ptType="node" op="equ" val="24"/>
+          <dgm:constr type="h" for="des" forName="compNode" op="equ"/>
+          <dgm:constr type="h" for="des" forName="textRect" op="equ"/>
+        </dgm:constrLst>
+      </dgm:else>
+    </dgm:choose>
+    <dgm:ruleLst>
+      <dgm:rule type="w" for="ch" forName="compNode" val="50" fact="NaN" max="NaN"/>
+    </dgm:ruleLst>
+    <dgm:forEach name="Name7" axis="ch" ptType="node">
+      <dgm:layoutNode name="compNode">
+        <dgm:alg type="composite"/>
+        <dgm:shape xmlns:r="http://schemas.openxmlformats.org/officeDocument/2006/relationships" r:blip="">
+          <dgm:adjLst/>
+        </dgm:shape>
+        <dgm:presOf axis="self"/>
+        <dgm:constrLst>
+          <dgm:constr type="w" for="ch" forName="iconRect" refType="w" fact="0.45"/>
+          <dgm:constr type="h" for="ch" forName="iconRect" refType="w" refFor="ch" refForName="iconRect"/>
+          <dgm:constr type="ctrX" for="ch" forName="iconRect" refType="w" fact="0.5"/>
+          <dgm:constr type="t" for="ch" forName="iconRect"/>
+          <dgm:constr type="h" for="ch" forName="spaceRect" refType="h" fact="0.15"/>
+          <dgm:constr type="w" for="ch" forName="spaceRect" refType="w"/>
+          <dgm:constr type="l" for="ch" forName="spaceRect"/>
+          <dgm:constr type="t" for="ch" forName="spaceRect" refType="b" refFor="ch" refForName="iconRect"/>
+          <dgm:constr type="h" for="ch" forName="textRect" val="20"/>
+          <dgm:constr type="w" for="ch" forName="textRect" refType="w"/>
+          <dgm:constr type="l" for="ch" forName="textRect"/>
+          <dgm:constr type="t" for="ch" forName="textRect" refType="b" refFor="ch" refForName="spaceRect"/>
+        </dgm:constrLst>
+        <dgm:ruleLst>
+          <dgm:rule type="h" val="INF" fact="NaN" max="NaN"/>
+        </dgm:ruleLst>
+        <dgm:layoutNode name="iconRect" styleLbl="node1">
+          <dgm:alg type="sp"/>
+          <dgm:shape xmlns:r="http://schemas.openxmlformats.org/officeDocument/2006/relationships" type="rect" r:blip="" blipPhldr="1">
+            <dgm:adjLst/>
+          </dgm:shape>
+          <dgm:presOf/>
+          <dgm:constrLst/>
+          <dgm:ruleLst/>
+        </dgm:layoutNode>
+        <dgm:layoutNode name="spaceRect">
+          <dgm:alg type="sp"/>
+          <dgm:shape xmlns:r="http://schemas.openxmlformats.org/officeDocument/2006/relationships" r:blip="">
+            <dgm:adjLst/>
+          </dgm:shape>
+          <dgm:presOf/>
+          <dgm:constrLst/>
+          <dgm:ruleLst/>
+        </dgm:layoutNode>
+        <dgm:layoutNode name="textRect" styleLbl="revTx">
+          <dgm:varLst>
+            <dgm:chMax val="1"/>
+            <dgm:chPref val="1"/>
+          </dgm:varLst>
+          <dgm:alg type="tx">
+            <dgm:param type="txAnchorVert" val="t"/>
+          </dgm:alg>
+          <dgm:shape xmlns:r="http://schemas.openxmlformats.org/officeDocument/2006/relationships" type="rect" r:blip="">
+            <dgm:adjLst/>
+          </dgm:shape>
+          <dgm:presOf axis="self" ptType="node"/>
+          <dgm:constrLst>
+            <dgm:constr type="lMarg"/>
+            <dgm:constr type="rMarg"/>
+            <dgm:constr type="tMarg"/>
+            <dgm:constr type="bMarg"/>
+          </dgm:constrLst>
+          <dgm:ruleLst>
+            <dgm:rule type="primFontSz" val="11" fact="NaN" max="NaN"/>
+            <dgm:rule type="h" val="INF" fact="NaN" max="NaN"/>
+          </dgm:ruleLst>
+        </dgm:layoutNode>
+      </dgm:layoutNode>
+      <dgm:forEach name="Name8" axis="followSib" ptType="sibTrans" cnt="1">
+        <dgm:layoutNode name="sibTrans">
+          <dgm:alg type="sp"/>
+          <dgm:shape xmlns:r="http://schemas.openxmlformats.org/officeDocument/2006/relationships" r:blip="">
+            <dgm:adjLst/>
+          </dgm:shape>
+          <dgm:presOf axis="self"/>
+          <dgm:constrLst/>
+          <dgm:ruleLst/>
+        </dgm:layoutNode>
+      </dgm:forEach>
+    </dgm:forEach>
+  </dgm:layoutNode>
+  <dgm:extLst>
+    <a:ext uri="{68A01E43-0DF5-4B5B-8FA6-DAF915123BFB}">
+      <dgm1612:lstStyle xmlns:dgm1612="http://schemas.microsoft.com/office/drawing/2016/12/diagram">
+        <a:lvl1pPr>
+          <a:lnSpc>
+            <a:spcPct val="100000"/>
+          </a:lnSpc>
+        </a:lvl1pPr>
+      </dgm1612:lstStyle>
+    </a:ext>
+  </dgm:extLst>
+</dgm:layoutDef>
+</file>
+
+<file path=ppt/diagrams/layout3.xml><?xml version="1.0" encoding="utf-8"?>
 <dgm:layoutDef xmlns:dgm="http://schemas.openxmlformats.org/drawingml/2006/diagram" xmlns:a="http://schemas.openxmlformats.org/drawingml/2006/main" uniqueId="urn:microsoft.com/office/officeart/2005/8/layout/vList2">
   <dgm:title val=""/>
   <dgm:desc val=""/>
@@ -2600,6 +5448,2074 @@
 </dgm:styleDef>
 </file>
 
+<file path=ppt/diagrams/quickStyle2.xml><?xml version="1.0" encoding="utf-8"?>
+<dgm:styleDef xmlns:dgm="http://schemas.openxmlformats.org/drawingml/2006/diagram" xmlns:a="http://schemas.openxmlformats.org/drawingml/2006/main" uniqueId="urn:microsoft.com/office/officeart/2005/8/quickstyle/simple1">
+  <dgm:title val=""/>
+  <dgm:desc val=""/>
+  <dgm:catLst>
+    <dgm:cat type="simple" pri="10100"/>
+  </dgm:catLst>
+  <dgm:scene3d>
+    <a:camera prst="orthographicFront"/>
+    <a:lightRig rig="threePt" dir="t"/>
+  </dgm:scene3d>
+  <dgm:styleLbl name="node0">
+    <dgm:scene3d>
+      <a:camera prst="orthographicFront"/>
+      <a:lightRig rig="threePt" dir="t"/>
+    </dgm:scene3d>
+    <dgm:sp3d/>
+    <dgm:txPr/>
+    <dgm:style>
+      <a:lnRef idx="2">
+        <a:scrgbClr r="0" g="0" b="0"/>
+      </a:lnRef>
+      <a:fillRef idx="1">
+        <a:scrgbClr r="0" g="0" b="0"/>
+      </a:fillRef>
+      <a:effectRef idx="0">
+        <a:scrgbClr r="0" g="0" b="0"/>
+      </a:effectRef>
+      <a:fontRef idx="minor">
+        <a:schemeClr val="lt1"/>
+      </a:fontRef>
+    </dgm:style>
+  </dgm:styleLbl>
+  <dgm:styleLbl name="lnNode1">
+    <dgm:scene3d>
+      <a:camera prst="orthographicFront"/>
+      <a:lightRig rig="threePt" dir="t"/>
+    </dgm:scene3d>
+    <dgm:sp3d/>
+    <dgm:txPr/>
+    <dgm:style>
+      <a:lnRef idx="2">
+        <a:scrgbClr r="0" g="0" b="0"/>
+      </a:lnRef>
+      <a:fillRef idx="1">
+        <a:scrgbClr r="0" g="0" b="0"/>
+      </a:fillRef>
+      <a:effectRef idx="0">
+        <a:scrgbClr r="0" g="0" b="0"/>
+      </a:effectRef>
+      <a:fontRef idx="minor">
+        <a:schemeClr val="lt1"/>
+      </a:fontRef>
+    </dgm:style>
+  </dgm:styleLbl>
+  <dgm:styleLbl name="vennNode1">
+    <dgm:scene3d>
+      <a:camera prst="orthographicFront"/>
+      <a:lightRig rig="threePt" dir="t"/>
+    </dgm:scene3d>
+    <dgm:sp3d/>
+    <dgm:txPr/>
+    <dgm:style>
+      <a:lnRef idx="2">
+        <a:scrgbClr r="0" g="0" b="0"/>
+      </a:lnRef>
+      <a:fillRef idx="1">
+        <a:scrgbClr r="0" g="0" b="0"/>
+      </a:fillRef>
+      <a:effectRef idx="0">
+        <a:scrgbClr r="0" g="0" b="0"/>
+      </a:effectRef>
+      <a:fontRef idx="minor">
+        <a:schemeClr val="tx1"/>
+      </a:fontRef>
+    </dgm:style>
+  </dgm:styleLbl>
+  <dgm:styleLbl name="alignNode1">
+    <dgm:scene3d>
+      <a:camera prst="orthographicFront"/>
+      <a:lightRig rig="threePt" dir="t"/>
+    </dgm:scene3d>
+    <dgm:sp3d/>
+    <dgm:txPr/>
+    <dgm:style>
+      <a:lnRef idx="2">
+        <a:scrgbClr r="0" g="0" b="0"/>
+      </a:lnRef>
+      <a:fillRef idx="1">
+        <a:scrgbClr r="0" g="0" b="0"/>
+      </a:fillRef>
+      <a:effectRef idx="0">
+        <a:scrgbClr r="0" g="0" b="0"/>
+      </a:effectRef>
+      <a:fontRef idx="minor">
+        <a:schemeClr val="lt1"/>
+      </a:fontRef>
+    </dgm:style>
+  </dgm:styleLbl>
+  <dgm:styleLbl name="node1">
+    <dgm:scene3d>
+      <a:camera prst="orthographicFront"/>
+      <a:lightRig rig="threePt" dir="t"/>
+    </dgm:scene3d>
+    <dgm:sp3d/>
+    <dgm:txPr/>
+    <dgm:style>
+      <a:lnRef idx="2">
+        <a:scrgbClr r="0" g="0" b="0"/>
+      </a:lnRef>
+      <a:fillRef idx="1">
+        <a:scrgbClr r="0" g="0" b="0"/>
+      </a:fillRef>
+      <a:effectRef idx="0">
+        <a:scrgbClr r="0" g="0" b="0"/>
+      </a:effectRef>
+      <a:fontRef idx="minor">
+        <a:schemeClr val="lt1"/>
+      </a:fontRef>
+    </dgm:style>
+  </dgm:styleLbl>
+  <dgm:styleLbl name="node2">
+    <dgm:scene3d>
+      <a:camera prst="orthographicFront"/>
+      <a:lightRig rig="threePt" dir="t"/>
+    </dgm:scene3d>
+    <dgm:sp3d/>
+    <dgm:txPr/>
+    <dgm:style>
+      <a:lnRef idx="2">
+        <a:scrgbClr r="0" g="0" b="0"/>
+      </a:lnRef>
+      <a:fillRef idx="1">
+        <a:scrgbClr r="0" g="0" b="0"/>
+      </a:fillRef>
+      <a:effectRef idx="0">
+        <a:scrgbClr r="0" g="0" b="0"/>
+      </a:effectRef>
+      <a:fontRef idx="minor">
+        <a:schemeClr val="lt1"/>
+      </a:fontRef>
+    </dgm:style>
+  </dgm:styleLbl>
+  <dgm:styleLbl name="node3">
+    <dgm:scene3d>
+      <a:camera prst="orthographicFront"/>
+      <a:lightRig rig="threePt" dir="t"/>
+    </dgm:scene3d>
+    <dgm:sp3d/>
+    <dgm:txPr/>
+    <dgm:style>
+      <a:lnRef idx="2">
+        <a:scrgbClr r="0" g="0" b="0"/>
+      </a:lnRef>
+      <a:fillRef idx="1">
+        <a:scrgbClr r="0" g="0" b="0"/>
+      </a:fillRef>
+      <a:effectRef idx="0">
+        <a:scrgbClr r="0" g="0" b="0"/>
+      </a:effectRef>
+      <a:fontRef idx="minor">
+        <a:schemeClr val="lt1"/>
+      </a:fontRef>
+    </dgm:style>
+  </dgm:styleLbl>
+  <dgm:styleLbl name="node4">
+    <dgm:scene3d>
+      <a:camera prst="orthographicFront"/>
+      <a:lightRig rig="threePt" dir="t"/>
+    </dgm:scene3d>
+    <dgm:sp3d/>
+    <dgm:txPr/>
+    <dgm:style>
+      <a:lnRef idx="2">
+        <a:scrgbClr r="0" g="0" b="0"/>
+      </a:lnRef>
+      <a:fillRef idx="1">
+        <a:scrgbClr r="0" g="0" b="0"/>
+      </a:fillRef>
+      <a:effectRef idx="0">
+        <a:scrgbClr r="0" g="0" b="0"/>
+      </a:effectRef>
+      <a:fontRef idx="minor">
+        <a:schemeClr val="lt1"/>
+      </a:fontRef>
+    </dgm:style>
+  </dgm:styleLbl>
+  <dgm:styleLbl name="fgImgPlace1">
+    <dgm:scene3d>
+      <a:camera prst="orthographicFront"/>
+      <a:lightRig rig="threePt" dir="t"/>
+    </dgm:scene3d>
+    <dgm:sp3d/>
+    <dgm:txPr/>
+    <dgm:style>
+      <a:lnRef idx="2">
+        <a:scrgbClr r="0" g="0" b="0"/>
+      </a:lnRef>
+      <a:fillRef idx="1">
+        <a:scrgbClr r="0" g="0" b="0"/>
+      </a:fillRef>
+      <a:effectRef idx="0">
+        <a:scrgbClr r="0" g="0" b="0"/>
+      </a:effectRef>
+      <a:fontRef idx="minor"/>
+    </dgm:style>
+  </dgm:styleLbl>
+  <dgm:styleLbl name="alignImgPlace1">
+    <dgm:scene3d>
+      <a:camera prst="orthographicFront"/>
+      <a:lightRig rig="threePt" dir="t"/>
+    </dgm:scene3d>
+    <dgm:sp3d/>
+    <dgm:txPr/>
+    <dgm:style>
+      <a:lnRef idx="2">
+        <a:scrgbClr r="0" g="0" b="0"/>
+      </a:lnRef>
+      <a:fillRef idx="1">
+        <a:scrgbClr r="0" g="0" b="0"/>
+      </a:fillRef>
+      <a:effectRef idx="0">
+        <a:scrgbClr r="0" g="0" b="0"/>
+      </a:effectRef>
+      <a:fontRef idx="minor"/>
+    </dgm:style>
+  </dgm:styleLbl>
+  <dgm:styleLbl name="bgImgPlace1">
+    <dgm:scene3d>
+      <a:camera prst="orthographicFront"/>
+      <a:lightRig rig="threePt" dir="t"/>
+    </dgm:scene3d>
+    <dgm:sp3d/>
+    <dgm:txPr/>
+    <dgm:style>
+      <a:lnRef idx="2">
+        <a:scrgbClr r="0" g="0" b="0"/>
+      </a:lnRef>
+      <a:fillRef idx="1">
+        <a:scrgbClr r="0" g="0" b="0"/>
+      </a:fillRef>
+      <a:effectRef idx="0">
+        <a:scrgbClr r="0" g="0" b="0"/>
+      </a:effectRef>
+      <a:fontRef idx="minor"/>
+    </dgm:style>
+  </dgm:styleLbl>
+  <dgm:styleLbl name="sibTrans2D1">
+    <dgm:scene3d>
+      <a:camera prst="orthographicFront"/>
+      <a:lightRig rig="threePt" dir="t"/>
+    </dgm:scene3d>
+    <dgm:sp3d/>
+    <dgm:txPr/>
+    <dgm:style>
+      <a:lnRef idx="0">
+        <a:scrgbClr r="0" g="0" b="0"/>
+      </a:lnRef>
+      <a:fillRef idx="1">
+        <a:scrgbClr r="0" g="0" b="0"/>
+      </a:fillRef>
+      <a:effectRef idx="0">
+        <a:scrgbClr r="0" g="0" b="0"/>
+      </a:effectRef>
+      <a:fontRef idx="minor">
+        <a:schemeClr val="lt1"/>
+      </a:fontRef>
+    </dgm:style>
+  </dgm:styleLbl>
+  <dgm:styleLbl name="fgSibTrans2D1">
+    <dgm:scene3d>
+      <a:camera prst="orthographicFront"/>
+      <a:lightRig rig="threePt" dir="t"/>
+    </dgm:scene3d>
+    <dgm:sp3d/>
+    <dgm:txPr/>
+    <dgm:style>
+      <a:lnRef idx="0">
+        <a:scrgbClr r="0" g="0" b="0"/>
+      </a:lnRef>
+      <a:fillRef idx="1">
+        <a:scrgbClr r="0" g="0" b="0"/>
+      </a:fillRef>
+      <a:effectRef idx="0">
+        <a:scrgbClr r="0" g="0" b="0"/>
+      </a:effectRef>
+      <a:fontRef idx="minor">
+        <a:schemeClr val="lt1"/>
+      </a:fontRef>
+    </dgm:style>
+  </dgm:styleLbl>
+  <dgm:styleLbl name="bgSibTrans2D1">
+    <dgm:scene3d>
+      <a:camera prst="orthographicFront"/>
+      <a:lightRig rig="threePt" dir="t"/>
+    </dgm:scene3d>
+    <dgm:sp3d/>
+    <dgm:txPr/>
+    <dgm:style>
+      <a:lnRef idx="0">
+        <a:scrgbClr r="0" g="0" b="0"/>
+      </a:lnRef>
+      <a:fillRef idx="1">
+        <a:scrgbClr r="0" g="0" b="0"/>
+      </a:fillRef>
+      <a:effectRef idx="0">
+        <a:scrgbClr r="0" g="0" b="0"/>
+      </a:effectRef>
+      <a:fontRef idx="minor">
+        <a:schemeClr val="lt1"/>
+      </a:fontRef>
+    </dgm:style>
+  </dgm:styleLbl>
+  <dgm:styleLbl name="sibTrans1D1">
+    <dgm:scene3d>
+      <a:camera prst="orthographicFront"/>
+      <a:lightRig rig="threePt" dir="t"/>
+    </dgm:scene3d>
+    <dgm:sp3d/>
+    <dgm:txPr/>
+    <dgm:style>
+      <a:lnRef idx="1">
+        <a:scrgbClr r="0" g="0" b="0"/>
+      </a:lnRef>
+      <a:fillRef idx="0">
+        <a:scrgbClr r="0" g="0" b="0"/>
+      </a:fillRef>
+      <a:effectRef idx="0">
+        <a:scrgbClr r="0" g="0" b="0"/>
+      </a:effectRef>
+      <a:fontRef idx="minor"/>
+    </dgm:style>
+  </dgm:styleLbl>
+  <dgm:styleLbl name="callout">
+    <dgm:scene3d>
+      <a:camera prst="orthographicFront"/>
+      <a:lightRig rig="threePt" dir="t"/>
+    </dgm:scene3d>
+    <dgm:sp3d/>
+    <dgm:txPr/>
+    <dgm:style>
+      <a:lnRef idx="2">
+        <a:scrgbClr r="0" g="0" b="0"/>
+      </a:lnRef>
+      <a:fillRef idx="1">
+        <a:scrgbClr r="0" g="0" b="0"/>
+      </a:fillRef>
+      <a:effectRef idx="0">
+        <a:scrgbClr r="0" g="0" b="0"/>
+      </a:effectRef>
+      <a:fontRef idx="minor"/>
+    </dgm:style>
+  </dgm:styleLbl>
+  <dgm:styleLbl name="asst0">
+    <dgm:scene3d>
+      <a:camera prst="orthographicFront"/>
+      <a:lightRig rig="threePt" dir="t"/>
+    </dgm:scene3d>
+    <dgm:sp3d/>
+    <dgm:txPr/>
+    <dgm:style>
+      <a:lnRef idx="2">
+        <a:scrgbClr r="0" g="0" b="0"/>
+      </a:lnRef>
+      <a:fillRef idx="1">
+        <a:scrgbClr r="0" g="0" b="0"/>
+      </a:fillRef>
+      <a:effectRef idx="0">
+        <a:scrgbClr r="0" g="0" b="0"/>
+      </a:effectRef>
+      <a:fontRef idx="minor">
+        <a:schemeClr val="lt1"/>
+      </a:fontRef>
+    </dgm:style>
+  </dgm:styleLbl>
+  <dgm:styleLbl name="asst1">
+    <dgm:scene3d>
+      <a:camera prst="orthographicFront"/>
+      <a:lightRig rig="threePt" dir="t"/>
+    </dgm:scene3d>
+    <dgm:sp3d/>
+    <dgm:txPr/>
+    <dgm:style>
+      <a:lnRef idx="2">
+        <a:scrgbClr r="0" g="0" b="0"/>
+      </a:lnRef>
+      <a:fillRef idx="1">
+        <a:scrgbClr r="0" g="0" b="0"/>
+      </a:fillRef>
+      <a:effectRef idx="0">
+        <a:scrgbClr r="0" g="0" b="0"/>
+      </a:effectRef>
+      <a:fontRef idx="minor">
+        <a:schemeClr val="lt1"/>
+      </a:fontRef>
+    </dgm:style>
+  </dgm:styleLbl>
+  <dgm:styleLbl name="asst2">
+    <dgm:scene3d>
+      <a:camera prst="orthographicFront"/>
+      <a:lightRig rig="threePt" dir="t"/>
+    </dgm:scene3d>
+    <dgm:sp3d/>
+    <dgm:txPr/>
+    <dgm:style>
+      <a:lnRef idx="2">
+        <a:scrgbClr r="0" g="0" b="0"/>
+      </a:lnRef>
+      <a:fillRef idx="1">
+        <a:scrgbClr r="0" g="0" b="0"/>
+      </a:fillRef>
+      <a:effectRef idx="0">
+        <a:scrgbClr r="0" g="0" b="0"/>
+      </a:effectRef>
+      <a:fontRef idx="minor">
+        <a:schemeClr val="lt1"/>
+      </a:fontRef>
+    </dgm:style>
+  </dgm:styleLbl>
+  <dgm:styleLbl name="asst3">
+    <dgm:scene3d>
+      <a:camera prst="orthographicFront"/>
+      <a:lightRig rig="threePt" dir="t"/>
+    </dgm:scene3d>
+    <dgm:sp3d/>
+    <dgm:txPr/>
+    <dgm:style>
+      <a:lnRef idx="2">
+        <a:scrgbClr r="0" g="0" b="0"/>
+      </a:lnRef>
+      <a:fillRef idx="1">
+        <a:scrgbClr r="0" g="0" b="0"/>
+      </a:fillRef>
+      <a:effectRef idx="0">
+        <a:scrgbClr r="0" g="0" b="0"/>
+      </a:effectRef>
+      <a:fontRef idx="minor">
+        <a:schemeClr val="lt1"/>
+      </a:fontRef>
+    </dgm:style>
+  </dgm:styleLbl>
+  <dgm:styleLbl name="asst4">
+    <dgm:scene3d>
+      <a:camera prst="orthographicFront"/>
+      <a:lightRig rig="threePt" dir="t"/>
+    </dgm:scene3d>
+    <dgm:sp3d/>
+    <dgm:txPr/>
+    <dgm:style>
+      <a:lnRef idx="2">
+        <a:scrgbClr r="0" g="0" b="0"/>
+      </a:lnRef>
+      <a:fillRef idx="1">
+        <a:scrgbClr r="0" g="0" b="0"/>
+      </a:fillRef>
+      <a:effectRef idx="0">
+        <a:scrgbClr r="0" g="0" b="0"/>
+      </a:effectRef>
+      <a:fontRef idx="minor">
+        <a:schemeClr val="lt1"/>
+      </a:fontRef>
+    </dgm:style>
+  </dgm:styleLbl>
+  <dgm:styleLbl name="parChTrans2D1">
+    <dgm:scene3d>
+      <a:camera prst="orthographicFront"/>
+      <a:lightRig rig="threePt" dir="t"/>
+    </dgm:scene3d>
+    <dgm:sp3d/>
+    <dgm:txPr/>
+    <dgm:style>
+      <a:lnRef idx="2">
+        <a:scrgbClr r="0" g="0" b="0"/>
+      </a:lnRef>
+      <a:fillRef idx="1">
+        <a:scrgbClr r="0" g="0" b="0"/>
+      </a:fillRef>
+      <a:effectRef idx="0">
+        <a:scrgbClr r="0" g="0" b="0"/>
+      </a:effectRef>
+      <a:fontRef idx="minor">
+        <a:schemeClr val="lt1"/>
+      </a:fontRef>
+    </dgm:style>
+  </dgm:styleLbl>
+  <dgm:styleLbl name="parChTrans2D2">
+    <dgm:scene3d>
+      <a:camera prst="orthographicFront"/>
+      <a:lightRig rig="threePt" dir="t"/>
+    </dgm:scene3d>
+    <dgm:sp3d/>
+    <dgm:txPr/>
+    <dgm:style>
+      <a:lnRef idx="2">
+        <a:scrgbClr r="0" g="0" b="0"/>
+      </a:lnRef>
+      <a:fillRef idx="1">
+        <a:scrgbClr r="0" g="0" b="0"/>
+      </a:fillRef>
+      <a:effectRef idx="0">
+        <a:scrgbClr r="0" g="0" b="0"/>
+      </a:effectRef>
+      <a:fontRef idx="minor">
+        <a:schemeClr val="lt1"/>
+      </a:fontRef>
+    </dgm:style>
+  </dgm:styleLbl>
+  <dgm:styleLbl name="parChTrans2D3">
+    <dgm:scene3d>
+      <a:camera prst="orthographicFront"/>
+      <a:lightRig rig="threePt" dir="t"/>
+    </dgm:scene3d>
+    <dgm:sp3d/>
+    <dgm:txPr/>
+    <dgm:style>
+      <a:lnRef idx="2">
+        <a:scrgbClr r="0" g="0" b="0"/>
+      </a:lnRef>
+      <a:fillRef idx="1">
+        <a:scrgbClr r="0" g="0" b="0"/>
+      </a:fillRef>
+      <a:effectRef idx="0">
+        <a:scrgbClr r="0" g="0" b="0"/>
+      </a:effectRef>
+      <a:fontRef idx="minor">
+        <a:schemeClr val="lt1"/>
+      </a:fontRef>
+    </dgm:style>
+  </dgm:styleLbl>
+  <dgm:styleLbl name="parChTrans2D4">
+    <dgm:scene3d>
+      <a:camera prst="orthographicFront"/>
+      <a:lightRig rig="threePt" dir="t"/>
+    </dgm:scene3d>
+    <dgm:sp3d/>
+    <dgm:txPr/>
+    <dgm:style>
+      <a:lnRef idx="2">
+        <a:scrgbClr r="0" g="0" b="0"/>
+      </a:lnRef>
+      <a:fillRef idx="1">
+        <a:scrgbClr r="0" g="0" b="0"/>
+      </a:fillRef>
+      <a:effectRef idx="0">
+        <a:scrgbClr r="0" g="0" b="0"/>
+      </a:effectRef>
+      <a:fontRef idx="minor">
+        <a:schemeClr val="lt1"/>
+      </a:fontRef>
+    </dgm:style>
+  </dgm:styleLbl>
+  <dgm:styleLbl name="parChTrans1D1">
+    <dgm:scene3d>
+      <a:camera prst="orthographicFront"/>
+      <a:lightRig rig="threePt" dir="t"/>
+    </dgm:scene3d>
+    <dgm:sp3d/>
+    <dgm:txPr/>
+    <dgm:style>
+      <a:lnRef idx="2">
+        <a:scrgbClr r="0" g="0" b="0"/>
+      </a:lnRef>
+      <a:fillRef idx="0">
+        <a:scrgbClr r="0" g="0" b="0"/>
+      </a:fillRef>
+      <a:effectRef idx="0">
+        <a:scrgbClr r="0" g="0" b="0"/>
+      </a:effectRef>
+      <a:fontRef idx="minor"/>
+    </dgm:style>
+  </dgm:styleLbl>
+  <dgm:styleLbl name="parChTrans1D2">
+    <dgm:scene3d>
+      <a:camera prst="orthographicFront"/>
+      <a:lightRig rig="threePt" dir="t"/>
+    </dgm:scene3d>
+    <dgm:sp3d/>
+    <dgm:txPr/>
+    <dgm:style>
+      <a:lnRef idx="2">
+        <a:scrgbClr r="0" g="0" b="0"/>
+      </a:lnRef>
+      <a:fillRef idx="0">
+        <a:scrgbClr r="0" g="0" b="0"/>
+      </a:fillRef>
+      <a:effectRef idx="0">
+        <a:scrgbClr r="0" g="0" b="0"/>
+      </a:effectRef>
+      <a:fontRef idx="minor"/>
+    </dgm:style>
+  </dgm:styleLbl>
+  <dgm:styleLbl name="parChTrans1D3">
+    <dgm:scene3d>
+      <a:camera prst="orthographicFront"/>
+      <a:lightRig rig="threePt" dir="t"/>
+    </dgm:scene3d>
+    <dgm:sp3d/>
+    <dgm:txPr/>
+    <dgm:style>
+      <a:lnRef idx="2">
+        <a:scrgbClr r="0" g="0" b="0"/>
+      </a:lnRef>
+      <a:fillRef idx="0">
+        <a:scrgbClr r="0" g="0" b="0"/>
+      </a:fillRef>
+      <a:effectRef idx="0">
+        <a:scrgbClr r="0" g="0" b="0"/>
+      </a:effectRef>
+      <a:fontRef idx="minor"/>
+    </dgm:style>
+  </dgm:styleLbl>
+  <dgm:styleLbl name="parChTrans1D4">
+    <dgm:scene3d>
+      <a:camera prst="orthographicFront"/>
+      <a:lightRig rig="threePt" dir="t"/>
+    </dgm:scene3d>
+    <dgm:sp3d/>
+    <dgm:txPr/>
+    <dgm:style>
+      <a:lnRef idx="2">
+        <a:scrgbClr r="0" g="0" b="0"/>
+      </a:lnRef>
+      <a:fillRef idx="0">
+        <a:scrgbClr r="0" g="0" b="0"/>
+      </a:fillRef>
+      <a:effectRef idx="0">
+        <a:scrgbClr r="0" g="0" b="0"/>
+      </a:effectRef>
+      <a:fontRef idx="minor"/>
+    </dgm:style>
+  </dgm:styleLbl>
+  <dgm:styleLbl name="fgAcc1">
+    <dgm:scene3d>
+      <a:camera prst="orthographicFront"/>
+      <a:lightRig rig="threePt" dir="t"/>
+    </dgm:scene3d>
+    <dgm:sp3d/>
+    <dgm:txPr/>
+    <dgm:style>
+      <a:lnRef idx="2">
+        <a:scrgbClr r="0" g="0" b="0"/>
+      </a:lnRef>
+      <a:fillRef idx="1">
+        <a:scrgbClr r="0" g="0" b="0"/>
+      </a:fillRef>
+      <a:effectRef idx="0">
+        <a:scrgbClr r="0" g="0" b="0"/>
+      </a:effectRef>
+      <a:fontRef idx="minor"/>
+    </dgm:style>
+  </dgm:styleLbl>
+  <dgm:styleLbl name="conFgAcc1">
+    <dgm:scene3d>
+      <a:camera prst="orthographicFront"/>
+      <a:lightRig rig="threePt" dir="t"/>
+    </dgm:scene3d>
+    <dgm:sp3d/>
+    <dgm:txPr/>
+    <dgm:style>
+      <a:lnRef idx="2">
+        <a:scrgbClr r="0" g="0" b="0"/>
+      </a:lnRef>
+      <a:fillRef idx="1">
+        <a:scrgbClr r="0" g="0" b="0"/>
+      </a:fillRef>
+      <a:effectRef idx="0">
+        <a:scrgbClr r="0" g="0" b="0"/>
+      </a:effectRef>
+      <a:fontRef idx="minor"/>
+    </dgm:style>
+  </dgm:styleLbl>
+  <dgm:styleLbl name="alignAcc1">
+    <dgm:scene3d>
+      <a:camera prst="orthographicFront"/>
+      <a:lightRig rig="threePt" dir="t"/>
+    </dgm:scene3d>
+    <dgm:sp3d/>
+    <dgm:txPr/>
+    <dgm:style>
+      <a:lnRef idx="2">
+        <a:scrgbClr r="0" g="0" b="0"/>
+      </a:lnRef>
+      <a:fillRef idx="1">
+        <a:scrgbClr r="0" g="0" b="0"/>
+      </a:fillRef>
+      <a:effectRef idx="0">
+        <a:scrgbClr r="0" g="0" b="0"/>
+      </a:effectRef>
+      <a:fontRef idx="minor"/>
+    </dgm:style>
+  </dgm:styleLbl>
+  <dgm:styleLbl name="trAlignAcc1">
+    <dgm:scene3d>
+      <a:camera prst="orthographicFront"/>
+      <a:lightRig rig="threePt" dir="t"/>
+    </dgm:scene3d>
+    <dgm:sp3d/>
+    <dgm:txPr/>
+    <dgm:style>
+      <a:lnRef idx="1">
+        <a:scrgbClr r="0" g="0" b="0"/>
+      </a:lnRef>
+      <a:fillRef idx="1">
+        <a:scrgbClr r="0" g="0" b="0"/>
+      </a:fillRef>
+      <a:effectRef idx="0">
+        <a:scrgbClr r="0" g="0" b="0"/>
+      </a:effectRef>
+      <a:fontRef idx="minor"/>
+    </dgm:style>
+  </dgm:styleLbl>
+  <dgm:styleLbl name="bgAcc1">
+    <dgm:scene3d>
+      <a:camera prst="orthographicFront"/>
+      <a:lightRig rig="threePt" dir="t"/>
+    </dgm:scene3d>
+    <dgm:sp3d/>
+    <dgm:txPr/>
+    <dgm:style>
+      <a:lnRef idx="2">
+        <a:scrgbClr r="0" g="0" b="0"/>
+      </a:lnRef>
+      <a:fillRef idx="1">
+        <a:scrgbClr r="0" g="0" b="0"/>
+      </a:fillRef>
+      <a:effectRef idx="0">
+        <a:scrgbClr r="0" g="0" b="0"/>
+      </a:effectRef>
+      <a:fontRef idx="minor"/>
+    </dgm:style>
+  </dgm:styleLbl>
+  <dgm:styleLbl name="solidFgAcc1">
+    <dgm:scene3d>
+      <a:camera prst="orthographicFront"/>
+      <a:lightRig rig="threePt" dir="t"/>
+    </dgm:scene3d>
+    <dgm:sp3d/>
+    <dgm:txPr/>
+    <dgm:style>
+      <a:lnRef idx="2">
+        <a:scrgbClr r="0" g="0" b="0"/>
+      </a:lnRef>
+      <a:fillRef idx="1">
+        <a:scrgbClr r="0" g="0" b="0"/>
+      </a:fillRef>
+      <a:effectRef idx="0">
+        <a:scrgbClr r="0" g="0" b="0"/>
+      </a:effectRef>
+      <a:fontRef idx="minor"/>
+    </dgm:style>
+  </dgm:styleLbl>
+  <dgm:styleLbl name="solidAlignAcc1">
+    <dgm:scene3d>
+      <a:camera prst="orthographicFront"/>
+      <a:lightRig rig="threePt" dir="t"/>
+    </dgm:scene3d>
+    <dgm:sp3d/>
+    <dgm:txPr/>
+    <dgm:style>
+      <a:lnRef idx="2">
+        <a:scrgbClr r="0" g="0" b="0"/>
+      </a:lnRef>
+      <a:fillRef idx="1">
+        <a:scrgbClr r="0" g="0" b="0"/>
+      </a:fillRef>
+      <a:effectRef idx="0">
+        <a:scrgbClr r="0" g="0" b="0"/>
+      </a:effectRef>
+      <a:fontRef idx="minor"/>
+    </dgm:style>
+  </dgm:styleLbl>
+  <dgm:styleLbl name="solidBgAcc1">
+    <dgm:scene3d>
+      <a:camera prst="orthographicFront"/>
+      <a:lightRig rig="threePt" dir="t"/>
+    </dgm:scene3d>
+    <dgm:sp3d/>
+    <dgm:txPr/>
+    <dgm:style>
+      <a:lnRef idx="2">
+        <a:scrgbClr r="0" g="0" b="0"/>
+      </a:lnRef>
+      <a:fillRef idx="1">
+        <a:scrgbClr r="0" g="0" b="0"/>
+      </a:fillRef>
+      <a:effectRef idx="0">
+        <a:scrgbClr r="0" g="0" b="0"/>
+      </a:effectRef>
+      <a:fontRef idx="minor"/>
+    </dgm:style>
+  </dgm:styleLbl>
+  <dgm:styleLbl name="fgAccFollowNode1">
+    <dgm:scene3d>
+      <a:camera prst="orthographicFront"/>
+      <a:lightRig rig="threePt" dir="t"/>
+    </dgm:scene3d>
+    <dgm:sp3d/>
+    <dgm:txPr/>
+    <dgm:style>
+      <a:lnRef idx="2">
+        <a:scrgbClr r="0" g="0" b="0"/>
+      </a:lnRef>
+      <a:fillRef idx="1">
+        <a:scrgbClr r="0" g="0" b="0"/>
+      </a:fillRef>
+      <a:effectRef idx="0">
+        <a:scrgbClr r="0" g="0" b="0"/>
+      </a:effectRef>
+      <a:fontRef idx="minor"/>
+    </dgm:style>
+  </dgm:styleLbl>
+  <dgm:styleLbl name="alignAccFollowNode1">
+    <dgm:scene3d>
+      <a:camera prst="orthographicFront"/>
+      <a:lightRig rig="threePt" dir="t"/>
+    </dgm:scene3d>
+    <dgm:sp3d/>
+    <dgm:txPr/>
+    <dgm:style>
+      <a:lnRef idx="2">
+        <a:scrgbClr r="0" g="0" b="0"/>
+      </a:lnRef>
+      <a:fillRef idx="1">
+        <a:scrgbClr r="0" g="0" b="0"/>
+      </a:fillRef>
+      <a:effectRef idx="0">
+        <a:scrgbClr r="0" g="0" b="0"/>
+      </a:effectRef>
+      <a:fontRef idx="minor"/>
+    </dgm:style>
+  </dgm:styleLbl>
+  <dgm:styleLbl name="bgAccFollowNode1">
+    <dgm:scene3d>
+      <a:camera prst="orthographicFront"/>
+      <a:lightRig rig="threePt" dir="t"/>
+    </dgm:scene3d>
+    <dgm:sp3d/>
+    <dgm:txPr/>
+    <dgm:style>
+      <a:lnRef idx="2">
+        <a:scrgbClr r="0" g="0" b="0"/>
+      </a:lnRef>
+      <a:fillRef idx="1">
+        <a:scrgbClr r="0" g="0" b="0"/>
+      </a:fillRef>
+      <a:effectRef idx="0">
+        <a:scrgbClr r="0" g="0" b="0"/>
+      </a:effectRef>
+      <a:fontRef idx="minor"/>
+    </dgm:style>
+  </dgm:styleLbl>
+  <dgm:styleLbl name="fgAcc0">
+    <dgm:scene3d>
+      <a:camera prst="orthographicFront"/>
+      <a:lightRig rig="threePt" dir="t"/>
+    </dgm:scene3d>
+    <dgm:sp3d/>
+    <dgm:txPr/>
+    <dgm:style>
+      <a:lnRef idx="2">
+        <a:scrgbClr r="0" g="0" b="0"/>
+      </a:lnRef>
+      <a:fillRef idx="1">
+        <a:scrgbClr r="0" g="0" b="0"/>
+      </a:fillRef>
+      <a:effectRef idx="0">
+        <a:scrgbClr r="0" g="0" b="0"/>
+      </a:effectRef>
+      <a:fontRef idx="minor"/>
+    </dgm:style>
+  </dgm:styleLbl>
+  <dgm:styleLbl name="fgAcc2">
+    <dgm:scene3d>
+      <a:camera prst="orthographicFront"/>
+      <a:lightRig rig="threePt" dir="t"/>
+    </dgm:scene3d>
+    <dgm:sp3d/>
+    <dgm:txPr/>
+    <dgm:style>
+      <a:lnRef idx="2">
+        <a:scrgbClr r="0" g="0" b="0"/>
+      </a:lnRef>
+      <a:fillRef idx="1">
+        <a:scrgbClr r="0" g="0" b="0"/>
+      </a:fillRef>
+      <a:effectRef idx="0">
+        <a:scrgbClr r="0" g="0" b="0"/>
+      </a:effectRef>
+      <a:fontRef idx="minor"/>
+    </dgm:style>
+  </dgm:styleLbl>
+  <dgm:styleLbl name="fgAcc3">
+    <dgm:scene3d>
+      <a:camera prst="orthographicFront"/>
+      <a:lightRig rig="threePt" dir="t"/>
+    </dgm:scene3d>
+    <dgm:sp3d/>
+    <dgm:txPr/>
+    <dgm:style>
+      <a:lnRef idx="2">
+        <a:scrgbClr r="0" g="0" b="0"/>
+      </a:lnRef>
+      <a:fillRef idx="1">
+        <a:scrgbClr r="0" g="0" b="0"/>
+      </a:fillRef>
+      <a:effectRef idx="0">
+        <a:scrgbClr r="0" g="0" b="0"/>
+      </a:effectRef>
+      <a:fontRef idx="minor"/>
+    </dgm:style>
+  </dgm:styleLbl>
+  <dgm:styleLbl name="fgAcc4">
+    <dgm:scene3d>
+      <a:camera prst="orthographicFront"/>
+      <a:lightRig rig="threePt" dir="t"/>
+    </dgm:scene3d>
+    <dgm:sp3d/>
+    <dgm:txPr/>
+    <dgm:style>
+      <a:lnRef idx="2">
+        <a:scrgbClr r="0" g="0" b="0"/>
+      </a:lnRef>
+      <a:fillRef idx="1">
+        <a:scrgbClr r="0" g="0" b="0"/>
+      </a:fillRef>
+      <a:effectRef idx="0">
+        <a:scrgbClr r="0" g="0" b="0"/>
+      </a:effectRef>
+      <a:fontRef idx="minor"/>
+    </dgm:style>
+  </dgm:styleLbl>
+  <dgm:styleLbl name="bgShp">
+    <dgm:scene3d>
+      <a:camera prst="orthographicFront"/>
+      <a:lightRig rig="threePt" dir="t"/>
+    </dgm:scene3d>
+    <dgm:sp3d/>
+    <dgm:txPr/>
+    <dgm:style>
+      <a:lnRef idx="0">
+        <a:scrgbClr r="0" g="0" b="0"/>
+      </a:lnRef>
+      <a:fillRef idx="1">
+        <a:scrgbClr r="0" g="0" b="0"/>
+      </a:fillRef>
+      <a:effectRef idx="0">
+        <a:scrgbClr r="0" g="0" b="0"/>
+      </a:effectRef>
+      <a:fontRef idx="minor"/>
+    </dgm:style>
+  </dgm:styleLbl>
+  <dgm:styleLbl name="dkBgShp">
+    <dgm:scene3d>
+      <a:camera prst="orthographicFront"/>
+      <a:lightRig rig="threePt" dir="t"/>
+    </dgm:scene3d>
+    <dgm:sp3d/>
+    <dgm:txPr/>
+    <dgm:style>
+      <a:lnRef idx="0">
+        <a:scrgbClr r="0" g="0" b="0"/>
+      </a:lnRef>
+      <a:fillRef idx="1">
+        <a:scrgbClr r="0" g="0" b="0"/>
+      </a:fillRef>
+      <a:effectRef idx="0">
+        <a:scrgbClr r="0" g="0" b="0"/>
+      </a:effectRef>
+      <a:fontRef idx="minor"/>
+    </dgm:style>
+  </dgm:styleLbl>
+  <dgm:styleLbl name="trBgShp">
+    <dgm:scene3d>
+      <a:camera prst="orthographicFront"/>
+      <a:lightRig rig="threePt" dir="t"/>
+    </dgm:scene3d>
+    <dgm:sp3d/>
+    <dgm:txPr/>
+    <dgm:style>
+      <a:lnRef idx="0">
+        <a:scrgbClr r="0" g="0" b="0"/>
+      </a:lnRef>
+      <a:fillRef idx="1">
+        <a:scrgbClr r="0" g="0" b="0"/>
+      </a:fillRef>
+      <a:effectRef idx="0">
+        <a:scrgbClr r="0" g="0" b="0"/>
+      </a:effectRef>
+      <a:fontRef idx="minor"/>
+    </dgm:style>
+  </dgm:styleLbl>
+  <dgm:styleLbl name="fgShp">
+    <dgm:scene3d>
+      <a:camera prst="orthographicFront"/>
+      <a:lightRig rig="threePt" dir="t"/>
+    </dgm:scene3d>
+    <dgm:sp3d/>
+    <dgm:txPr/>
+    <dgm:style>
+      <a:lnRef idx="2">
+        <a:scrgbClr r="0" g="0" b="0"/>
+      </a:lnRef>
+      <a:fillRef idx="1">
+        <a:scrgbClr r="0" g="0" b="0"/>
+      </a:fillRef>
+      <a:effectRef idx="0">
+        <a:scrgbClr r="0" g="0" b="0"/>
+      </a:effectRef>
+      <a:fontRef idx="minor"/>
+    </dgm:style>
+  </dgm:styleLbl>
+  <dgm:styleLbl name="revTx">
+    <dgm:scene3d>
+      <a:camera prst="orthographicFront"/>
+      <a:lightRig rig="threePt" dir="t"/>
+    </dgm:scene3d>
+    <dgm:sp3d/>
+    <dgm:txPr/>
+    <dgm:style>
+      <a:lnRef idx="0">
+        <a:scrgbClr r="0" g="0" b="0"/>
+      </a:lnRef>
+      <a:fillRef idx="0">
+        <a:scrgbClr r="0" g="0" b="0"/>
+      </a:fillRef>
+      <a:effectRef idx="0">
+        <a:scrgbClr r="0" g="0" b="0"/>
+      </a:effectRef>
+      <a:fontRef idx="minor"/>
+    </dgm:style>
+  </dgm:styleLbl>
+</dgm:styleDef>
+</file>
+
+<file path=ppt/diagrams/quickStyle3.xml><?xml version="1.0" encoding="utf-8"?>
+<dgm:styleDef xmlns:dgm="http://schemas.openxmlformats.org/drawingml/2006/diagram" xmlns:a="http://schemas.openxmlformats.org/drawingml/2006/main" uniqueId="urn:microsoft.com/office/officeart/2005/8/quickstyle/simple1">
+  <dgm:title val=""/>
+  <dgm:desc val=""/>
+  <dgm:catLst>
+    <dgm:cat type="simple" pri="10100"/>
+  </dgm:catLst>
+  <dgm:scene3d>
+    <a:camera prst="orthographicFront"/>
+    <a:lightRig rig="threePt" dir="t"/>
+  </dgm:scene3d>
+  <dgm:styleLbl name="node0">
+    <dgm:scene3d>
+      <a:camera prst="orthographicFront"/>
+      <a:lightRig rig="threePt" dir="t"/>
+    </dgm:scene3d>
+    <dgm:sp3d/>
+    <dgm:txPr/>
+    <dgm:style>
+      <a:lnRef idx="2">
+        <a:scrgbClr r="0" g="0" b="0"/>
+      </a:lnRef>
+      <a:fillRef idx="1">
+        <a:scrgbClr r="0" g="0" b="0"/>
+      </a:fillRef>
+      <a:effectRef idx="0">
+        <a:scrgbClr r="0" g="0" b="0"/>
+      </a:effectRef>
+      <a:fontRef idx="minor">
+        <a:schemeClr val="lt1"/>
+      </a:fontRef>
+    </dgm:style>
+  </dgm:styleLbl>
+  <dgm:styleLbl name="lnNode1">
+    <dgm:scene3d>
+      <a:camera prst="orthographicFront"/>
+      <a:lightRig rig="threePt" dir="t"/>
+    </dgm:scene3d>
+    <dgm:sp3d/>
+    <dgm:txPr/>
+    <dgm:style>
+      <a:lnRef idx="2">
+        <a:scrgbClr r="0" g="0" b="0"/>
+      </a:lnRef>
+      <a:fillRef idx="1">
+        <a:scrgbClr r="0" g="0" b="0"/>
+      </a:fillRef>
+      <a:effectRef idx="0">
+        <a:scrgbClr r="0" g="0" b="0"/>
+      </a:effectRef>
+      <a:fontRef idx="minor">
+        <a:schemeClr val="lt1"/>
+      </a:fontRef>
+    </dgm:style>
+  </dgm:styleLbl>
+  <dgm:styleLbl name="vennNode1">
+    <dgm:scene3d>
+      <a:camera prst="orthographicFront"/>
+      <a:lightRig rig="threePt" dir="t"/>
+    </dgm:scene3d>
+    <dgm:sp3d/>
+    <dgm:txPr/>
+    <dgm:style>
+      <a:lnRef idx="2">
+        <a:scrgbClr r="0" g="0" b="0"/>
+      </a:lnRef>
+      <a:fillRef idx="1">
+        <a:scrgbClr r="0" g="0" b="0"/>
+      </a:fillRef>
+      <a:effectRef idx="0">
+        <a:scrgbClr r="0" g="0" b="0"/>
+      </a:effectRef>
+      <a:fontRef idx="minor">
+        <a:schemeClr val="tx1"/>
+      </a:fontRef>
+    </dgm:style>
+  </dgm:styleLbl>
+  <dgm:styleLbl name="alignNode1">
+    <dgm:scene3d>
+      <a:camera prst="orthographicFront"/>
+      <a:lightRig rig="threePt" dir="t"/>
+    </dgm:scene3d>
+    <dgm:sp3d/>
+    <dgm:txPr/>
+    <dgm:style>
+      <a:lnRef idx="2">
+        <a:scrgbClr r="0" g="0" b="0"/>
+      </a:lnRef>
+      <a:fillRef idx="1">
+        <a:scrgbClr r="0" g="0" b="0"/>
+      </a:fillRef>
+      <a:effectRef idx="0">
+        <a:scrgbClr r="0" g="0" b="0"/>
+      </a:effectRef>
+      <a:fontRef idx="minor">
+        <a:schemeClr val="lt1"/>
+      </a:fontRef>
+    </dgm:style>
+  </dgm:styleLbl>
+  <dgm:styleLbl name="node1">
+    <dgm:scene3d>
+      <a:camera prst="orthographicFront"/>
+      <a:lightRig rig="threePt" dir="t"/>
+    </dgm:scene3d>
+    <dgm:sp3d/>
+    <dgm:txPr/>
+    <dgm:style>
+      <a:lnRef idx="2">
+        <a:scrgbClr r="0" g="0" b="0"/>
+      </a:lnRef>
+      <a:fillRef idx="1">
+        <a:scrgbClr r="0" g="0" b="0"/>
+      </a:fillRef>
+      <a:effectRef idx="0">
+        <a:scrgbClr r="0" g="0" b="0"/>
+      </a:effectRef>
+      <a:fontRef idx="minor">
+        <a:schemeClr val="lt1"/>
+      </a:fontRef>
+    </dgm:style>
+  </dgm:styleLbl>
+  <dgm:styleLbl name="node2">
+    <dgm:scene3d>
+      <a:camera prst="orthographicFront"/>
+      <a:lightRig rig="threePt" dir="t"/>
+    </dgm:scene3d>
+    <dgm:sp3d/>
+    <dgm:txPr/>
+    <dgm:style>
+      <a:lnRef idx="2">
+        <a:scrgbClr r="0" g="0" b="0"/>
+      </a:lnRef>
+      <a:fillRef idx="1">
+        <a:scrgbClr r="0" g="0" b="0"/>
+      </a:fillRef>
+      <a:effectRef idx="0">
+        <a:scrgbClr r="0" g="0" b="0"/>
+      </a:effectRef>
+      <a:fontRef idx="minor">
+        <a:schemeClr val="lt1"/>
+      </a:fontRef>
+    </dgm:style>
+  </dgm:styleLbl>
+  <dgm:styleLbl name="node3">
+    <dgm:scene3d>
+      <a:camera prst="orthographicFront"/>
+      <a:lightRig rig="threePt" dir="t"/>
+    </dgm:scene3d>
+    <dgm:sp3d/>
+    <dgm:txPr/>
+    <dgm:style>
+      <a:lnRef idx="2">
+        <a:scrgbClr r="0" g="0" b="0"/>
+      </a:lnRef>
+      <a:fillRef idx="1">
+        <a:scrgbClr r="0" g="0" b="0"/>
+      </a:fillRef>
+      <a:effectRef idx="0">
+        <a:scrgbClr r="0" g="0" b="0"/>
+      </a:effectRef>
+      <a:fontRef idx="minor">
+        <a:schemeClr val="lt1"/>
+      </a:fontRef>
+    </dgm:style>
+  </dgm:styleLbl>
+  <dgm:styleLbl name="node4">
+    <dgm:scene3d>
+      <a:camera prst="orthographicFront"/>
+      <a:lightRig rig="threePt" dir="t"/>
+    </dgm:scene3d>
+    <dgm:sp3d/>
+    <dgm:txPr/>
+    <dgm:style>
+      <a:lnRef idx="2">
+        <a:scrgbClr r="0" g="0" b="0"/>
+      </a:lnRef>
+      <a:fillRef idx="1">
+        <a:scrgbClr r="0" g="0" b="0"/>
+      </a:fillRef>
+      <a:effectRef idx="0">
+        <a:scrgbClr r="0" g="0" b="0"/>
+      </a:effectRef>
+      <a:fontRef idx="minor">
+        <a:schemeClr val="lt1"/>
+      </a:fontRef>
+    </dgm:style>
+  </dgm:styleLbl>
+  <dgm:styleLbl name="fgImgPlace1">
+    <dgm:scene3d>
+      <a:camera prst="orthographicFront"/>
+      <a:lightRig rig="threePt" dir="t"/>
+    </dgm:scene3d>
+    <dgm:sp3d/>
+    <dgm:txPr/>
+    <dgm:style>
+      <a:lnRef idx="2">
+        <a:scrgbClr r="0" g="0" b="0"/>
+      </a:lnRef>
+      <a:fillRef idx="1">
+        <a:scrgbClr r="0" g="0" b="0"/>
+      </a:fillRef>
+      <a:effectRef idx="0">
+        <a:scrgbClr r="0" g="0" b="0"/>
+      </a:effectRef>
+      <a:fontRef idx="minor"/>
+    </dgm:style>
+  </dgm:styleLbl>
+  <dgm:styleLbl name="alignImgPlace1">
+    <dgm:scene3d>
+      <a:camera prst="orthographicFront"/>
+      <a:lightRig rig="threePt" dir="t"/>
+    </dgm:scene3d>
+    <dgm:sp3d/>
+    <dgm:txPr/>
+    <dgm:style>
+      <a:lnRef idx="2">
+        <a:scrgbClr r="0" g="0" b="0"/>
+      </a:lnRef>
+      <a:fillRef idx="1">
+        <a:scrgbClr r="0" g="0" b="0"/>
+      </a:fillRef>
+      <a:effectRef idx="0">
+        <a:scrgbClr r="0" g="0" b="0"/>
+      </a:effectRef>
+      <a:fontRef idx="minor"/>
+    </dgm:style>
+  </dgm:styleLbl>
+  <dgm:styleLbl name="bgImgPlace1">
+    <dgm:scene3d>
+      <a:camera prst="orthographicFront"/>
+      <a:lightRig rig="threePt" dir="t"/>
+    </dgm:scene3d>
+    <dgm:sp3d/>
+    <dgm:txPr/>
+    <dgm:style>
+      <a:lnRef idx="2">
+        <a:scrgbClr r="0" g="0" b="0"/>
+      </a:lnRef>
+      <a:fillRef idx="1">
+        <a:scrgbClr r="0" g="0" b="0"/>
+      </a:fillRef>
+      <a:effectRef idx="0">
+        <a:scrgbClr r="0" g="0" b="0"/>
+      </a:effectRef>
+      <a:fontRef idx="minor"/>
+    </dgm:style>
+  </dgm:styleLbl>
+  <dgm:styleLbl name="sibTrans2D1">
+    <dgm:scene3d>
+      <a:camera prst="orthographicFront"/>
+      <a:lightRig rig="threePt" dir="t"/>
+    </dgm:scene3d>
+    <dgm:sp3d/>
+    <dgm:txPr/>
+    <dgm:style>
+      <a:lnRef idx="0">
+        <a:scrgbClr r="0" g="0" b="0"/>
+      </a:lnRef>
+      <a:fillRef idx="1">
+        <a:scrgbClr r="0" g="0" b="0"/>
+      </a:fillRef>
+      <a:effectRef idx="0">
+        <a:scrgbClr r="0" g="0" b="0"/>
+      </a:effectRef>
+      <a:fontRef idx="minor">
+        <a:schemeClr val="lt1"/>
+      </a:fontRef>
+    </dgm:style>
+  </dgm:styleLbl>
+  <dgm:styleLbl name="fgSibTrans2D1">
+    <dgm:scene3d>
+      <a:camera prst="orthographicFront"/>
+      <a:lightRig rig="threePt" dir="t"/>
+    </dgm:scene3d>
+    <dgm:sp3d/>
+    <dgm:txPr/>
+    <dgm:style>
+      <a:lnRef idx="0">
+        <a:scrgbClr r="0" g="0" b="0"/>
+      </a:lnRef>
+      <a:fillRef idx="1">
+        <a:scrgbClr r="0" g="0" b="0"/>
+      </a:fillRef>
+      <a:effectRef idx="0">
+        <a:scrgbClr r="0" g="0" b="0"/>
+      </a:effectRef>
+      <a:fontRef idx="minor">
+        <a:schemeClr val="lt1"/>
+      </a:fontRef>
+    </dgm:style>
+  </dgm:styleLbl>
+  <dgm:styleLbl name="bgSibTrans2D1">
+    <dgm:scene3d>
+      <a:camera prst="orthographicFront"/>
+      <a:lightRig rig="threePt" dir="t"/>
+    </dgm:scene3d>
+    <dgm:sp3d/>
+    <dgm:txPr/>
+    <dgm:style>
+      <a:lnRef idx="0">
+        <a:scrgbClr r="0" g="0" b="0"/>
+      </a:lnRef>
+      <a:fillRef idx="1">
+        <a:scrgbClr r="0" g="0" b="0"/>
+      </a:fillRef>
+      <a:effectRef idx="0">
+        <a:scrgbClr r="0" g="0" b="0"/>
+      </a:effectRef>
+      <a:fontRef idx="minor">
+        <a:schemeClr val="lt1"/>
+      </a:fontRef>
+    </dgm:style>
+  </dgm:styleLbl>
+  <dgm:styleLbl name="sibTrans1D1">
+    <dgm:scene3d>
+      <a:camera prst="orthographicFront"/>
+      <a:lightRig rig="threePt" dir="t"/>
+    </dgm:scene3d>
+    <dgm:sp3d/>
+    <dgm:txPr/>
+    <dgm:style>
+      <a:lnRef idx="1">
+        <a:scrgbClr r="0" g="0" b="0"/>
+      </a:lnRef>
+      <a:fillRef idx="0">
+        <a:scrgbClr r="0" g="0" b="0"/>
+      </a:fillRef>
+      <a:effectRef idx="0">
+        <a:scrgbClr r="0" g="0" b="0"/>
+      </a:effectRef>
+      <a:fontRef idx="minor"/>
+    </dgm:style>
+  </dgm:styleLbl>
+  <dgm:styleLbl name="callout">
+    <dgm:scene3d>
+      <a:camera prst="orthographicFront"/>
+      <a:lightRig rig="threePt" dir="t"/>
+    </dgm:scene3d>
+    <dgm:sp3d/>
+    <dgm:txPr/>
+    <dgm:style>
+      <a:lnRef idx="2">
+        <a:scrgbClr r="0" g="0" b="0"/>
+      </a:lnRef>
+      <a:fillRef idx="1">
+        <a:scrgbClr r="0" g="0" b="0"/>
+      </a:fillRef>
+      <a:effectRef idx="0">
+        <a:scrgbClr r="0" g="0" b="0"/>
+      </a:effectRef>
+      <a:fontRef idx="minor"/>
+    </dgm:style>
+  </dgm:styleLbl>
+  <dgm:styleLbl name="asst0">
+    <dgm:scene3d>
+      <a:camera prst="orthographicFront"/>
+      <a:lightRig rig="threePt" dir="t"/>
+    </dgm:scene3d>
+    <dgm:sp3d/>
+    <dgm:txPr/>
+    <dgm:style>
+      <a:lnRef idx="2">
+        <a:scrgbClr r="0" g="0" b="0"/>
+      </a:lnRef>
+      <a:fillRef idx="1">
+        <a:scrgbClr r="0" g="0" b="0"/>
+      </a:fillRef>
+      <a:effectRef idx="0">
+        <a:scrgbClr r="0" g="0" b="0"/>
+      </a:effectRef>
+      <a:fontRef idx="minor">
+        <a:schemeClr val="lt1"/>
+      </a:fontRef>
+    </dgm:style>
+  </dgm:styleLbl>
+  <dgm:styleLbl name="asst1">
+    <dgm:scene3d>
+      <a:camera prst="orthographicFront"/>
+      <a:lightRig rig="threePt" dir="t"/>
+    </dgm:scene3d>
+    <dgm:sp3d/>
+    <dgm:txPr/>
+    <dgm:style>
+      <a:lnRef idx="2">
+        <a:scrgbClr r="0" g="0" b="0"/>
+      </a:lnRef>
+      <a:fillRef idx="1">
+        <a:scrgbClr r="0" g="0" b="0"/>
+      </a:fillRef>
+      <a:effectRef idx="0">
+        <a:scrgbClr r="0" g="0" b="0"/>
+      </a:effectRef>
+      <a:fontRef idx="minor">
+        <a:schemeClr val="lt1"/>
+      </a:fontRef>
+    </dgm:style>
+  </dgm:styleLbl>
+  <dgm:styleLbl name="asst2">
+    <dgm:scene3d>
+      <a:camera prst="orthographicFront"/>
+      <a:lightRig rig="threePt" dir="t"/>
+    </dgm:scene3d>
+    <dgm:sp3d/>
+    <dgm:txPr/>
+    <dgm:style>
+      <a:lnRef idx="2">
+        <a:scrgbClr r="0" g="0" b="0"/>
+      </a:lnRef>
+      <a:fillRef idx="1">
+        <a:scrgbClr r="0" g="0" b="0"/>
+      </a:fillRef>
+      <a:effectRef idx="0">
+        <a:scrgbClr r="0" g="0" b="0"/>
+      </a:effectRef>
+      <a:fontRef idx="minor">
+        <a:schemeClr val="lt1"/>
+      </a:fontRef>
+    </dgm:style>
+  </dgm:styleLbl>
+  <dgm:styleLbl name="asst3">
+    <dgm:scene3d>
+      <a:camera prst="orthographicFront"/>
+      <a:lightRig rig="threePt" dir="t"/>
+    </dgm:scene3d>
+    <dgm:sp3d/>
+    <dgm:txPr/>
+    <dgm:style>
+      <a:lnRef idx="2">
+        <a:scrgbClr r="0" g="0" b="0"/>
+      </a:lnRef>
+      <a:fillRef idx="1">
+        <a:scrgbClr r="0" g="0" b="0"/>
+      </a:fillRef>
+      <a:effectRef idx="0">
+        <a:scrgbClr r="0" g="0" b="0"/>
+      </a:effectRef>
+      <a:fontRef idx="minor">
+        <a:schemeClr val="lt1"/>
+      </a:fontRef>
+    </dgm:style>
+  </dgm:styleLbl>
+  <dgm:styleLbl name="asst4">
+    <dgm:scene3d>
+      <a:camera prst="orthographicFront"/>
+      <a:lightRig rig="threePt" dir="t"/>
+    </dgm:scene3d>
+    <dgm:sp3d/>
+    <dgm:txPr/>
+    <dgm:style>
+      <a:lnRef idx="2">
+        <a:scrgbClr r="0" g="0" b="0"/>
+      </a:lnRef>
+      <a:fillRef idx="1">
+        <a:scrgbClr r="0" g="0" b="0"/>
+      </a:fillRef>
+      <a:effectRef idx="0">
+        <a:scrgbClr r="0" g="0" b="0"/>
+      </a:effectRef>
+      <a:fontRef idx="minor">
+        <a:schemeClr val="lt1"/>
+      </a:fontRef>
+    </dgm:style>
+  </dgm:styleLbl>
+  <dgm:styleLbl name="parChTrans2D1">
+    <dgm:scene3d>
+      <a:camera prst="orthographicFront"/>
+      <a:lightRig rig="threePt" dir="t"/>
+    </dgm:scene3d>
+    <dgm:sp3d/>
+    <dgm:txPr/>
+    <dgm:style>
+      <a:lnRef idx="2">
+        <a:scrgbClr r="0" g="0" b="0"/>
+      </a:lnRef>
+      <a:fillRef idx="1">
+        <a:scrgbClr r="0" g="0" b="0"/>
+      </a:fillRef>
+      <a:effectRef idx="0">
+        <a:scrgbClr r="0" g="0" b="0"/>
+      </a:effectRef>
+      <a:fontRef idx="minor">
+        <a:schemeClr val="lt1"/>
+      </a:fontRef>
+    </dgm:style>
+  </dgm:styleLbl>
+  <dgm:styleLbl name="parChTrans2D2">
+    <dgm:scene3d>
+      <a:camera prst="orthographicFront"/>
+      <a:lightRig rig="threePt" dir="t"/>
+    </dgm:scene3d>
+    <dgm:sp3d/>
+    <dgm:txPr/>
+    <dgm:style>
+      <a:lnRef idx="2">
+        <a:scrgbClr r="0" g="0" b="0"/>
+      </a:lnRef>
+      <a:fillRef idx="1">
+        <a:scrgbClr r="0" g="0" b="0"/>
+      </a:fillRef>
+      <a:effectRef idx="0">
+        <a:scrgbClr r="0" g="0" b="0"/>
+      </a:effectRef>
+      <a:fontRef idx="minor">
+        <a:schemeClr val="lt1"/>
+      </a:fontRef>
+    </dgm:style>
+  </dgm:styleLbl>
+  <dgm:styleLbl name="parChTrans2D3">
+    <dgm:scene3d>
+      <a:camera prst="orthographicFront"/>
+      <a:lightRig rig="threePt" dir="t"/>
+    </dgm:scene3d>
+    <dgm:sp3d/>
+    <dgm:txPr/>
+    <dgm:style>
+      <a:lnRef idx="2">
+        <a:scrgbClr r="0" g="0" b="0"/>
+      </a:lnRef>
+      <a:fillRef idx="1">
+        <a:scrgbClr r="0" g="0" b="0"/>
+      </a:fillRef>
+      <a:effectRef idx="0">
+        <a:scrgbClr r="0" g="0" b="0"/>
+      </a:effectRef>
+      <a:fontRef idx="minor">
+        <a:schemeClr val="lt1"/>
+      </a:fontRef>
+    </dgm:style>
+  </dgm:styleLbl>
+  <dgm:styleLbl name="parChTrans2D4">
+    <dgm:scene3d>
+      <a:camera prst="orthographicFront"/>
+      <a:lightRig rig="threePt" dir="t"/>
+    </dgm:scene3d>
+    <dgm:sp3d/>
+    <dgm:txPr/>
+    <dgm:style>
+      <a:lnRef idx="2">
+        <a:scrgbClr r="0" g="0" b="0"/>
+      </a:lnRef>
+      <a:fillRef idx="1">
+        <a:scrgbClr r="0" g="0" b="0"/>
+      </a:fillRef>
+      <a:effectRef idx="0">
+        <a:scrgbClr r="0" g="0" b="0"/>
+      </a:effectRef>
+      <a:fontRef idx="minor">
+        <a:schemeClr val="lt1"/>
+      </a:fontRef>
+    </dgm:style>
+  </dgm:styleLbl>
+  <dgm:styleLbl name="parChTrans1D1">
+    <dgm:scene3d>
+      <a:camera prst="orthographicFront"/>
+      <a:lightRig rig="threePt" dir="t"/>
+    </dgm:scene3d>
+    <dgm:sp3d/>
+    <dgm:txPr/>
+    <dgm:style>
+      <a:lnRef idx="2">
+        <a:scrgbClr r="0" g="0" b="0"/>
+      </a:lnRef>
+      <a:fillRef idx="0">
+        <a:scrgbClr r="0" g="0" b="0"/>
+      </a:fillRef>
+      <a:effectRef idx="0">
+        <a:scrgbClr r="0" g="0" b="0"/>
+      </a:effectRef>
+      <a:fontRef idx="minor"/>
+    </dgm:style>
+  </dgm:styleLbl>
+  <dgm:styleLbl name="parChTrans1D2">
+    <dgm:scene3d>
+      <a:camera prst="orthographicFront"/>
+      <a:lightRig rig="threePt" dir="t"/>
+    </dgm:scene3d>
+    <dgm:sp3d/>
+    <dgm:txPr/>
+    <dgm:style>
+      <a:lnRef idx="2">
+        <a:scrgbClr r="0" g="0" b="0"/>
+      </a:lnRef>
+      <a:fillRef idx="0">
+        <a:scrgbClr r="0" g="0" b="0"/>
+      </a:fillRef>
+      <a:effectRef idx="0">
+        <a:scrgbClr r="0" g="0" b="0"/>
+      </a:effectRef>
+      <a:fontRef idx="minor"/>
+    </dgm:style>
+  </dgm:styleLbl>
+  <dgm:styleLbl name="parChTrans1D3">
+    <dgm:scene3d>
+      <a:camera prst="orthographicFront"/>
+      <a:lightRig rig="threePt" dir="t"/>
+    </dgm:scene3d>
+    <dgm:sp3d/>
+    <dgm:txPr/>
+    <dgm:style>
+      <a:lnRef idx="2">
+        <a:scrgbClr r="0" g="0" b="0"/>
+      </a:lnRef>
+      <a:fillRef idx="0">
+        <a:scrgbClr r="0" g="0" b="0"/>
+      </a:fillRef>
+      <a:effectRef idx="0">
+        <a:scrgbClr r="0" g="0" b="0"/>
+      </a:effectRef>
+      <a:fontRef idx="minor"/>
+    </dgm:style>
+  </dgm:styleLbl>
+  <dgm:styleLbl name="parChTrans1D4">
+    <dgm:scene3d>
+      <a:camera prst="orthographicFront"/>
+      <a:lightRig rig="threePt" dir="t"/>
+    </dgm:scene3d>
+    <dgm:sp3d/>
+    <dgm:txPr/>
+    <dgm:style>
+      <a:lnRef idx="2">
+        <a:scrgbClr r="0" g="0" b="0"/>
+      </a:lnRef>
+      <a:fillRef idx="0">
+        <a:scrgbClr r="0" g="0" b="0"/>
+      </a:fillRef>
+      <a:effectRef idx="0">
+        <a:scrgbClr r="0" g="0" b="0"/>
+      </a:effectRef>
+      <a:fontRef idx="minor"/>
+    </dgm:style>
+  </dgm:styleLbl>
+  <dgm:styleLbl name="fgAcc1">
+    <dgm:scene3d>
+      <a:camera prst="orthographicFront"/>
+      <a:lightRig rig="threePt" dir="t"/>
+    </dgm:scene3d>
+    <dgm:sp3d/>
+    <dgm:txPr/>
+    <dgm:style>
+      <a:lnRef idx="2">
+        <a:scrgbClr r="0" g="0" b="0"/>
+      </a:lnRef>
+      <a:fillRef idx="1">
+        <a:scrgbClr r="0" g="0" b="0"/>
+      </a:fillRef>
+      <a:effectRef idx="0">
+        <a:scrgbClr r="0" g="0" b="0"/>
+      </a:effectRef>
+      <a:fontRef idx="minor"/>
+    </dgm:style>
+  </dgm:styleLbl>
+  <dgm:styleLbl name="conFgAcc1">
+    <dgm:scene3d>
+      <a:camera prst="orthographicFront"/>
+      <a:lightRig rig="threePt" dir="t"/>
+    </dgm:scene3d>
+    <dgm:sp3d/>
+    <dgm:txPr/>
+    <dgm:style>
+      <a:lnRef idx="2">
+        <a:scrgbClr r="0" g="0" b="0"/>
+      </a:lnRef>
+      <a:fillRef idx="1">
+        <a:scrgbClr r="0" g="0" b="0"/>
+      </a:fillRef>
+      <a:effectRef idx="0">
+        <a:scrgbClr r="0" g="0" b="0"/>
+      </a:effectRef>
+      <a:fontRef idx="minor"/>
+    </dgm:style>
+  </dgm:styleLbl>
+  <dgm:styleLbl name="alignAcc1">
+    <dgm:scene3d>
+      <a:camera prst="orthographicFront"/>
+      <a:lightRig rig="threePt" dir="t"/>
+    </dgm:scene3d>
+    <dgm:sp3d/>
+    <dgm:txPr/>
+    <dgm:style>
+      <a:lnRef idx="2">
+        <a:scrgbClr r="0" g="0" b="0"/>
+      </a:lnRef>
+      <a:fillRef idx="1">
+        <a:scrgbClr r="0" g="0" b="0"/>
+      </a:fillRef>
+      <a:effectRef idx="0">
+        <a:scrgbClr r="0" g="0" b="0"/>
+      </a:effectRef>
+      <a:fontRef idx="minor"/>
+    </dgm:style>
+  </dgm:styleLbl>
+  <dgm:styleLbl name="trAlignAcc1">
+    <dgm:scene3d>
+      <a:camera prst="orthographicFront"/>
+      <a:lightRig rig="threePt" dir="t"/>
+    </dgm:scene3d>
+    <dgm:sp3d/>
+    <dgm:txPr/>
+    <dgm:style>
+      <a:lnRef idx="1">
+        <a:scrgbClr r="0" g="0" b="0"/>
+      </a:lnRef>
+      <a:fillRef idx="1">
+        <a:scrgbClr r="0" g="0" b="0"/>
+      </a:fillRef>
+      <a:effectRef idx="0">
+        <a:scrgbClr r="0" g="0" b="0"/>
+      </a:effectRef>
+      <a:fontRef idx="minor"/>
+    </dgm:style>
+  </dgm:styleLbl>
+  <dgm:styleLbl name="bgAcc1">
+    <dgm:scene3d>
+      <a:camera prst="orthographicFront"/>
+      <a:lightRig rig="threePt" dir="t"/>
+    </dgm:scene3d>
+    <dgm:sp3d/>
+    <dgm:txPr/>
+    <dgm:style>
+      <a:lnRef idx="2">
+        <a:scrgbClr r="0" g="0" b="0"/>
+      </a:lnRef>
+      <a:fillRef idx="1">
+        <a:scrgbClr r="0" g="0" b="0"/>
+      </a:fillRef>
+      <a:effectRef idx="0">
+        <a:scrgbClr r="0" g="0" b="0"/>
+      </a:effectRef>
+      <a:fontRef idx="minor"/>
+    </dgm:style>
+  </dgm:styleLbl>
+  <dgm:styleLbl name="solidFgAcc1">
+    <dgm:scene3d>
+      <a:camera prst="orthographicFront"/>
+      <a:lightRig rig="threePt" dir="t"/>
+    </dgm:scene3d>
+    <dgm:sp3d/>
+    <dgm:txPr/>
+    <dgm:style>
+      <a:lnRef idx="2">
+        <a:scrgbClr r="0" g="0" b="0"/>
+      </a:lnRef>
+      <a:fillRef idx="1">
+        <a:scrgbClr r="0" g="0" b="0"/>
+      </a:fillRef>
+      <a:effectRef idx="0">
+        <a:scrgbClr r="0" g="0" b="0"/>
+      </a:effectRef>
+      <a:fontRef idx="minor"/>
+    </dgm:style>
+  </dgm:styleLbl>
+  <dgm:styleLbl name="solidAlignAcc1">
+    <dgm:scene3d>
+      <a:camera prst="orthographicFront"/>
+      <a:lightRig rig="threePt" dir="t"/>
+    </dgm:scene3d>
+    <dgm:sp3d/>
+    <dgm:txPr/>
+    <dgm:style>
+      <a:lnRef idx="2">
+        <a:scrgbClr r="0" g="0" b="0"/>
+      </a:lnRef>
+      <a:fillRef idx="1">
+        <a:scrgbClr r="0" g="0" b="0"/>
+      </a:fillRef>
+      <a:effectRef idx="0">
+        <a:scrgbClr r="0" g="0" b="0"/>
+      </a:effectRef>
+      <a:fontRef idx="minor"/>
+    </dgm:style>
+  </dgm:styleLbl>
+  <dgm:styleLbl name="solidBgAcc1">
+    <dgm:scene3d>
+      <a:camera prst="orthographicFront"/>
+      <a:lightRig rig="threePt" dir="t"/>
+    </dgm:scene3d>
+    <dgm:sp3d/>
+    <dgm:txPr/>
+    <dgm:style>
+      <a:lnRef idx="2">
+        <a:scrgbClr r="0" g="0" b="0"/>
+      </a:lnRef>
+      <a:fillRef idx="1">
+        <a:scrgbClr r="0" g="0" b="0"/>
+      </a:fillRef>
+      <a:effectRef idx="0">
+        <a:scrgbClr r="0" g="0" b="0"/>
+      </a:effectRef>
+      <a:fontRef idx="minor"/>
+    </dgm:style>
+  </dgm:styleLbl>
+  <dgm:styleLbl name="fgAccFollowNode1">
+    <dgm:scene3d>
+      <a:camera prst="orthographicFront"/>
+      <a:lightRig rig="threePt" dir="t"/>
+    </dgm:scene3d>
+    <dgm:sp3d/>
+    <dgm:txPr/>
+    <dgm:style>
+      <a:lnRef idx="2">
+        <a:scrgbClr r="0" g="0" b="0"/>
+      </a:lnRef>
+      <a:fillRef idx="1">
+        <a:scrgbClr r="0" g="0" b="0"/>
+      </a:fillRef>
+      <a:effectRef idx="0">
+        <a:scrgbClr r="0" g="0" b="0"/>
+      </a:effectRef>
+      <a:fontRef idx="minor"/>
+    </dgm:style>
+  </dgm:styleLbl>
+  <dgm:styleLbl name="alignAccFollowNode1">
+    <dgm:scene3d>
+      <a:camera prst="orthographicFront"/>
+      <a:lightRig rig="threePt" dir="t"/>
+    </dgm:scene3d>
+    <dgm:sp3d/>
+    <dgm:txPr/>
+    <dgm:style>
+      <a:lnRef idx="2">
+        <a:scrgbClr r="0" g="0" b="0"/>
+      </a:lnRef>
+      <a:fillRef idx="1">
+        <a:scrgbClr r="0" g="0" b="0"/>
+      </a:fillRef>
+      <a:effectRef idx="0">
+        <a:scrgbClr r="0" g="0" b="0"/>
+      </a:effectRef>
+      <a:fontRef idx="minor"/>
+    </dgm:style>
+  </dgm:styleLbl>
+  <dgm:styleLbl name="bgAccFollowNode1">
+    <dgm:scene3d>
+      <a:camera prst="orthographicFront"/>
+      <a:lightRig rig="threePt" dir="t"/>
+    </dgm:scene3d>
+    <dgm:sp3d/>
+    <dgm:txPr/>
+    <dgm:style>
+      <a:lnRef idx="2">
+        <a:scrgbClr r="0" g="0" b="0"/>
+      </a:lnRef>
+      <a:fillRef idx="1">
+        <a:scrgbClr r="0" g="0" b="0"/>
+      </a:fillRef>
+      <a:effectRef idx="0">
+        <a:scrgbClr r="0" g="0" b="0"/>
+      </a:effectRef>
+      <a:fontRef idx="minor"/>
+    </dgm:style>
+  </dgm:styleLbl>
+  <dgm:styleLbl name="fgAcc0">
+    <dgm:scene3d>
+      <a:camera prst="orthographicFront"/>
+      <a:lightRig rig="threePt" dir="t"/>
+    </dgm:scene3d>
+    <dgm:sp3d/>
+    <dgm:txPr/>
+    <dgm:style>
+      <a:lnRef idx="2">
+        <a:scrgbClr r="0" g="0" b="0"/>
+      </a:lnRef>
+      <a:fillRef idx="1">
+        <a:scrgbClr r="0" g="0" b="0"/>
+      </a:fillRef>
+      <a:effectRef idx="0">
+        <a:scrgbClr r="0" g="0" b="0"/>
+      </a:effectRef>
+      <a:fontRef idx="minor"/>
+    </dgm:style>
+  </dgm:styleLbl>
+  <dgm:styleLbl name="fgAcc2">
+    <dgm:scene3d>
+      <a:camera prst="orthographicFront"/>
+      <a:lightRig rig="threePt" dir="t"/>
+    </dgm:scene3d>
+    <dgm:sp3d/>
+    <dgm:txPr/>
+    <dgm:style>
+      <a:lnRef idx="2">
+        <a:scrgbClr r="0" g="0" b="0"/>
+      </a:lnRef>
+      <a:fillRef idx="1">
+        <a:scrgbClr r="0" g="0" b="0"/>
+      </a:fillRef>
+      <a:effectRef idx="0">
+        <a:scrgbClr r="0" g="0" b="0"/>
+      </a:effectRef>
+      <a:fontRef idx="minor"/>
+    </dgm:style>
+  </dgm:styleLbl>
+  <dgm:styleLbl name="fgAcc3">
+    <dgm:scene3d>
+      <a:camera prst="orthographicFront"/>
+      <a:lightRig rig="threePt" dir="t"/>
+    </dgm:scene3d>
+    <dgm:sp3d/>
+    <dgm:txPr/>
+    <dgm:style>
+      <a:lnRef idx="2">
+        <a:scrgbClr r="0" g="0" b="0"/>
+      </a:lnRef>
+      <a:fillRef idx="1">
+        <a:scrgbClr r="0" g="0" b="0"/>
+      </a:fillRef>
+      <a:effectRef idx="0">
+        <a:scrgbClr r="0" g="0" b="0"/>
+      </a:effectRef>
+      <a:fontRef idx="minor"/>
+    </dgm:style>
+  </dgm:styleLbl>
+  <dgm:styleLbl name="fgAcc4">
+    <dgm:scene3d>
+      <a:camera prst="orthographicFront"/>
+      <a:lightRig rig="threePt" dir="t"/>
+    </dgm:scene3d>
+    <dgm:sp3d/>
+    <dgm:txPr/>
+    <dgm:style>
+      <a:lnRef idx="2">
+        <a:scrgbClr r="0" g="0" b="0"/>
+      </a:lnRef>
+      <a:fillRef idx="1">
+        <a:scrgbClr r="0" g="0" b="0"/>
+      </a:fillRef>
+      <a:effectRef idx="0">
+        <a:scrgbClr r="0" g="0" b="0"/>
+      </a:effectRef>
+      <a:fontRef idx="minor"/>
+    </dgm:style>
+  </dgm:styleLbl>
+  <dgm:styleLbl name="bgShp">
+    <dgm:scene3d>
+      <a:camera prst="orthographicFront"/>
+      <a:lightRig rig="threePt" dir="t"/>
+    </dgm:scene3d>
+    <dgm:sp3d/>
+    <dgm:txPr/>
+    <dgm:style>
+      <a:lnRef idx="0">
+        <a:scrgbClr r="0" g="0" b="0"/>
+      </a:lnRef>
+      <a:fillRef idx="1">
+        <a:scrgbClr r="0" g="0" b="0"/>
+      </a:fillRef>
+      <a:effectRef idx="0">
+        <a:scrgbClr r="0" g="0" b="0"/>
+      </a:effectRef>
+      <a:fontRef idx="minor"/>
+    </dgm:style>
+  </dgm:styleLbl>
+  <dgm:styleLbl name="dkBgShp">
+    <dgm:scene3d>
+      <a:camera prst="orthographicFront"/>
+      <a:lightRig rig="threePt" dir="t"/>
+    </dgm:scene3d>
+    <dgm:sp3d/>
+    <dgm:txPr/>
+    <dgm:style>
+      <a:lnRef idx="0">
+        <a:scrgbClr r="0" g="0" b="0"/>
+      </a:lnRef>
+      <a:fillRef idx="1">
+        <a:scrgbClr r="0" g="0" b="0"/>
+      </a:fillRef>
+      <a:effectRef idx="0">
+        <a:scrgbClr r="0" g="0" b="0"/>
+      </a:effectRef>
+      <a:fontRef idx="minor"/>
+    </dgm:style>
+  </dgm:styleLbl>
+  <dgm:styleLbl name="trBgShp">
+    <dgm:scene3d>
+      <a:camera prst="orthographicFront"/>
+      <a:lightRig rig="threePt" dir="t"/>
+    </dgm:scene3d>
+    <dgm:sp3d/>
+    <dgm:txPr/>
+    <dgm:style>
+      <a:lnRef idx="0">
+        <a:scrgbClr r="0" g="0" b="0"/>
+      </a:lnRef>
+      <a:fillRef idx="1">
+        <a:scrgbClr r="0" g="0" b="0"/>
+      </a:fillRef>
+      <a:effectRef idx="0">
+        <a:scrgbClr r="0" g="0" b="0"/>
+      </a:effectRef>
+      <a:fontRef idx="minor"/>
+    </dgm:style>
+  </dgm:styleLbl>
+  <dgm:styleLbl name="fgShp">
+    <dgm:scene3d>
+      <a:camera prst="orthographicFront"/>
+      <a:lightRig rig="threePt" dir="t"/>
+    </dgm:scene3d>
+    <dgm:sp3d/>
+    <dgm:txPr/>
+    <dgm:style>
+      <a:lnRef idx="2">
+        <a:scrgbClr r="0" g="0" b="0"/>
+      </a:lnRef>
+      <a:fillRef idx="1">
+        <a:scrgbClr r="0" g="0" b="0"/>
+      </a:fillRef>
+      <a:effectRef idx="0">
+        <a:scrgbClr r="0" g="0" b="0"/>
+      </a:effectRef>
+      <a:fontRef idx="minor"/>
+    </dgm:style>
+  </dgm:styleLbl>
+  <dgm:styleLbl name="revTx">
+    <dgm:scene3d>
+      <a:camera prst="orthographicFront"/>
+      <a:lightRig rig="threePt" dir="t"/>
+    </dgm:scene3d>
+    <dgm:sp3d/>
+    <dgm:txPr/>
+    <dgm:style>
+      <a:lnRef idx="0">
+        <a:scrgbClr r="0" g="0" b="0"/>
+      </a:lnRef>
+      <a:fillRef idx="0">
+        <a:scrgbClr r="0" g="0" b="0"/>
+      </a:fillRef>
+      <a:effectRef idx="0">
+        <a:scrgbClr r="0" g="0" b="0"/>
+      </a:effectRef>
+      <a:fontRef idx="minor"/>
+    </dgm:style>
+  </dgm:styleLbl>
+</dgm:styleDef>
+</file>
+
 <file path=ppt/slideLayouts/slideLayout1.xml><?xml version="1.0" encoding="utf-8"?>
 <p:sldLayout xmlns:a="http://schemas.openxmlformats.org/drawingml/2006/main" xmlns:r="http://schemas.openxmlformats.org/officeDocument/2006/relationships" xmlns:p="http://schemas.openxmlformats.org/presentationml/2006/main" type="title" preserve="1">
   <p:cSld name="Title Slide">
@@ -2747,7 +7663,7 @@
           <a:p>
             <a:fld id="{703A83E0-A766-4F96-ADA7-03B7CBFE7062}" type="datetimeFigureOut">
               <a:rPr lang="en-US" smtClean="0"/>
-              <a:t>12/20/2021</a:t>
+              <a:t>12/21/2021</a:t>
             </a:fld>
             <a:endParaRPr lang="en-US"/>
           </a:p>
@@ -2945,7 +7861,7 @@
           <a:p>
             <a:fld id="{703A83E0-A766-4F96-ADA7-03B7CBFE7062}" type="datetimeFigureOut">
               <a:rPr lang="en-US" smtClean="0"/>
-              <a:t>12/20/2021</a:t>
+              <a:t>12/21/2021</a:t>
             </a:fld>
             <a:endParaRPr lang="en-US"/>
           </a:p>
@@ -3153,7 +8069,7 @@
           <a:p>
             <a:fld id="{703A83E0-A766-4F96-ADA7-03B7CBFE7062}" type="datetimeFigureOut">
               <a:rPr lang="en-US" smtClean="0"/>
-              <a:t>12/20/2021</a:t>
+              <a:t>12/21/2021</a:t>
             </a:fld>
             <a:endParaRPr lang="en-US"/>
           </a:p>
@@ -3351,7 +8267,7 @@
           <a:p>
             <a:fld id="{703A83E0-A766-4F96-ADA7-03B7CBFE7062}" type="datetimeFigureOut">
               <a:rPr lang="en-US" smtClean="0"/>
-              <a:t>12/20/2021</a:t>
+              <a:t>12/21/2021</a:t>
             </a:fld>
             <a:endParaRPr lang="en-US"/>
           </a:p>
@@ -3626,7 +8542,7 @@
           <a:p>
             <a:fld id="{703A83E0-A766-4F96-ADA7-03B7CBFE7062}" type="datetimeFigureOut">
               <a:rPr lang="en-US" smtClean="0"/>
-              <a:t>12/20/2021</a:t>
+              <a:t>12/21/2021</a:t>
             </a:fld>
             <a:endParaRPr lang="en-US"/>
           </a:p>
@@ -3891,7 +8807,7 @@
           <a:p>
             <a:fld id="{703A83E0-A766-4F96-ADA7-03B7CBFE7062}" type="datetimeFigureOut">
               <a:rPr lang="en-US" smtClean="0"/>
-              <a:t>12/20/2021</a:t>
+              <a:t>12/21/2021</a:t>
             </a:fld>
             <a:endParaRPr lang="en-US"/>
           </a:p>
@@ -4303,7 +9219,7 @@
           <a:p>
             <a:fld id="{703A83E0-A766-4F96-ADA7-03B7CBFE7062}" type="datetimeFigureOut">
               <a:rPr lang="en-US" smtClean="0"/>
-              <a:t>12/20/2021</a:t>
+              <a:t>12/21/2021</a:t>
             </a:fld>
             <a:endParaRPr lang="en-US"/>
           </a:p>
@@ -4444,7 +9360,7 @@
           <a:p>
             <a:fld id="{703A83E0-A766-4F96-ADA7-03B7CBFE7062}" type="datetimeFigureOut">
               <a:rPr lang="en-US" smtClean="0"/>
-              <a:t>12/20/2021</a:t>
+              <a:t>12/21/2021</a:t>
             </a:fld>
             <a:endParaRPr lang="en-US"/>
           </a:p>
@@ -4557,7 +9473,7 @@
           <a:p>
             <a:fld id="{703A83E0-A766-4F96-ADA7-03B7CBFE7062}" type="datetimeFigureOut">
               <a:rPr lang="en-US" smtClean="0"/>
-              <a:t>12/20/2021</a:t>
+              <a:t>12/21/2021</a:t>
             </a:fld>
             <a:endParaRPr lang="en-US"/>
           </a:p>
@@ -4868,7 +9784,7 @@
           <a:p>
             <a:fld id="{703A83E0-A766-4F96-ADA7-03B7CBFE7062}" type="datetimeFigureOut">
               <a:rPr lang="en-US" smtClean="0"/>
-              <a:t>12/20/2021</a:t>
+              <a:t>12/21/2021</a:t>
             </a:fld>
             <a:endParaRPr lang="en-US"/>
           </a:p>
@@ -5156,7 +10072,7 @@
           <a:p>
             <a:fld id="{703A83E0-A766-4F96-ADA7-03B7CBFE7062}" type="datetimeFigureOut">
               <a:rPr lang="en-US" smtClean="0"/>
-              <a:t>12/20/2021</a:t>
+              <a:t>12/21/2021</a:t>
             </a:fld>
             <a:endParaRPr lang="en-US"/>
           </a:p>
@@ -5397,7 +10313,7 @@
           <a:p>
             <a:fld id="{703A83E0-A766-4F96-ADA7-03B7CBFE7062}" type="datetimeFigureOut">
               <a:rPr lang="en-US" smtClean="0"/>
-              <a:t>12/20/2021</a:t>
+              <a:t>12/21/2021</a:t>
             </a:fld>
             <a:endParaRPr lang="en-US"/>
           </a:p>
@@ -6183,6 +11099,513 @@
 </p:sld>
 </file>
 
+<file path=ppt/slides/slide10.xml><?xml version="1.0" encoding="utf-8"?>
+<p:sld xmlns:a="http://schemas.openxmlformats.org/drawingml/2006/main" xmlns:r="http://schemas.openxmlformats.org/officeDocument/2006/relationships" xmlns:p="http://schemas.openxmlformats.org/presentationml/2006/main">
+  <p:cSld>
+    <p:bg>
+      <p:bgPr>
+        <a:solidFill>
+          <a:schemeClr val="bg1"/>
+        </a:solidFill>
+        <a:effectLst/>
+      </p:bgPr>
+    </p:bg>
+    <p:spTree>
+      <p:nvGrpSpPr>
+        <p:cNvPr id="1" name=""/>
+        <p:cNvGrpSpPr/>
+        <p:nvPr/>
+      </p:nvGrpSpPr>
+      <p:grpSpPr>
+        <a:xfrm>
+          <a:off x="0" y="0"/>
+          <a:ext cx="0" cy="0"/>
+          <a:chOff x="0" y="0"/>
+          <a:chExt cx="0" cy="0"/>
+        </a:xfrm>
+      </p:grpSpPr>
+      <p:sp>
+        <p:nvSpPr>
+          <p:cNvPr id="12" name="Rectangle 11">
+            <a:extLst>
+              <a:ext uri="{FF2B5EF4-FFF2-40B4-BE49-F238E27FC236}">
+                <a16:creationId xmlns:a16="http://schemas.microsoft.com/office/drawing/2014/main" id="{823AC064-BC96-4F32-8AE1-B2FD38754823}"/>
+              </a:ext>
+              <a:ext uri="{C183D7F6-B498-43B3-948B-1728B52AA6E4}">
+                <adec:decorative xmlns:adec="http://schemas.microsoft.com/office/drawing/2017/decorative" val="1"/>
+              </a:ext>
+            </a:extLst>
+          </p:cNvPr>
+          <p:cNvSpPr>
+            <a:spLocks noGrp="1" noRot="1" noChangeAspect="1" noMove="1" noResize="1" noEditPoints="1" noAdjustHandles="1" noChangeArrowheads="1" noChangeShapeType="1" noTextEdit="1"/>
+          </p:cNvSpPr>
+          <p:nvPr>
+            <p:extLst>
+              <p:ext uri="{386F3935-93C4-4BCD-93E2-E3B085C9AB24}">
+                <p16:designElem xmlns:p16="http://schemas.microsoft.com/office/powerpoint/2015/main" val="1"/>
+              </p:ext>
+            </p:extLst>
+          </p:nvPr>
+        </p:nvSpPr>
+        <p:spPr bwMode="ltGray">
+          <a:xfrm>
+            <a:off x="396882" y="280374"/>
+            <a:ext cx="11438793" cy="1844256"/>
+          </a:xfrm>
+          <a:prstGeom prst="rect">
+            <a:avLst/>
+          </a:prstGeom>
+          <a:solidFill>
+            <a:srgbClr val="404040"/>
+          </a:solidFill>
+          <a:ln w="127000" cap="sq" cmpd="thinThick">
+            <a:solidFill>
+              <a:srgbClr val="404040"/>
+            </a:solidFill>
+          </a:ln>
+        </p:spPr>
+        <p:style>
+          <a:lnRef idx="2">
+            <a:schemeClr val="accent1">
+              <a:shade val="50000"/>
+            </a:schemeClr>
+          </a:lnRef>
+          <a:fillRef idx="1">
+            <a:schemeClr val="accent1"/>
+          </a:fillRef>
+          <a:effectRef idx="0">
+            <a:schemeClr val="accent1"/>
+          </a:effectRef>
+          <a:fontRef idx="minor">
+            <a:schemeClr val="lt1"/>
+          </a:fontRef>
+        </p:style>
+        <p:txBody>
+          <a:bodyPr rtlCol="0" anchor="ctr"/>
+          <a:lstStyle/>
+          <a:p>
+            <a:pPr algn="ctr"/>
+            <a:endParaRPr lang="en-US"/>
+          </a:p>
+        </p:txBody>
+      </p:sp>
+      <p:sp>
+        <p:nvSpPr>
+          <p:cNvPr id="2" name="Title 1">
+            <a:extLst>
+              <a:ext uri="{FF2B5EF4-FFF2-40B4-BE49-F238E27FC236}">
+                <a16:creationId xmlns:a16="http://schemas.microsoft.com/office/drawing/2014/main" id="{AD5BE9D1-441C-4FAF-9CA2-4F67A92491C2}"/>
+              </a:ext>
+            </a:extLst>
+          </p:cNvPr>
+          <p:cNvSpPr>
+            <a:spLocks noGrp="1"/>
+          </p:cNvSpPr>
+          <p:nvPr>
+            <p:ph type="title"/>
+          </p:nvPr>
+        </p:nvSpPr>
+        <p:spPr>
+          <a:xfrm>
+            <a:off x="546351" y="433545"/>
+            <a:ext cx="11139854" cy="930447"/>
+          </a:xfrm>
+        </p:spPr>
+        <p:txBody>
+          <a:bodyPr vert="horz" lIns="91440" tIns="45720" rIns="91440" bIns="45720" rtlCol="0" anchor="b">
+            <a:normAutofit/>
+          </a:bodyPr>
+          <a:lstStyle/>
+          <a:p>
+            <a:pPr algn="ctr"/>
+            <a:r>
+              <a:rPr lang="en-US" sz="5400" dirty="0">
+                <a:solidFill>
+                  <a:srgbClr val="FFFFFF"/>
+                </a:solidFill>
+              </a:rPr>
+              <a:t>Acting?</a:t>
+            </a:r>
+          </a:p>
+        </p:txBody>
+      </p:sp>
+      <p:cxnSp>
+        <p:nvCxnSpPr>
+          <p:cNvPr id="14" name="Straight Connector 13">
+            <a:extLst>
+              <a:ext uri="{FF2B5EF4-FFF2-40B4-BE49-F238E27FC236}">
+                <a16:creationId xmlns:a16="http://schemas.microsoft.com/office/drawing/2014/main" id="{7E7C77BC-7138-40B1-A15B-20F57A494629}"/>
+              </a:ext>
+              <a:ext uri="{C183D7F6-B498-43B3-948B-1728B52AA6E4}">
+                <adec:decorative xmlns:adec="http://schemas.microsoft.com/office/drawing/2017/decorative" val="1"/>
+              </a:ext>
+            </a:extLst>
+          </p:cNvPr>
+          <p:cNvCxnSpPr>
+            <a:cxnSpLocks noGrp="1" noRot="1" noChangeAspect="1" noMove="1" noResize="1" noEditPoints="1" noAdjustHandles="1" noChangeArrowheads="1" noChangeShapeType="1"/>
+          </p:cNvCxnSpPr>
+          <p:nvPr>
+            <p:extLst>
+              <p:ext uri="{386F3935-93C4-4BCD-93E2-E3B085C9AB24}">
+                <p16:designElem xmlns:p16="http://schemas.microsoft.com/office/powerpoint/2015/main" val="1"/>
+              </p:ext>
+            </p:extLst>
+          </p:nvPr>
+        </p:nvCxnSpPr>
+        <p:spPr>
+          <a:xfrm>
+            <a:off x="2230078" y="1522292"/>
+            <a:ext cx="7772400" cy="0"/>
+          </a:xfrm>
+          <a:prstGeom prst="line">
+            <a:avLst/>
+          </a:prstGeom>
+          <a:ln w="22225">
+            <a:solidFill>
+              <a:srgbClr val="D9D9D9"/>
+            </a:solidFill>
+          </a:ln>
+        </p:spPr>
+        <p:style>
+          <a:lnRef idx="1">
+            <a:schemeClr val="accent1"/>
+          </a:lnRef>
+          <a:fillRef idx="0">
+            <a:schemeClr val="accent1"/>
+          </a:fillRef>
+          <a:effectRef idx="0">
+            <a:schemeClr val="accent1"/>
+          </a:effectRef>
+          <a:fontRef idx="minor">
+            <a:schemeClr val="tx1"/>
+          </a:fontRef>
+        </p:style>
+      </p:cxnSp>
+      <p:pic>
+        <p:nvPicPr>
+          <p:cNvPr id="5" name="Content Placeholder 4" descr="A picture containing text, doll, toy, posing&#10;&#10;Description automatically generated">
+            <a:extLst>
+              <a:ext uri="{FF2B5EF4-FFF2-40B4-BE49-F238E27FC236}">
+                <a16:creationId xmlns:a16="http://schemas.microsoft.com/office/drawing/2014/main" id="{64DCEABF-B5DE-4B7F-82B7-BE88A100E08B}"/>
+              </a:ext>
+            </a:extLst>
+          </p:cNvPr>
+          <p:cNvPicPr>
+            <a:picLocks noGrp="1" noChangeAspect="1"/>
+          </p:cNvPicPr>
+          <p:nvPr>
+            <p:ph idx="1"/>
+          </p:nvPr>
+        </p:nvPicPr>
+        <p:blipFill>
+          <a:blip r:embed="rId2">
+            <a:extLst>
+              <a:ext uri="{28A0092B-C50C-407E-A947-70E740481C1C}">
+                <a14:useLocalDpi xmlns:a14="http://schemas.microsoft.com/office/drawing/2010/main" val="0"/>
+              </a:ext>
+            </a:extLst>
+          </a:blip>
+          <a:stretch>
+            <a:fillRect/>
+          </a:stretch>
+        </p:blipFill>
+        <p:spPr>
+          <a:xfrm>
+            <a:off x="1700329" y="2426818"/>
+            <a:ext cx="2718393" cy="3997637"/>
+          </a:xfrm>
+          <a:prstGeom prst="rect">
+            <a:avLst/>
+          </a:prstGeom>
+        </p:spPr>
+      </p:pic>
+      <p:cxnSp>
+        <p:nvCxnSpPr>
+          <p:cNvPr id="16" name="Straight Connector 15">
+            <a:extLst>
+              <a:ext uri="{FF2B5EF4-FFF2-40B4-BE49-F238E27FC236}">
+                <a16:creationId xmlns:a16="http://schemas.microsoft.com/office/drawing/2014/main" id="{DB146403-F3D6-484B-B2ED-97F9565D0370}"/>
+              </a:ext>
+              <a:ext uri="{C183D7F6-B498-43B3-948B-1728B52AA6E4}">
+                <adec:decorative xmlns:adec="http://schemas.microsoft.com/office/drawing/2017/decorative" val="1"/>
+              </a:ext>
+            </a:extLst>
+          </p:cNvPr>
+          <p:cNvCxnSpPr>
+            <a:cxnSpLocks noGrp="1" noRot="1" noChangeAspect="1" noMove="1" noResize="1" noEditPoints="1" noAdjustHandles="1" noChangeArrowheads="1" noChangeShapeType="1"/>
+          </p:cNvCxnSpPr>
+          <p:nvPr>
+            <p:extLst>
+              <p:ext uri="{386F3935-93C4-4BCD-93E2-E3B085C9AB24}">
+                <p16:designElem xmlns:p16="http://schemas.microsoft.com/office/powerpoint/2015/main" val="1"/>
+              </p:ext>
+            </p:extLst>
+          </p:nvPr>
+        </p:nvCxnSpPr>
+        <p:spPr>
+          <a:xfrm>
+            <a:off x="6116278" y="2596836"/>
+            <a:ext cx="0" cy="3657600"/>
+          </a:xfrm>
+          <a:prstGeom prst="line">
+            <a:avLst/>
+          </a:prstGeom>
+          <a:ln w="101600" cmpd="dbl">
+            <a:solidFill>
+              <a:srgbClr val="595959"/>
+            </a:solidFill>
+          </a:ln>
+        </p:spPr>
+        <p:style>
+          <a:lnRef idx="1">
+            <a:schemeClr val="accent1"/>
+          </a:lnRef>
+          <a:fillRef idx="0">
+            <a:schemeClr val="accent1"/>
+          </a:fillRef>
+          <a:effectRef idx="0">
+            <a:schemeClr val="accent1"/>
+          </a:effectRef>
+          <a:fontRef idx="minor">
+            <a:schemeClr val="tx1"/>
+          </a:fontRef>
+        </p:style>
+      </p:cxnSp>
+      <p:pic>
+        <p:nvPicPr>
+          <p:cNvPr id="7" name="Picture 6" descr="A picture containing text, dish&#10;&#10;Description automatically generated">
+            <a:extLst>
+              <a:ext uri="{FF2B5EF4-FFF2-40B4-BE49-F238E27FC236}">
+                <a16:creationId xmlns:a16="http://schemas.microsoft.com/office/drawing/2014/main" id="{31B90403-F070-479C-AD9C-E8E956DADE52}"/>
+              </a:ext>
+            </a:extLst>
+          </p:cNvPr>
+          <p:cNvPicPr>
+            <a:picLocks noChangeAspect="1"/>
+          </p:cNvPicPr>
+          <p:nvPr/>
+        </p:nvPicPr>
+        <p:blipFill>
+          <a:blip r:embed="rId3">
+            <a:extLst>
+              <a:ext uri="{28A0092B-C50C-407E-A947-70E740481C1C}">
+                <a14:useLocalDpi xmlns:a14="http://schemas.microsoft.com/office/drawing/2010/main" val="0"/>
+              </a:ext>
+            </a:extLst>
+          </a:blip>
+          <a:stretch>
+            <a:fillRect/>
+          </a:stretch>
+        </p:blipFill>
+        <p:spPr>
+          <a:xfrm>
+            <a:off x="7174213" y="2426818"/>
+            <a:ext cx="3997637" cy="3997637"/>
+          </a:xfrm>
+          <a:prstGeom prst="rect">
+            <a:avLst/>
+          </a:prstGeom>
+        </p:spPr>
+      </p:pic>
+    </p:spTree>
+    <p:extLst>
+      <p:ext uri="{BB962C8B-B14F-4D97-AF65-F5344CB8AC3E}">
+        <p14:creationId xmlns:p14="http://schemas.microsoft.com/office/powerpoint/2010/main" val="2305588479"/>
+      </p:ext>
+    </p:extLst>
+  </p:cSld>
+  <p:clrMapOvr>
+    <a:masterClrMapping/>
+  </p:clrMapOvr>
+</p:sld>
+</file>
+
+<file path=ppt/slides/slide11.xml><?xml version="1.0" encoding="utf-8"?>
+<p:sld xmlns:a="http://schemas.openxmlformats.org/drawingml/2006/main" xmlns:r="http://schemas.openxmlformats.org/officeDocument/2006/relationships" xmlns:p="http://schemas.openxmlformats.org/presentationml/2006/main">
+  <p:cSld>
+    <p:bg>
+      <p:bgPr>
+        <a:solidFill>
+          <a:schemeClr val="bg1"/>
+        </a:solidFill>
+        <a:effectLst/>
+      </p:bgPr>
+    </p:bg>
+    <p:spTree>
+      <p:nvGrpSpPr>
+        <p:cNvPr id="1" name=""/>
+        <p:cNvGrpSpPr/>
+        <p:nvPr/>
+      </p:nvGrpSpPr>
+      <p:grpSpPr>
+        <a:xfrm>
+          <a:off x="0" y="0"/>
+          <a:ext cx="0" cy="0"/>
+          <a:chOff x="0" y="0"/>
+          <a:chExt cx="0" cy="0"/>
+        </a:xfrm>
+      </p:grpSpPr>
+      <p:sp>
+        <p:nvSpPr>
+          <p:cNvPr id="38" name="Down Arrow 7">
+            <a:extLst>
+              <a:ext uri="{FF2B5EF4-FFF2-40B4-BE49-F238E27FC236}">
+                <a16:creationId xmlns:a16="http://schemas.microsoft.com/office/drawing/2014/main" id="{D4771268-CB57-404A-9271-370EB28F6090}"/>
+              </a:ext>
+              <a:ext uri="{C183D7F6-B498-43B3-948B-1728B52AA6E4}">
+                <adec:decorative xmlns:adec="http://schemas.microsoft.com/office/drawing/2017/decorative" val="1"/>
+              </a:ext>
+            </a:extLst>
+          </p:cNvPr>
+          <p:cNvSpPr>
+            <a:spLocks noGrp="1" noRot="1" noChangeAspect="1" noMove="1" noResize="1" noEditPoints="1" noAdjustHandles="1" noChangeArrowheads="1" noChangeShapeType="1" noTextEdit="1"/>
+          </p:cNvSpPr>
+          <p:nvPr>
+            <p:extLst>
+              <p:ext uri="{386F3935-93C4-4BCD-93E2-E3B085C9AB24}">
+                <p16:designElem xmlns:p16="http://schemas.microsoft.com/office/powerpoint/2015/main" val="1"/>
+              </p:ext>
+            </p:extLst>
+          </p:nvPr>
+        </p:nvSpPr>
+        <p:spPr>
+          <a:xfrm rot="16200000">
+            <a:off x="800100" y="1491343"/>
+            <a:ext cx="3333749" cy="3499103"/>
+          </a:xfrm>
+          <a:prstGeom prst="downArrow">
+            <a:avLst>
+              <a:gd name="adj1" fmla="val 100000"/>
+              <a:gd name="adj2" fmla="val 15788"/>
+            </a:avLst>
+          </a:prstGeom>
+          <a:solidFill>
+            <a:srgbClr val="404040"/>
+          </a:solidFill>
+          <a:ln w="53975">
+            <a:noFill/>
+          </a:ln>
+        </p:spPr>
+        <p:style>
+          <a:lnRef idx="2">
+            <a:schemeClr val="accent1">
+              <a:shade val="50000"/>
+            </a:schemeClr>
+          </a:lnRef>
+          <a:fillRef idx="1">
+            <a:schemeClr val="accent1"/>
+          </a:fillRef>
+          <a:effectRef idx="0">
+            <a:schemeClr val="accent1"/>
+          </a:effectRef>
+          <a:fontRef idx="minor">
+            <a:schemeClr val="lt1"/>
+          </a:fontRef>
+        </p:style>
+        <p:txBody>
+          <a:bodyPr rtlCol="0" anchor="ctr"/>
+          <a:lstStyle/>
+          <a:p>
+            <a:pPr algn="ctr"/>
+            <a:endParaRPr lang="en-US"/>
+          </a:p>
+        </p:txBody>
+      </p:sp>
+      <p:sp>
+        <p:nvSpPr>
+          <p:cNvPr id="2" name="Title 1">
+            <a:extLst>
+              <a:ext uri="{FF2B5EF4-FFF2-40B4-BE49-F238E27FC236}">
+                <a16:creationId xmlns:a16="http://schemas.microsoft.com/office/drawing/2014/main" id="{ECAE13F9-3DBE-453A-983D-5B5DC6CCD611}"/>
+              </a:ext>
+            </a:extLst>
+          </p:cNvPr>
+          <p:cNvSpPr>
+            <a:spLocks noGrp="1"/>
+          </p:cNvSpPr>
+          <p:nvPr>
+            <p:ph type="title"/>
+          </p:nvPr>
+        </p:nvSpPr>
+        <p:spPr>
+          <a:xfrm>
+            <a:off x="1028700" y="1967266"/>
+            <a:ext cx="2628900" cy="2547257"/>
+          </a:xfrm>
+          <a:noFill/>
+        </p:spPr>
+        <p:txBody>
+          <a:bodyPr vert="horz" lIns="91440" tIns="45720" rIns="91440" bIns="45720" rtlCol="0" anchor="ctr">
+            <a:normAutofit/>
+          </a:bodyPr>
+          <a:lstStyle/>
+          <a:p>
+            <a:pPr algn="ctr"/>
+            <a:r>
+              <a:rPr lang="en-US" sz="3600" kern="1200">
+                <a:solidFill>
+                  <a:srgbClr val="FFFFFF"/>
+                </a:solidFill>
+                <a:latin typeface="+mj-lt"/>
+                <a:ea typeface="+mj-ea"/>
+                <a:cs typeface="+mj-cs"/>
+              </a:rPr>
+              <a:t>So, Who’s The Goat?</a:t>
+            </a:r>
+          </a:p>
+        </p:txBody>
+      </p:sp>
+      <p:pic>
+        <p:nvPicPr>
+          <p:cNvPr id="9" name="Content Placeholder 8" descr="A person in a basketball uniform&#10;&#10;Description automatically generated with low confidence">
+            <a:extLst>
+              <a:ext uri="{FF2B5EF4-FFF2-40B4-BE49-F238E27FC236}">
+                <a16:creationId xmlns:a16="http://schemas.microsoft.com/office/drawing/2014/main" id="{3E8E4695-29ED-4C04-A617-785AF43F529C}"/>
+              </a:ext>
+            </a:extLst>
+          </p:cNvPr>
+          <p:cNvPicPr>
+            <a:picLocks noGrp="1" noChangeAspect="1"/>
+          </p:cNvPicPr>
+          <p:nvPr>
+            <p:ph idx="1"/>
+          </p:nvPr>
+        </p:nvPicPr>
+        <p:blipFill>
+          <a:blip r:embed="rId2">
+            <a:extLst>
+              <a:ext uri="{28A0092B-C50C-407E-A947-70E740481C1C}">
+                <a14:useLocalDpi xmlns:a14="http://schemas.microsoft.com/office/drawing/2010/main" val="0"/>
+              </a:ext>
+            </a:extLst>
+          </a:blip>
+          <a:stretch>
+            <a:fillRect/>
+          </a:stretch>
+        </p:blipFill>
+        <p:spPr>
+          <a:xfrm>
+            <a:off x="4777316" y="885073"/>
+            <a:ext cx="6780700" cy="5085525"/>
+          </a:xfrm>
+          <a:prstGeom prst="rect">
+            <a:avLst/>
+          </a:prstGeom>
+        </p:spPr>
+      </p:pic>
+    </p:spTree>
+    <p:extLst>
+      <p:ext uri="{BB962C8B-B14F-4D97-AF65-F5344CB8AC3E}">
+        <p14:creationId xmlns:p14="http://schemas.microsoft.com/office/powerpoint/2010/main" val="3376271703"/>
+      </p:ext>
+    </p:extLst>
+  </p:cSld>
+  <p:clrMapOvr>
+    <a:masterClrMapping/>
+  </p:clrMapOvr>
+</p:sld>
+</file>
+
 <file path=ppt/slides/slide2.xml><?xml version="1.0" encoding="utf-8"?>
 <p:sld xmlns:a="http://schemas.openxmlformats.org/drawingml/2006/main" xmlns:r="http://schemas.openxmlformats.org/officeDocument/2006/relationships" xmlns:p="http://schemas.openxmlformats.org/presentationml/2006/main">
   <p:cSld>
@@ -6289,6 +11712,90 @@
           <p:cNvPr id="2" name="Title 1">
             <a:extLst>
               <a:ext uri="{FF2B5EF4-FFF2-40B4-BE49-F238E27FC236}">
+                <a16:creationId xmlns:a16="http://schemas.microsoft.com/office/drawing/2014/main" id="{3F95E0BF-32C6-47C7-9A0A-369028D84B30}"/>
+              </a:ext>
+            </a:extLst>
+          </p:cNvPr>
+          <p:cNvSpPr>
+            <a:spLocks noGrp="1"/>
+          </p:cNvSpPr>
+          <p:nvPr>
+            <p:ph type="title"/>
+          </p:nvPr>
+        </p:nvSpPr>
+        <p:spPr/>
+        <p:txBody>
+          <a:bodyPr/>
+          <a:lstStyle/>
+          <a:p>
+            <a:r>
+              <a:rPr lang="en-US" dirty="0"/>
+              <a:t>Challenges?</a:t>
+            </a:r>
+          </a:p>
+        </p:txBody>
+      </p:sp>
+      <p:graphicFrame>
+        <p:nvGraphicFramePr>
+          <p:cNvPr id="5" name="Content Placeholder 2">
+            <a:extLst>
+              <a:ext uri="{FF2B5EF4-FFF2-40B4-BE49-F238E27FC236}">
+                <a16:creationId xmlns:a16="http://schemas.microsoft.com/office/drawing/2014/main" id="{BAF41D3C-D4E1-4F9B-A18A-41014720002D}"/>
+              </a:ext>
+            </a:extLst>
+          </p:cNvPr>
+          <p:cNvGraphicFramePr>
+            <a:graphicFrameLocks noGrp="1"/>
+          </p:cNvGraphicFramePr>
+          <p:nvPr>
+            <p:ph idx="1"/>
+          </p:nvPr>
+        </p:nvGraphicFramePr>
+        <p:xfrm>
+          <a:off x="838200" y="1825625"/>
+          <a:ext cx="10515600" cy="4351338"/>
+        </p:xfrm>
+        <a:graphic>
+          <a:graphicData uri="http://schemas.openxmlformats.org/drawingml/2006/diagram">
+            <dgm:relIds xmlns:dgm="http://schemas.openxmlformats.org/drawingml/2006/diagram" xmlns:r="http://schemas.openxmlformats.org/officeDocument/2006/relationships" r:dm="rId2" r:lo="rId3" r:qs="rId4" r:cs="rId5"/>
+          </a:graphicData>
+        </a:graphic>
+      </p:graphicFrame>
+    </p:spTree>
+    <p:extLst>
+      <p:ext uri="{BB962C8B-B14F-4D97-AF65-F5344CB8AC3E}">
+        <p14:creationId xmlns:p14="http://schemas.microsoft.com/office/powerpoint/2010/main" val="384442752"/>
+      </p:ext>
+    </p:extLst>
+  </p:cSld>
+  <p:clrMapOvr>
+    <a:masterClrMapping/>
+  </p:clrMapOvr>
+</p:sld>
+</file>
+
+<file path=ppt/slides/slide4.xml><?xml version="1.0" encoding="utf-8"?>
+<p:sld xmlns:a="http://schemas.openxmlformats.org/drawingml/2006/main" xmlns:r="http://schemas.openxmlformats.org/officeDocument/2006/relationships" xmlns:p="http://schemas.openxmlformats.org/presentationml/2006/main">
+  <p:cSld>
+    <p:spTree>
+      <p:nvGrpSpPr>
+        <p:cNvPr id="1" name=""/>
+        <p:cNvGrpSpPr/>
+        <p:nvPr/>
+      </p:nvGrpSpPr>
+      <p:grpSpPr>
+        <a:xfrm>
+          <a:off x="0" y="0"/>
+          <a:ext cx="0" cy="0"/>
+          <a:chOff x="0" y="0"/>
+          <a:chExt cx="0" cy="0"/>
+        </a:xfrm>
+      </p:grpSpPr>
+      <p:sp>
+        <p:nvSpPr>
+          <p:cNvPr id="2" name="Title 1">
+            <a:extLst>
+              <a:ext uri="{FF2B5EF4-FFF2-40B4-BE49-F238E27FC236}">
                 <a16:creationId xmlns:a16="http://schemas.microsoft.com/office/drawing/2014/main" id="{AC987415-3A87-490B-B820-110076EA9C8F}"/>
               </a:ext>
             </a:extLst>
@@ -6312,81 +11819,37 @@
           </a:p>
         </p:txBody>
       </p:sp>
-      <p:sp>
-        <p:nvSpPr>
-          <p:cNvPr id="3" name="Content Placeholder 2">
+      <p:graphicFrame>
+        <p:nvGraphicFramePr>
+          <p:cNvPr id="5" name="Content Placeholder 2">
             <a:extLst>
               <a:ext uri="{FF2B5EF4-FFF2-40B4-BE49-F238E27FC236}">
-                <a16:creationId xmlns:a16="http://schemas.microsoft.com/office/drawing/2014/main" id="{28A1A322-69F8-49A6-85F0-40B547BA8B59}"/>
+                <a16:creationId xmlns:a16="http://schemas.microsoft.com/office/drawing/2014/main" id="{F0BF386F-3EC7-4A90-8E7C-3D49D4DAA366}"/>
               </a:ext>
             </a:extLst>
           </p:cNvPr>
-          <p:cNvSpPr>
-            <a:spLocks noGrp="1"/>
-          </p:cNvSpPr>
+          <p:cNvGraphicFramePr>
+            <a:graphicFrameLocks noGrp="1"/>
+          </p:cNvGraphicFramePr>
           <p:nvPr>
             <p:ph idx="1"/>
+            <p:extLst>
+              <p:ext uri="{D42A27DB-BD31-4B8C-83A1-F6EECF244321}">
+                <p14:modId xmlns:p14="http://schemas.microsoft.com/office/powerpoint/2010/main" val="2291300539"/>
+              </p:ext>
+            </p:extLst>
           </p:nvPr>
-        </p:nvSpPr>
-        <p:spPr/>
-        <p:txBody>
-          <a:bodyPr/>
-          <a:lstStyle/>
-          <a:p>
-            <a:r>
-              <a:rPr lang="en-US" sz="1800" b="1" dirty="0">
-                <a:solidFill>
-                  <a:srgbClr val="000000"/>
-                </a:solidFill>
-                <a:effectLst/>
-                <a:latin typeface="Segoe UI" panose="020B0502040204020203" pitchFamily="34" charset="0"/>
-                <a:ea typeface="Calibri" panose="020F0502020204030204" pitchFamily="34" charset="0"/>
-              </a:rPr>
-              <a:t>The Goat?</a:t>
-            </a:r>
-            <a:r>
-              <a:rPr lang="en-US" sz="1800" dirty="0">
-                <a:solidFill>
-                  <a:srgbClr val="000000"/>
-                </a:solidFill>
-                <a:effectLst/>
-                <a:latin typeface="Segoe UI" panose="020B0502040204020203" pitchFamily="34" charset="0"/>
-                <a:ea typeface="Calibri" panose="020F0502020204030204" pitchFamily="34" charset="0"/>
-              </a:rPr>
-              <a:t> This question has been brewing around ever since Lebron James won his first championship. Is Michael Jordan the greatest of all time or is Lebron James the greatest of all time?</a:t>
-            </a:r>
-          </a:p>
-          <a:p>
-            <a:r>
-              <a:rPr lang="en-US" sz="1800" dirty="0">
-                <a:solidFill>
-                  <a:srgbClr val="000000"/>
-                </a:solidFill>
-                <a:effectLst/>
-                <a:latin typeface="Segoe UI" panose="020B0502040204020203" pitchFamily="34" charset="0"/>
-                <a:ea typeface="Times New Roman" panose="02020603050405020304" pitchFamily="18" charset="0"/>
-              </a:rPr>
-              <a:t>Did teammates/opponents affect the individuals performance?</a:t>
-            </a:r>
-            <a:endParaRPr lang="en-US" sz="1800" dirty="0">
-              <a:effectLst/>
-              <a:latin typeface="Times New Roman" panose="02020603050405020304" pitchFamily="18" charset="0"/>
-              <a:ea typeface="Times New Roman" panose="02020603050405020304" pitchFamily="18" charset="0"/>
-            </a:endParaRPr>
-          </a:p>
-          <a:p>
-            <a:endParaRPr lang="en-US" sz="1800" dirty="0">
-              <a:solidFill>
-                <a:srgbClr val="000000"/>
-              </a:solidFill>
-              <a:latin typeface="Segoe UI" panose="020B0502040204020203" pitchFamily="34" charset="0"/>
-            </a:endParaRPr>
-          </a:p>
-          <a:p>
-            <a:endParaRPr lang="en-US" dirty="0"/>
-          </a:p>
-        </p:txBody>
-      </p:sp>
+        </p:nvGraphicFramePr>
+        <p:xfrm>
+          <a:off x="838200" y="1825625"/>
+          <a:ext cx="10515600" cy="4351338"/>
+        </p:xfrm>
+        <a:graphic>
+          <a:graphicData uri="http://schemas.openxmlformats.org/drawingml/2006/diagram">
+            <dgm:relIds xmlns:dgm="http://schemas.openxmlformats.org/drawingml/2006/diagram" xmlns:r="http://schemas.openxmlformats.org/officeDocument/2006/relationships" r:dm="rId2" r:lo="rId3" r:qs="rId4" r:cs="rId5"/>
+          </a:graphicData>
+        </a:graphic>
+      </p:graphicFrame>
     </p:spTree>
     <p:extLst>
       <p:ext uri="{BB962C8B-B14F-4D97-AF65-F5344CB8AC3E}">
@@ -6400,7 +11863,7 @@
 </p:sld>
 </file>
 
-<file path=ppt/slides/slide4.xml><?xml version="1.0" encoding="utf-8"?>
+<file path=ppt/slides/slide5.xml><?xml version="1.0" encoding="utf-8"?>
 <p:sld xmlns:a="http://schemas.openxmlformats.org/drawingml/2006/main" xmlns:r="http://schemas.openxmlformats.org/officeDocument/2006/relationships" xmlns:p="http://schemas.openxmlformats.org/presentationml/2006/main">
   <p:cSld>
     <p:bg>
@@ -7026,7 +12489,143 @@
 </p:sld>
 </file>
 
-<file path=ppt/slides/slide5.xml><?xml version="1.0" encoding="utf-8"?>
+<file path=ppt/slides/slide6.xml><?xml version="1.0" encoding="utf-8"?>
+<p:sld xmlns:a="http://schemas.openxmlformats.org/drawingml/2006/main" xmlns:r="http://schemas.openxmlformats.org/officeDocument/2006/relationships" xmlns:p="http://schemas.openxmlformats.org/presentationml/2006/main">
+  <p:cSld>
+    <p:spTree>
+      <p:nvGrpSpPr>
+        <p:cNvPr id="1" name=""/>
+        <p:cNvGrpSpPr/>
+        <p:nvPr/>
+      </p:nvGrpSpPr>
+      <p:grpSpPr>
+        <a:xfrm>
+          <a:off x="0" y="0"/>
+          <a:ext cx="0" cy="0"/>
+          <a:chOff x="0" y="0"/>
+          <a:chExt cx="0" cy="0"/>
+        </a:xfrm>
+      </p:grpSpPr>
+      <p:sp>
+        <p:nvSpPr>
+          <p:cNvPr id="2" name="Title 1">
+            <a:extLst>
+              <a:ext uri="{FF2B5EF4-FFF2-40B4-BE49-F238E27FC236}">
+                <a16:creationId xmlns:a16="http://schemas.microsoft.com/office/drawing/2014/main" id="{56F0E6FE-E5DD-4570-AE0E-493E64848572}"/>
+              </a:ext>
+            </a:extLst>
+          </p:cNvPr>
+          <p:cNvSpPr>
+            <a:spLocks noGrp="1"/>
+          </p:cNvSpPr>
+          <p:nvPr>
+            <p:ph type="title"/>
+          </p:nvPr>
+        </p:nvSpPr>
+        <p:spPr/>
+        <p:txBody>
+          <a:bodyPr/>
+          <a:lstStyle/>
+          <a:p>
+            <a:r>
+              <a:rPr lang="en-US" dirty="0"/>
+              <a:t>Michael Jordan Cont.</a:t>
+            </a:r>
+          </a:p>
+        </p:txBody>
+      </p:sp>
+      <p:sp>
+        <p:nvSpPr>
+          <p:cNvPr id="3" name="Content Placeholder 2">
+            <a:extLst>
+              <a:ext uri="{FF2B5EF4-FFF2-40B4-BE49-F238E27FC236}">
+                <a16:creationId xmlns:a16="http://schemas.microsoft.com/office/drawing/2014/main" id="{6B717335-A4DF-47C1-B9E9-262B05601D9F}"/>
+              </a:ext>
+            </a:extLst>
+          </p:cNvPr>
+          <p:cNvSpPr>
+            <a:spLocks noGrp="1"/>
+          </p:cNvSpPr>
+          <p:nvPr>
+            <p:ph idx="1"/>
+          </p:nvPr>
+        </p:nvSpPr>
+        <p:spPr/>
+        <p:txBody>
+          <a:bodyPr>
+            <a:normAutofit fontScale="92500" lnSpcReduction="10000"/>
+          </a:bodyPr>
+          <a:lstStyle/>
+          <a:p>
+            <a:r>
+              <a:rPr lang="en-US" dirty="0"/>
+              <a:t>NBA Rookie of the Year</a:t>
+            </a:r>
+          </a:p>
+          <a:p>
+            <a:r>
+              <a:rPr lang="en-US" dirty="0"/>
+              <a:t>10x NBA scoring leader</a:t>
+            </a:r>
+          </a:p>
+          <a:p>
+            <a:r>
+              <a:rPr lang="en-US" dirty="0"/>
+              <a:t>3x NBA All-Star Game MVP</a:t>
+            </a:r>
+          </a:p>
+          <a:p>
+            <a:r>
+              <a:rPr lang="en-US" dirty="0"/>
+              <a:t>10x All-NBA First Team</a:t>
+            </a:r>
+          </a:p>
+          <a:p>
+            <a:r>
+              <a:rPr lang="en-US" dirty="0"/>
+              <a:t>9x NBA All-Defensive First Team</a:t>
+            </a:r>
+          </a:p>
+          <a:p>
+            <a:r>
+              <a:rPr lang="en-US" dirty="0"/>
+              <a:t>2x NBA Slam Dunk Contest Champion</a:t>
+            </a:r>
+          </a:p>
+          <a:p>
+            <a:r>
+              <a:rPr lang="en-US" dirty="0"/>
+              <a:t>Current partial owner of the Charlotte Hornets</a:t>
+            </a:r>
+          </a:p>
+          <a:p>
+            <a:r>
+              <a:rPr lang="en-US" dirty="0"/>
+              <a:t>Class of 2019 Hall of Fame</a:t>
+            </a:r>
+          </a:p>
+          <a:p>
+            <a:r>
+              <a:rPr lang="en-US" dirty="0"/>
+              <a:t>At the end of 2019, it was estimated that the Nike Air Jordan brand was worth 3bn dollars</a:t>
+            </a:r>
+          </a:p>
+        </p:txBody>
+      </p:sp>
+    </p:spTree>
+    <p:extLst>
+      <p:ext uri="{BB962C8B-B14F-4D97-AF65-F5344CB8AC3E}">
+        <p14:creationId xmlns:p14="http://schemas.microsoft.com/office/powerpoint/2010/main" val="1817447329"/>
+      </p:ext>
+    </p:extLst>
+  </p:cSld>
+  <p:clrMapOvr>
+    <a:masterClrMapping/>
+  </p:clrMapOvr>
+</p:sld>
+</file>
+
+<file path=ppt/slides/slide7.xml><?xml version="1.0" encoding="utf-8"?>
 <p:sld xmlns:a="http://schemas.openxmlformats.org/drawingml/2006/main" xmlns:r="http://schemas.openxmlformats.org/officeDocument/2006/relationships" xmlns:p="http://schemas.openxmlformats.org/presentationml/2006/main">
   <p:cSld>
     <p:bg>
@@ -7481,6 +13080,24 @@
             </a:r>
           </a:p>
           <a:p>
+            <a:r>
+              <a:rPr lang="en-US" sz="2200" dirty="0"/>
+              <a:t>3x NBA All-Star Game MVP</a:t>
+            </a:r>
+          </a:p>
+          <a:p>
+            <a:r>
+              <a:rPr lang="en-US" sz="2200" dirty="0"/>
+              <a:t>5x NBA All-Defensive First Team</a:t>
+            </a:r>
+          </a:p>
+          <a:p>
+            <a:r>
+              <a:rPr lang="en-US" sz="2200" dirty="0"/>
+              <a:t>NBA rookie of the Year</a:t>
+            </a:r>
+          </a:p>
+          <a:p>
             <a:endParaRPr lang="en-US" sz="2200" dirty="0"/>
           </a:p>
         </p:txBody>
@@ -7636,6 +13253,757 @@
     <p:extLst>
       <p:ext uri="{BB962C8B-B14F-4D97-AF65-F5344CB8AC3E}">
         <p14:creationId xmlns:p14="http://schemas.microsoft.com/office/powerpoint/2010/main" val="3216910462"/>
+      </p:ext>
+    </p:extLst>
+  </p:cSld>
+  <p:clrMapOvr>
+    <a:masterClrMapping/>
+  </p:clrMapOvr>
+</p:sld>
+</file>
+
+<file path=ppt/slides/slide8.xml><?xml version="1.0" encoding="utf-8"?>
+<p:sld xmlns:a="http://schemas.openxmlformats.org/drawingml/2006/main" xmlns:r="http://schemas.openxmlformats.org/officeDocument/2006/relationships" xmlns:p="http://schemas.openxmlformats.org/presentationml/2006/main">
+  <p:cSld>
+    <p:spTree>
+      <p:nvGrpSpPr>
+        <p:cNvPr id="1" name=""/>
+        <p:cNvGrpSpPr/>
+        <p:nvPr/>
+      </p:nvGrpSpPr>
+      <p:grpSpPr>
+        <a:xfrm>
+          <a:off x="0" y="0"/>
+          <a:ext cx="0" cy="0"/>
+          <a:chOff x="0" y="0"/>
+          <a:chExt cx="0" cy="0"/>
+        </a:xfrm>
+      </p:grpSpPr>
+      <p:sp>
+        <p:nvSpPr>
+          <p:cNvPr id="2" name="Title 1">
+            <a:extLst>
+              <a:ext uri="{FF2B5EF4-FFF2-40B4-BE49-F238E27FC236}">
+                <a16:creationId xmlns:a16="http://schemas.microsoft.com/office/drawing/2014/main" id="{2BD9FDD1-9B6E-4080-B7C1-DD55AD3B0DFB}"/>
+              </a:ext>
+            </a:extLst>
+          </p:cNvPr>
+          <p:cNvSpPr>
+            <a:spLocks noGrp="1"/>
+          </p:cNvSpPr>
+          <p:nvPr>
+            <p:ph type="title"/>
+          </p:nvPr>
+        </p:nvSpPr>
+        <p:spPr/>
+        <p:txBody>
+          <a:bodyPr/>
+          <a:lstStyle/>
+          <a:p>
+            <a:r>
+              <a:rPr lang="en-US" dirty="0"/>
+              <a:t>LeBron James Cont.</a:t>
+            </a:r>
+          </a:p>
+        </p:txBody>
+      </p:sp>
+      <p:sp>
+        <p:nvSpPr>
+          <p:cNvPr id="3" name="Content Placeholder 2">
+            <a:extLst>
+              <a:ext uri="{FF2B5EF4-FFF2-40B4-BE49-F238E27FC236}">
+                <a16:creationId xmlns:a16="http://schemas.microsoft.com/office/drawing/2014/main" id="{1BE4F303-55D7-4D8A-9DF1-A398D1D805BE}"/>
+              </a:ext>
+            </a:extLst>
+          </p:cNvPr>
+          <p:cNvSpPr>
+            <a:spLocks noGrp="1"/>
+          </p:cNvSpPr>
+          <p:nvPr>
+            <p:ph idx="1"/>
+          </p:nvPr>
+        </p:nvSpPr>
+        <p:spPr/>
+        <p:txBody>
+          <a:bodyPr/>
+          <a:lstStyle/>
+          <a:p>
+            <a:r>
+              <a:rPr lang="en-US" dirty="0"/>
+              <a:t>NBA scoring leader in 2008</a:t>
+            </a:r>
+          </a:p>
+          <a:p>
+            <a:r>
+              <a:rPr lang="en-US" dirty="0"/>
+              <a:t>NBA assists leader in 2020</a:t>
+            </a:r>
+          </a:p>
+          <a:p>
+            <a:r>
+              <a:rPr lang="en-US" dirty="0"/>
+              <a:t>3x NBA minutes Leader.</a:t>
+            </a:r>
+          </a:p>
+          <a:p>
+            <a:r>
+              <a:rPr lang="en-US" dirty="0"/>
+              <a:t>Charity</a:t>
+            </a:r>
+          </a:p>
+          <a:p>
+            <a:pPr lvl="1"/>
+            <a:r>
+              <a:rPr lang="en-US" dirty="0"/>
+              <a:t>Through its I PROMISE program, the foundation serves more than 1,400 Akron-area students by providing them with the programs, support, and mentors they need to succeed in school and beyond.</a:t>
+            </a:r>
+          </a:p>
+          <a:p>
+            <a:r>
+              <a:rPr lang="en-US" dirty="0"/>
+              <a:t>https://www.lebronjamesfamilyfoundation.org/</a:t>
+            </a:r>
+          </a:p>
+        </p:txBody>
+      </p:sp>
+    </p:spTree>
+    <p:extLst>
+      <p:ext uri="{BB962C8B-B14F-4D97-AF65-F5344CB8AC3E}">
+        <p14:creationId xmlns:p14="http://schemas.microsoft.com/office/powerpoint/2010/main" val="3222413101"/>
+      </p:ext>
+    </p:extLst>
+  </p:cSld>
+  <p:clrMapOvr>
+    <a:masterClrMapping/>
+  </p:clrMapOvr>
+</p:sld>
+</file>
+
+<file path=ppt/slides/slide9.xml><?xml version="1.0" encoding="utf-8"?>
+<p:sld xmlns:a="http://schemas.openxmlformats.org/drawingml/2006/main" xmlns:r="http://schemas.openxmlformats.org/officeDocument/2006/relationships" xmlns:p="http://schemas.openxmlformats.org/presentationml/2006/main">
+  <p:cSld>
+    <p:bg>
+      <p:bgPr>
+        <a:solidFill>
+          <a:schemeClr val="bg1"/>
+        </a:solidFill>
+        <a:effectLst/>
+      </p:bgPr>
+    </p:bg>
+    <p:spTree>
+      <p:nvGrpSpPr>
+        <p:cNvPr id="1" name=""/>
+        <p:cNvGrpSpPr/>
+        <p:nvPr/>
+      </p:nvGrpSpPr>
+      <p:grpSpPr>
+        <a:xfrm>
+          <a:off x="0" y="0"/>
+          <a:ext cx="0" cy="0"/>
+          <a:chOff x="0" y="0"/>
+          <a:chExt cx="0" cy="0"/>
+        </a:xfrm>
+      </p:grpSpPr>
+      <p:sp useBgFill="1">
+        <p:nvSpPr>
+          <p:cNvPr id="8" name="Rectangle 7">
+            <a:extLst>
+              <a:ext uri="{FF2B5EF4-FFF2-40B4-BE49-F238E27FC236}">
+                <a16:creationId xmlns:a16="http://schemas.microsoft.com/office/drawing/2014/main" id="{827B839B-9ADE-406B-8590-F1CAEDED45A1}"/>
+              </a:ext>
+              <a:ext uri="{C183D7F6-B498-43B3-948B-1728B52AA6E4}">
+                <adec:decorative xmlns:adec="http://schemas.microsoft.com/office/drawing/2017/decorative" val="1"/>
+              </a:ext>
+            </a:extLst>
+          </p:cNvPr>
+          <p:cNvSpPr>
+            <a:spLocks noGrp="1" noRot="1" noChangeAspect="1" noMove="1" noResize="1" noEditPoints="1" noAdjustHandles="1" noChangeArrowheads="1" noChangeShapeType="1" noTextEdit="1"/>
+          </p:cNvSpPr>
+          <p:nvPr>
+            <p:extLst>
+              <p:ext uri="{386F3935-93C4-4BCD-93E2-E3B085C9AB24}">
+                <p16:designElem xmlns:p16="http://schemas.microsoft.com/office/powerpoint/2015/main" val="1"/>
+              </p:ext>
+            </p:extLst>
+          </p:nvPr>
+        </p:nvSpPr>
+        <p:spPr>
+          <a:xfrm>
+            <a:off x="0" y="0"/>
+            <a:ext cx="12188952" cy="6858000"/>
+          </a:xfrm>
+          <a:prstGeom prst="rect">
+            <a:avLst/>
+          </a:prstGeom>
+          <a:ln>
+            <a:noFill/>
+          </a:ln>
+        </p:spPr>
+        <p:style>
+          <a:lnRef idx="2">
+            <a:schemeClr val="accent1">
+              <a:shade val="50000"/>
+            </a:schemeClr>
+          </a:lnRef>
+          <a:fillRef idx="1">
+            <a:schemeClr val="accent1"/>
+          </a:fillRef>
+          <a:effectRef idx="0">
+            <a:schemeClr val="accent1"/>
+          </a:effectRef>
+          <a:fontRef idx="minor">
+            <a:schemeClr val="lt1"/>
+          </a:fontRef>
+        </p:style>
+        <p:txBody>
+          <a:bodyPr rtlCol="0" anchor="ctr"/>
+          <a:lstStyle/>
+          <a:p>
+            <a:pPr algn="ctr"/>
+            <a:endParaRPr lang="en-US"/>
+          </a:p>
+        </p:txBody>
+      </p:sp>
+      <p:sp>
+        <p:nvSpPr>
+          <p:cNvPr id="10" name="Freeform 45">
+            <a:extLst>
+              <a:ext uri="{FF2B5EF4-FFF2-40B4-BE49-F238E27FC236}">
+                <a16:creationId xmlns:a16="http://schemas.microsoft.com/office/drawing/2014/main" id="{CFE45BF0-46DB-408C-B5F7-7B11716805D4}"/>
+              </a:ext>
+              <a:ext uri="{C183D7F6-B498-43B3-948B-1728B52AA6E4}">
+                <adec:decorative xmlns:adec="http://schemas.microsoft.com/office/drawing/2017/decorative" val="1"/>
+              </a:ext>
+            </a:extLst>
+          </p:cNvPr>
+          <p:cNvSpPr>
+            <a:spLocks noGrp="1" noRot="1" noChangeAspect="1" noMove="1" noResize="1" noEditPoints="1" noAdjustHandles="1" noChangeArrowheads="1" noChangeShapeType="1" noTextEdit="1"/>
+          </p:cNvSpPr>
+          <p:nvPr>
+            <p:extLst>
+              <p:ext uri="{386F3935-93C4-4BCD-93E2-E3B085C9AB24}">
+                <p16:designElem xmlns:p16="http://schemas.microsoft.com/office/powerpoint/2015/main" val="1"/>
+              </p:ext>
+            </p:extLst>
+          </p:nvPr>
+        </p:nvSpPr>
+        <p:spPr bwMode="auto">
+          <a:xfrm>
+            <a:off x="409710" y="1022350"/>
+            <a:ext cx="709612" cy="2095501"/>
+          </a:xfrm>
+          <a:custGeom>
+            <a:avLst/>
+            <a:gdLst>
+              <a:gd name="T0" fmla="*/ 447 w 447"/>
+              <a:gd name="T1" fmla="*/ 1363 h 1363"/>
+              <a:gd name="T2" fmla="*/ 0 w 447"/>
+              <a:gd name="T3" fmla="*/ 987 h 1363"/>
+              <a:gd name="T4" fmla="*/ 0 w 447"/>
+              <a:gd name="T5" fmla="*/ 0 h 1363"/>
+              <a:gd name="T6" fmla="*/ 447 w 447"/>
+              <a:gd name="T7" fmla="*/ 376 h 1363"/>
+              <a:gd name="T8" fmla="*/ 447 w 447"/>
+              <a:gd name="T9" fmla="*/ 1363 h 1363"/>
+            </a:gdLst>
+            <a:ahLst/>
+            <a:cxnLst>
+              <a:cxn ang="0">
+                <a:pos x="T0" y="T1"/>
+              </a:cxn>
+              <a:cxn ang="0">
+                <a:pos x="T2" y="T3"/>
+              </a:cxn>
+              <a:cxn ang="0">
+                <a:pos x="T4" y="T5"/>
+              </a:cxn>
+              <a:cxn ang="0">
+                <a:pos x="T6" y="T7"/>
+              </a:cxn>
+              <a:cxn ang="0">
+                <a:pos x="T8" y="T9"/>
+              </a:cxn>
+            </a:cxnLst>
+            <a:rect l="0" t="0" r="r" b="b"/>
+            <a:pathLst>
+              <a:path w="447" h="1363">
+                <a:moveTo>
+                  <a:pt x="447" y="1363"/>
+                </a:moveTo>
+                <a:lnTo>
+                  <a:pt x="0" y="987"/>
+                </a:lnTo>
+                <a:lnTo>
+                  <a:pt x="0" y="0"/>
+                </a:lnTo>
+                <a:lnTo>
+                  <a:pt x="447" y="376"/>
+                </a:lnTo>
+                <a:lnTo>
+                  <a:pt x="447" y="1363"/>
+                </a:lnTo>
+                <a:close/>
+              </a:path>
+            </a:pathLst>
+          </a:custGeom>
+          <a:solidFill>
+            <a:schemeClr val="accent1">
+              <a:lumMod val="50000"/>
+            </a:schemeClr>
+          </a:solidFill>
+          <a:ln>
+            <a:noFill/>
+          </a:ln>
+        </p:spPr>
+        <p:txBody>
+          <a:bodyPr vert="horz" wrap="square" lIns="91440" tIns="45720" rIns="91440" bIns="45720" numCol="1" anchor="t" anchorCtr="0" compatLnSpc="1">
+            <a:prstTxWarp prst="textNoShape">
+              <a:avLst/>
+            </a:prstTxWarp>
+          </a:bodyPr>
+          <a:lstStyle/>
+          <a:p>
+            <a:endParaRPr lang="en-US"/>
+          </a:p>
+        </p:txBody>
+      </p:sp>
+      <p:sp>
+        <p:nvSpPr>
+          <p:cNvPr id="12" name="Freeform 46">
+            <a:extLst>
+              <a:ext uri="{FF2B5EF4-FFF2-40B4-BE49-F238E27FC236}">
+                <a16:creationId xmlns:a16="http://schemas.microsoft.com/office/drawing/2014/main" id="{2AEBC8F2-97B1-41B4-93F1-2D289E197FBA}"/>
+              </a:ext>
+              <a:ext uri="{C183D7F6-B498-43B3-948B-1728B52AA6E4}">
+                <adec:decorative xmlns:adec="http://schemas.microsoft.com/office/drawing/2017/decorative" val="1"/>
+              </a:ext>
+            </a:extLst>
+          </p:cNvPr>
+          <p:cNvSpPr>
+            <a:spLocks noGrp="1" noRot="1" noChangeAspect="1" noMove="1" noResize="1" noEditPoints="1" noAdjustHandles="1" noChangeArrowheads="1" noChangeShapeType="1" noTextEdit="1"/>
+          </p:cNvSpPr>
+          <p:nvPr>
+            <p:extLst>
+              <p:ext uri="{386F3935-93C4-4BCD-93E2-E3B085C9AB24}">
+                <p16:designElem xmlns:p16="http://schemas.microsoft.com/office/powerpoint/2015/main" val="1"/>
+              </p:ext>
+            </p:extLst>
+          </p:nvPr>
+        </p:nvSpPr>
+        <p:spPr bwMode="auto">
+          <a:xfrm>
+            <a:off x="409710" y="837744"/>
+            <a:ext cx="403225" cy="1705431"/>
+          </a:xfrm>
+          <a:custGeom>
+            <a:avLst/>
+            <a:gdLst>
+              <a:gd name="T0" fmla="*/ 254 w 254"/>
+              <a:gd name="T1" fmla="*/ 987 h 1109"/>
+              <a:gd name="T2" fmla="*/ 0 w 254"/>
+              <a:gd name="T3" fmla="*/ 1109 h 1109"/>
+              <a:gd name="T4" fmla="*/ 0 w 254"/>
+              <a:gd name="T5" fmla="*/ 119 h 1109"/>
+              <a:gd name="T6" fmla="*/ 254 w 254"/>
+              <a:gd name="T7" fmla="*/ 0 h 1109"/>
+              <a:gd name="T8" fmla="*/ 254 w 254"/>
+              <a:gd name="T9" fmla="*/ 987 h 1109"/>
+            </a:gdLst>
+            <a:ahLst/>
+            <a:cxnLst>
+              <a:cxn ang="0">
+                <a:pos x="T0" y="T1"/>
+              </a:cxn>
+              <a:cxn ang="0">
+                <a:pos x="T2" y="T3"/>
+              </a:cxn>
+              <a:cxn ang="0">
+                <a:pos x="T4" y="T5"/>
+              </a:cxn>
+              <a:cxn ang="0">
+                <a:pos x="T6" y="T7"/>
+              </a:cxn>
+              <a:cxn ang="0">
+                <a:pos x="T8" y="T9"/>
+              </a:cxn>
+            </a:cxnLst>
+            <a:rect l="0" t="0" r="r" b="b"/>
+            <a:pathLst>
+              <a:path w="254" h="1109">
+                <a:moveTo>
+                  <a:pt x="254" y="987"/>
+                </a:moveTo>
+                <a:lnTo>
+                  <a:pt x="0" y="1109"/>
+                </a:lnTo>
+                <a:lnTo>
+                  <a:pt x="0" y="119"/>
+                </a:lnTo>
+                <a:lnTo>
+                  <a:pt x="254" y="0"/>
+                </a:lnTo>
+                <a:lnTo>
+                  <a:pt x="254" y="987"/>
+                </a:lnTo>
+                <a:close/>
+              </a:path>
+            </a:pathLst>
+          </a:custGeom>
+          <a:solidFill>
+            <a:schemeClr val="accent1">
+              <a:lumMod val="75000"/>
+            </a:schemeClr>
+          </a:solidFill>
+          <a:ln>
+            <a:noFill/>
+          </a:ln>
+        </p:spPr>
+        <p:txBody>
+          <a:bodyPr vert="horz" wrap="square" lIns="91440" tIns="45720" rIns="91440" bIns="45720" numCol="1" anchor="t" anchorCtr="0" compatLnSpc="1">
+            <a:prstTxWarp prst="textNoShape">
+              <a:avLst/>
+            </a:prstTxWarp>
+          </a:bodyPr>
+          <a:lstStyle/>
+          <a:p>
+            <a:endParaRPr lang="en-US"/>
+          </a:p>
+        </p:txBody>
+      </p:sp>
+      <p:sp>
+        <p:nvSpPr>
+          <p:cNvPr id="14" name="Freeform 47">
+            <a:extLst>
+              <a:ext uri="{FF2B5EF4-FFF2-40B4-BE49-F238E27FC236}">
+                <a16:creationId xmlns:a16="http://schemas.microsoft.com/office/drawing/2014/main" id="{472E3A19-F5D5-48FC-BB9C-48C2F68F598B}"/>
+              </a:ext>
+              <a:ext uri="{C183D7F6-B498-43B3-948B-1728B52AA6E4}">
+                <adec:decorative xmlns:adec="http://schemas.microsoft.com/office/drawing/2017/decorative" val="1"/>
+              </a:ext>
+            </a:extLst>
+          </p:cNvPr>
+          <p:cNvSpPr>
+            <a:spLocks noGrp="1" noRot="1" noChangeAspect="1" noMove="1" noResize="1" noEditPoints="1" noAdjustHandles="1" noChangeArrowheads="1" noChangeShapeType="1" noTextEdit="1"/>
+          </p:cNvSpPr>
+          <p:nvPr>
+            <p:extLst>
+              <p:ext uri="{386F3935-93C4-4BCD-93E2-E3B085C9AB24}">
+                <p16:designElem xmlns:p16="http://schemas.microsoft.com/office/powerpoint/2015/main" val="1"/>
+              </p:ext>
+            </p:extLst>
+          </p:nvPr>
+        </p:nvSpPr>
+        <p:spPr bwMode="auto">
+          <a:xfrm>
+            <a:off x="644660" y="640894"/>
+            <a:ext cx="168275" cy="1713195"/>
+          </a:xfrm>
+          <a:custGeom>
+            <a:avLst/>
+            <a:gdLst>
+              <a:gd name="T0" fmla="*/ 106 w 106"/>
+              <a:gd name="T1" fmla="*/ 1114 h 1114"/>
+              <a:gd name="T2" fmla="*/ 0 w 106"/>
+              <a:gd name="T3" fmla="*/ 1005 h 1114"/>
+              <a:gd name="T4" fmla="*/ 0 w 106"/>
+              <a:gd name="T5" fmla="*/ 0 h 1114"/>
+              <a:gd name="T6" fmla="*/ 106 w 106"/>
+              <a:gd name="T7" fmla="*/ 110 h 1114"/>
+              <a:gd name="T8" fmla="*/ 106 w 106"/>
+              <a:gd name="T9" fmla="*/ 1114 h 1114"/>
+            </a:gdLst>
+            <a:ahLst/>
+            <a:cxnLst>
+              <a:cxn ang="0">
+                <a:pos x="T0" y="T1"/>
+              </a:cxn>
+              <a:cxn ang="0">
+                <a:pos x="T2" y="T3"/>
+              </a:cxn>
+              <a:cxn ang="0">
+                <a:pos x="T4" y="T5"/>
+              </a:cxn>
+              <a:cxn ang="0">
+                <a:pos x="T6" y="T7"/>
+              </a:cxn>
+              <a:cxn ang="0">
+                <a:pos x="T8" y="T9"/>
+              </a:cxn>
+            </a:cxnLst>
+            <a:rect l="0" t="0" r="r" b="b"/>
+            <a:pathLst>
+              <a:path w="106" h="1114">
+                <a:moveTo>
+                  <a:pt x="106" y="1114"/>
+                </a:moveTo>
+                <a:lnTo>
+                  <a:pt x="0" y="1005"/>
+                </a:lnTo>
+                <a:lnTo>
+                  <a:pt x="0" y="0"/>
+                </a:lnTo>
+                <a:lnTo>
+                  <a:pt x="106" y="110"/>
+                </a:lnTo>
+                <a:lnTo>
+                  <a:pt x="106" y="1114"/>
+                </a:lnTo>
+                <a:close/>
+              </a:path>
+            </a:pathLst>
+          </a:custGeom>
+          <a:solidFill>
+            <a:schemeClr val="accent1">
+              <a:lumMod val="50000"/>
+            </a:schemeClr>
+          </a:solidFill>
+          <a:ln>
+            <a:noFill/>
+          </a:ln>
+        </p:spPr>
+        <p:txBody>
+          <a:bodyPr vert="horz" wrap="square" lIns="91440" tIns="45720" rIns="91440" bIns="45720" numCol="1" anchor="t" anchorCtr="0" compatLnSpc="1">
+            <a:prstTxWarp prst="textNoShape">
+              <a:avLst/>
+            </a:prstTxWarp>
+          </a:bodyPr>
+          <a:lstStyle/>
+          <a:p>
+            <a:endParaRPr lang="en-US"/>
+          </a:p>
+        </p:txBody>
+      </p:sp>
+      <p:sp>
+        <p:nvSpPr>
+          <p:cNvPr id="16" name="Freeform 44">
+            <a:extLst>
+              <a:ext uri="{FF2B5EF4-FFF2-40B4-BE49-F238E27FC236}">
+                <a16:creationId xmlns:a16="http://schemas.microsoft.com/office/drawing/2014/main" id="{7A62E32F-BB65-43A8-8EB5-92346890E549}"/>
+              </a:ext>
+              <a:ext uri="{C183D7F6-B498-43B3-948B-1728B52AA6E4}">
+                <adec:decorative xmlns:adec="http://schemas.microsoft.com/office/drawing/2017/decorative" val="1"/>
+              </a:ext>
+            </a:extLst>
+          </p:cNvPr>
+          <p:cNvSpPr>
+            <a:spLocks noGrp="1" noRot="1" noChangeAspect="1" noMove="1" noResize="1" noEditPoints="1" noAdjustHandles="1" noChangeArrowheads="1" noChangeShapeType="1" noTextEdit="1"/>
+          </p:cNvSpPr>
+          <p:nvPr>
+            <p:extLst>
+              <p:ext uri="{386F3935-93C4-4BCD-93E2-E3B085C9AB24}">
+                <p16:designElem xmlns:p16="http://schemas.microsoft.com/office/powerpoint/2015/main" val="1"/>
+              </p:ext>
+            </p:extLst>
+          </p:nvPr>
+        </p:nvSpPr>
+        <p:spPr bwMode="auto">
+          <a:xfrm>
+            <a:off x="11223203" y="635716"/>
+            <a:ext cx="328612" cy="1742360"/>
+          </a:xfrm>
+          <a:custGeom>
+            <a:avLst/>
+            <a:gdLst>
+              <a:gd name="T0" fmla="*/ 207 w 207"/>
+              <a:gd name="T1" fmla="*/ 987 h 1114"/>
+              <a:gd name="T2" fmla="*/ 0 w 207"/>
+              <a:gd name="T3" fmla="*/ 1114 h 1114"/>
+              <a:gd name="T4" fmla="*/ 0 w 207"/>
+              <a:gd name="T5" fmla="*/ 127 h 1114"/>
+              <a:gd name="T6" fmla="*/ 207 w 207"/>
+              <a:gd name="T7" fmla="*/ 0 h 1114"/>
+              <a:gd name="T8" fmla="*/ 207 w 207"/>
+              <a:gd name="T9" fmla="*/ 987 h 1114"/>
+            </a:gdLst>
+            <a:ahLst/>
+            <a:cxnLst>
+              <a:cxn ang="0">
+                <a:pos x="T0" y="T1"/>
+              </a:cxn>
+              <a:cxn ang="0">
+                <a:pos x="T2" y="T3"/>
+              </a:cxn>
+              <a:cxn ang="0">
+                <a:pos x="T4" y="T5"/>
+              </a:cxn>
+              <a:cxn ang="0">
+                <a:pos x="T6" y="T7"/>
+              </a:cxn>
+              <a:cxn ang="0">
+                <a:pos x="T8" y="T9"/>
+              </a:cxn>
+            </a:cxnLst>
+            <a:rect l="0" t="0" r="r" b="b"/>
+            <a:pathLst>
+              <a:path w="207" h="1114">
+                <a:moveTo>
+                  <a:pt x="207" y="987"/>
+                </a:moveTo>
+                <a:lnTo>
+                  <a:pt x="0" y="1114"/>
+                </a:lnTo>
+                <a:lnTo>
+                  <a:pt x="0" y="127"/>
+                </a:lnTo>
+                <a:lnTo>
+                  <a:pt x="207" y="0"/>
+                </a:lnTo>
+                <a:lnTo>
+                  <a:pt x="207" y="987"/>
+                </a:lnTo>
+                <a:close/>
+              </a:path>
+            </a:pathLst>
+          </a:custGeom>
+          <a:solidFill>
+            <a:schemeClr val="accent1">
+              <a:lumMod val="50000"/>
+            </a:schemeClr>
+          </a:solidFill>
+          <a:ln>
+            <a:noFill/>
+          </a:ln>
+        </p:spPr>
+        <p:txBody>
+          <a:bodyPr vert="horz" wrap="square" lIns="91440" tIns="45720" rIns="91440" bIns="45720" numCol="1" anchor="t" anchorCtr="0" compatLnSpc="1">
+            <a:prstTxWarp prst="textNoShape">
+              <a:avLst/>
+            </a:prstTxWarp>
+          </a:bodyPr>
+          <a:lstStyle/>
+          <a:p>
+            <a:endParaRPr lang="en-US"/>
+          </a:p>
+        </p:txBody>
+      </p:sp>
+      <p:sp>
+        <p:nvSpPr>
+          <p:cNvPr id="18" name="Rectangle 17">
+            <a:extLst>
+              <a:ext uri="{FF2B5EF4-FFF2-40B4-BE49-F238E27FC236}">
+                <a16:creationId xmlns:a16="http://schemas.microsoft.com/office/drawing/2014/main" id="{14E91B64-9FCC-451E-AFB4-A827D6329367}"/>
+              </a:ext>
+              <a:ext uri="{C183D7F6-B498-43B3-948B-1728B52AA6E4}">
+                <adec:decorative xmlns:adec="http://schemas.microsoft.com/office/drawing/2017/decorative" val="1"/>
+              </a:ext>
+            </a:extLst>
+          </p:cNvPr>
+          <p:cNvSpPr>
+            <a:spLocks noGrp="1" noRot="1" noChangeAspect="1" noMove="1" noResize="1" noEditPoints="1" noAdjustHandles="1" noChangeArrowheads="1" noChangeShapeType="1" noTextEdit="1"/>
+          </p:cNvSpPr>
+          <p:nvPr>
+            <p:extLst>
+              <p:ext uri="{386F3935-93C4-4BCD-93E2-E3B085C9AB24}">
+                <p16:designElem xmlns:p16="http://schemas.microsoft.com/office/powerpoint/2015/main" val="1"/>
+              </p:ext>
+            </p:extLst>
+          </p:nvPr>
+        </p:nvSpPr>
+        <p:spPr bwMode="auto">
+          <a:xfrm>
+            <a:off x="644055" y="635715"/>
+            <a:ext cx="10907863" cy="1541457"/>
+          </a:xfrm>
+          <a:prstGeom prst="rect">
+            <a:avLst/>
+          </a:prstGeom>
+          <a:solidFill>
+            <a:schemeClr val="accent1"/>
+          </a:solidFill>
+          <a:ln>
+            <a:noFill/>
+          </a:ln>
+        </p:spPr>
+        <p:txBody>
+          <a:bodyPr vert="horz" wrap="square" lIns="91440" tIns="45720" rIns="91440" bIns="45720" numCol="1" anchor="t" anchorCtr="0" compatLnSpc="1">
+            <a:prstTxWarp prst="textNoShape">
+              <a:avLst/>
+            </a:prstTxWarp>
+          </a:bodyPr>
+          <a:lstStyle/>
+          <a:p>
+            <a:endParaRPr lang="en-US"/>
+          </a:p>
+        </p:txBody>
+      </p:sp>
+      <p:sp>
+        <p:nvSpPr>
+          <p:cNvPr id="2" name="Title 1">
+            <a:extLst>
+              <a:ext uri="{FF2B5EF4-FFF2-40B4-BE49-F238E27FC236}">
+                <a16:creationId xmlns:a16="http://schemas.microsoft.com/office/drawing/2014/main" id="{09C49774-894D-4C12-9EBC-B802A080B33A}"/>
+              </a:ext>
+            </a:extLst>
+          </p:cNvPr>
+          <p:cNvSpPr>
+            <a:spLocks noGrp="1"/>
+          </p:cNvSpPr>
+          <p:nvPr>
+            <p:ph type="title"/>
+          </p:nvPr>
+        </p:nvSpPr>
+        <p:spPr>
+          <a:xfrm>
+            <a:off x="958506" y="800392"/>
+            <a:ext cx="10264697" cy="1212102"/>
+          </a:xfrm>
+        </p:spPr>
+        <p:txBody>
+          <a:bodyPr>
+            <a:normAutofit/>
+          </a:bodyPr>
+          <a:lstStyle/>
+          <a:p>
+            <a:r>
+              <a:rPr lang="en-US" sz="4000">
+                <a:solidFill>
+                  <a:srgbClr val="FFFFFF"/>
+                </a:solidFill>
+              </a:rPr>
+              <a:t>Dashboard</a:t>
+            </a:r>
+          </a:p>
+        </p:txBody>
+      </p:sp>
+      <p:sp>
+        <p:nvSpPr>
+          <p:cNvPr id="3" name="Content Placeholder 2">
+            <a:extLst>
+              <a:ext uri="{FF2B5EF4-FFF2-40B4-BE49-F238E27FC236}">
+                <a16:creationId xmlns:a16="http://schemas.microsoft.com/office/drawing/2014/main" id="{1435A988-8F60-4AC3-8631-B2AE9411F668}"/>
+              </a:ext>
+            </a:extLst>
+          </p:cNvPr>
+          <p:cNvSpPr>
+            <a:spLocks noGrp="1"/>
+          </p:cNvSpPr>
+          <p:nvPr>
+            <p:ph idx="1"/>
+          </p:nvPr>
+        </p:nvSpPr>
+        <p:spPr>
+          <a:xfrm>
+            <a:off x="1367624" y="2490436"/>
+            <a:ext cx="9708995" cy="3567173"/>
+          </a:xfrm>
+        </p:spPr>
+        <p:txBody>
+          <a:bodyPr anchor="ctr">
+            <a:normAutofit/>
+          </a:bodyPr>
+          <a:lstStyle/>
+          <a:p>
+            <a:r>
+              <a:rPr lang="en-US" sz="2400" dirty="0"/>
+              <a:t>https://app.powerbi.com/groups/me/reports/930cd2e1-5d65-4328-a2c9-d8e3f44bd40f/ReportSectionb7cbee2159a3e0190e65</a:t>
+            </a:r>
+          </a:p>
+        </p:txBody>
+      </p:sp>
+    </p:spTree>
+    <p:extLst>
+      <p:ext uri="{BB962C8B-B14F-4D97-AF65-F5344CB8AC3E}">
+        <p14:creationId xmlns:p14="http://schemas.microsoft.com/office/powerpoint/2010/main" val="4117203741"/>
       </p:ext>
     </p:extLst>
   </p:cSld>

--- a/Who’s The Real MVP.pptx
+++ b/Who’s The Real MVP.pptx
@@ -10,12 +10,10 @@
     <p:sldId id="266" r:id="rId4"/>
     <p:sldId id="258" r:id="rId5"/>
     <p:sldId id="259" r:id="rId6"/>
-    <p:sldId id="261" r:id="rId7"/>
-    <p:sldId id="260" r:id="rId8"/>
-    <p:sldId id="265" r:id="rId9"/>
-    <p:sldId id="264" r:id="rId10"/>
-    <p:sldId id="262" r:id="rId11"/>
-    <p:sldId id="263" r:id="rId12"/>
+    <p:sldId id="260" r:id="rId7"/>
+    <p:sldId id="264" r:id="rId8"/>
+    <p:sldId id="262" r:id="rId9"/>
+    <p:sldId id="263" r:id="rId10"/>
   </p:sldIdLst>
   <p:sldSz cx="12192000" cy="6858000"/>
   <p:notesSz cx="6858000" cy="9144000"/>
@@ -7663,7 +7661,7 @@
           <a:p>
             <a:fld id="{703A83E0-A766-4F96-ADA7-03B7CBFE7062}" type="datetimeFigureOut">
               <a:rPr lang="en-US" smtClean="0"/>
-              <a:t>12/21/2021</a:t>
+              <a:t>1/4/2022</a:t>
             </a:fld>
             <a:endParaRPr lang="en-US"/>
           </a:p>
@@ -7861,7 +7859,7 @@
           <a:p>
             <a:fld id="{703A83E0-A766-4F96-ADA7-03B7CBFE7062}" type="datetimeFigureOut">
               <a:rPr lang="en-US" smtClean="0"/>
-              <a:t>12/21/2021</a:t>
+              <a:t>1/4/2022</a:t>
             </a:fld>
             <a:endParaRPr lang="en-US"/>
           </a:p>
@@ -8069,7 +8067,7 @@
           <a:p>
             <a:fld id="{703A83E0-A766-4F96-ADA7-03B7CBFE7062}" type="datetimeFigureOut">
               <a:rPr lang="en-US" smtClean="0"/>
-              <a:t>12/21/2021</a:t>
+              <a:t>1/4/2022</a:t>
             </a:fld>
             <a:endParaRPr lang="en-US"/>
           </a:p>
@@ -8267,7 +8265,7 @@
           <a:p>
             <a:fld id="{703A83E0-A766-4F96-ADA7-03B7CBFE7062}" type="datetimeFigureOut">
               <a:rPr lang="en-US" smtClean="0"/>
-              <a:t>12/21/2021</a:t>
+              <a:t>1/4/2022</a:t>
             </a:fld>
             <a:endParaRPr lang="en-US"/>
           </a:p>
@@ -8542,7 +8540,7 @@
           <a:p>
             <a:fld id="{703A83E0-A766-4F96-ADA7-03B7CBFE7062}" type="datetimeFigureOut">
               <a:rPr lang="en-US" smtClean="0"/>
-              <a:t>12/21/2021</a:t>
+              <a:t>1/4/2022</a:t>
             </a:fld>
             <a:endParaRPr lang="en-US"/>
           </a:p>
@@ -8807,7 +8805,7 @@
           <a:p>
             <a:fld id="{703A83E0-A766-4F96-ADA7-03B7CBFE7062}" type="datetimeFigureOut">
               <a:rPr lang="en-US" smtClean="0"/>
-              <a:t>12/21/2021</a:t>
+              <a:t>1/4/2022</a:t>
             </a:fld>
             <a:endParaRPr lang="en-US"/>
           </a:p>
@@ -9219,7 +9217,7 @@
           <a:p>
             <a:fld id="{703A83E0-A766-4F96-ADA7-03B7CBFE7062}" type="datetimeFigureOut">
               <a:rPr lang="en-US" smtClean="0"/>
-              <a:t>12/21/2021</a:t>
+              <a:t>1/4/2022</a:t>
             </a:fld>
             <a:endParaRPr lang="en-US"/>
           </a:p>
@@ -9360,7 +9358,7 @@
           <a:p>
             <a:fld id="{703A83E0-A766-4F96-ADA7-03B7CBFE7062}" type="datetimeFigureOut">
               <a:rPr lang="en-US" smtClean="0"/>
-              <a:t>12/21/2021</a:t>
+              <a:t>1/4/2022</a:t>
             </a:fld>
             <a:endParaRPr lang="en-US"/>
           </a:p>
@@ -9473,7 +9471,7 @@
           <a:p>
             <a:fld id="{703A83E0-A766-4F96-ADA7-03B7CBFE7062}" type="datetimeFigureOut">
               <a:rPr lang="en-US" smtClean="0"/>
-              <a:t>12/21/2021</a:t>
+              <a:t>1/4/2022</a:t>
             </a:fld>
             <a:endParaRPr lang="en-US"/>
           </a:p>
@@ -9784,7 +9782,7 @@
           <a:p>
             <a:fld id="{703A83E0-A766-4F96-ADA7-03B7CBFE7062}" type="datetimeFigureOut">
               <a:rPr lang="en-US" smtClean="0"/>
-              <a:t>12/21/2021</a:t>
+              <a:t>1/4/2022</a:t>
             </a:fld>
             <a:endParaRPr lang="en-US"/>
           </a:p>
@@ -10072,7 +10070,7 @@
           <a:p>
             <a:fld id="{703A83E0-A766-4F96-ADA7-03B7CBFE7062}" type="datetimeFigureOut">
               <a:rPr lang="en-US" smtClean="0"/>
-              <a:t>12/21/2021</a:t>
+              <a:t>1/4/2022</a:t>
             </a:fld>
             <a:endParaRPr lang="en-US"/>
           </a:p>
@@ -10313,7 +10311,7 @@
           <a:p>
             <a:fld id="{703A83E0-A766-4F96-ADA7-03B7CBFE7062}" type="datetimeFigureOut">
               <a:rPr lang="en-US" smtClean="0"/>
-              <a:t>12/21/2021</a:t>
+              <a:t>1/4/2022</a:t>
             </a:fld>
             <a:endParaRPr lang="en-US"/>
           </a:p>
@@ -11090,513 +11088,6 @@
     <p:extLst>
       <p:ext uri="{BB962C8B-B14F-4D97-AF65-F5344CB8AC3E}">
         <p14:creationId xmlns:p14="http://schemas.microsoft.com/office/powerpoint/2010/main" val="1565146713"/>
-      </p:ext>
-    </p:extLst>
-  </p:cSld>
-  <p:clrMapOvr>
-    <a:masterClrMapping/>
-  </p:clrMapOvr>
-</p:sld>
-</file>
-
-<file path=ppt/slides/slide10.xml><?xml version="1.0" encoding="utf-8"?>
-<p:sld xmlns:a="http://schemas.openxmlformats.org/drawingml/2006/main" xmlns:r="http://schemas.openxmlformats.org/officeDocument/2006/relationships" xmlns:p="http://schemas.openxmlformats.org/presentationml/2006/main">
-  <p:cSld>
-    <p:bg>
-      <p:bgPr>
-        <a:solidFill>
-          <a:schemeClr val="bg1"/>
-        </a:solidFill>
-        <a:effectLst/>
-      </p:bgPr>
-    </p:bg>
-    <p:spTree>
-      <p:nvGrpSpPr>
-        <p:cNvPr id="1" name=""/>
-        <p:cNvGrpSpPr/>
-        <p:nvPr/>
-      </p:nvGrpSpPr>
-      <p:grpSpPr>
-        <a:xfrm>
-          <a:off x="0" y="0"/>
-          <a:ext cx="0" cy="0"/>
-          <a:chOff x="0" y="0"/>
-          <a:chExt cx="0" cy="0"/>
-        </a:xfrm>
-      </p:grpSpPr>
-      <p:sp>
-        <p:nvSpPr>
-          <p:cNvPr id="12" name="Rectangle 11">
-            <a:extLst>
-              <a:ext uri="{FF2B5EF4-FFF2-40B4-BE49-F238E27FC236}">
-                <a16:creationId xmlns:a16="http://schemas.microsoft.com/office/drawing/2014/main" id="{823AC064-BC96-4F32-8AE1-B2FD38754823}"/>
-              </a:ext>
-              <a:ext uri="{C183D7F6-B498-43B3-948B-1728B52AA6E4}">
-                <adec:decorative xmlns:adec="http://schemas.microsoft.com/office/drawing/2017/decorative" val="1"/>
-              </a:ext>
-            </a:extLst>
-          </p:cNvPr>
-          <p:cNvSpPr>
-            <a:spLocks noGrp="1" noRot="1" noChangeAspect="1" noMove="1" noResize="1" noEditPoints="1" noAdjustHandles="1" noChangeArrowheads="1" noChangeShapeType="1" noTextEdit="1"/>
-          </p:cNvSpPr>
-          <p:nvPr>
-            <p:extLst>
-              <p:ext uri="{386F3935-93C4-4BCD-93E2-E3B085C9AB24}">
-                <p16:designElem xmlns:p16="http://schemas.microsoft.com/office/powerpoint/2015/main" val="1"/>
-              </p:ext>
-            </p:extLst>
-          </p:nvPr>
-        </p:nvSpPr>
-        <p:spPr bwMode="ltGray">
-          <a:xfrm>
-            <a:off x="396882" y="280374"/>
-            <a:ext cx="11438793" cy="1844256"/>
-          </a:xfrm>
-          <a:prstGeom prst="rect">
-            <a:avLst/>
-          </a:prstGeom>
-          <a:solidFill>
-            <a:srgbClr val="404040"/>
-          </a:solidFill>
-          <a:ln w="127000" cap="sq" cmpd="thinThick">
-            <a:solidFill>
-              <a:srgbClr val="404040"/>
-            </a:solidFill>
-          </a:ln>
-        </p:spPr>
-        <p:style>
-          <a:lnRef idx="2">
-            <a:schemeClr val="accent1">
-              <a:shade val="50000"/>
-            </a:schemeClr>
-          </a:lnRef>
-          <a:fillRef idx="1">
-            <a:schemeClr val="accent1"/>
-          </a:fillRef>
-          <a:effectRef idx="0">
-            <a:schemeClr val="accent1"/>
-          </a:effectRef>
-          <a:fontRef idx="minor">
-            <a:schemeClr val="lt1"/>
-          </a:fontRef>
-        </p:style>
-        <p:txBody>
-          <a:bodyPr rtlCol="0" anchor="ctr"/>
-          <a:lstStyle/>
-          <a:p>
-            <a:pPr algn="ctr"/>
-            <a:endParaRPr lang="en-US"/>
-          </a:p>
-        </p:txBody>
-      </p:sp>
-      <p:sp>
-        <p:nvSpPr>
-          <p:cNvPr id="2" name="Title 1">
-            <a:extLst>
-              <a:ext uri="{FF2B5EF4-FFF2-40B4-BE49-F238E27FC236}">
-                <a16:creationId xmlns:a16="http://schemas.microsoft.com/office/drawing/2014/main" id="{AD5BE9D1-441C-4FAF-9CA2-4F67A92491C2}"/>
-              </a:ext>
-            </a:extLst>
-          </p:cNvPr>
-          <p:cNvSpPr>
-            <a:spLocks noGrp="1"/>
-          </p:cNvSpPr>
-          <p:nvPr>
-            <p:ph type="title"/>
-          </p:nvPr>
-        </p:nvSpPr>
-        <p:spPr>
-          <a:xfrm>
-            <a:off x="546351" y="433545"/>
-            <a:ext cx="11139854" cy="930447"/>
-          </a:xfrm>
-        </p:spPr>
-        <p:txBody>
-          <a:bodyPr vert="horz" lIns="91440" tIns="45720" rIns="91440" bIns="45720" rtlCol="0" anchor="b">
-            <a:normAutofit/>
-          </a:bodyPr>
-          <a:lstStyle/>
-          <a:p>
-            <a:pPr algn="ctr"/>
-            <a:r>
-              <a:rPr lang="en-US" sz="5400" dirty="0">
-                <a:solidFill>
-                  <a:srgbClr val="FFFFFF"/>
-                </a:solidFill>
-              </a:rPr>
-              <a:t>Acting?</a:t>
-            </a:r>
-          </a:p>
-        </p:txBody>
-      </p:sp>
-      <p:cxnSp>
-        <p:nvCxnSpPr>
-          <p:cNvPr id="14" name="Straight Connector 13">
-            <a:extLst>
-              <a:ext uri="{FF2B5EF4-FFF2-40B4-BE49-F238E27FC236}">
-                <a16:creationId xmlns:a16="http://schemas.microsoft.com/office/drawing/2014/main" id="{7E7C77BC-7138-40B1-A15B-20F57A494629}"/>
-              </a:ext>
-              <a:ext uri="{C183D7F6-B498-43B3-948B-1728B52AA6E4}">
-                <adec:decorative xmlns:adec="http://schemas.microsoft.com/office/drawing/2017/decorative" val="1"/>
-              </a:ext>
-            </a:extLst>
-          </p:cNvPr>
-          <p:cNvCxnSpPr>
-            <a:cxnSpLocks noGrp="1" noRot="1" noChangeAspect="1" noMove="1" noResize="1" noEditPoints="1" noAdjustHandles="1" noChangeArrowheads="1" noChangeShapeType="1"/>
-          </p:cNvCxnSpPr>
-          <p:nvPr>
-            <p:extLst>
-              <p:ext uri="{386F3935-93C4-4BCD-93E2-E3B085C9AB24}">
-                <p16:designElem xmlns:p16="http://schemas.microsoft.com/office/powerpoint/2015/main" val="1"/>
-              </p:ext>
-            </p:extLst>
-          </p:nvPr>
-        </p:nvCxnSpPr>
-        <p:spPr>
-          <a:xfrm>
-            <a:off x="2230078" y="1522292"/>
-            <a:ext cx="7772400" cy="0"/>
-          </a:xfrm>
-          <a:prstGeom prst="line">
-            <a:avLst/>
-          </a:prstGeom>
-          <a:ln w="22225">
-            <a:solidFill>
-              <a:srgbClr val="D9D9D9"/>
-            </a:solidFill>
-          </a:ln>
-        </p:spPr>
-        <p:style>
-          <a:lnRef idx="1">
-            <a:schemeClr val="accent1"/>
-          </a:lnRef>
-          <a:fillRef idx="0">
-            <a:schemeClr val="accent1"/>
-          </a:fillRef>
-          <a:effectRef idx="0">
-            <a:schemeClr val="accent1"/>
-          </a:effectRef>
-          <a:fontRef idx="minor">
-            <a:schemeClr val="tx1"/>
-          </a:fontRef>
-        </p:style>
-      </p:cxnSp>
-      <p:pic>
-        <p:nvPicPr>
-          <p:cNvPr id="5" name="Content Placeholder 4" descr="A picture containing text, doll, toy, posing&#10;&#10;Description automatically generated">
-            <a:extLst>
-              <a:ext uri="{FF2B5EF4-FFF2-40B4-BE49-F238E27FC236}">
-                <a16:creationId xmlns:a16="http://schemas.microsoft.com/office/drawing/2014/main" id="{64DCEABF-B5DE-4B7F-82B7-BE88A100E08B}"/>
-              </a:ext>
-            </a:extLst>
-          </p:cNvPr>
-          <p:cNvPicPr>
-            <a:picLocks noGrp="1" noChangeAspect="1"/>
-          </p:cNvPicPr>
-          <p:nvPr>
-            <p:ph idx="1"/>
-          </p:nvPr>
-        </p:nvPicPr>
-        <p:blipFill>
-          <a:blip r:embed="rId2">
-            <a:extLst>
-              <a:ext uri="{28A0092B-C50C-407E-A947-70E740481C1C}">
-                <a14:useLocalDpi xmlns:a14="http://schemas.microsoft.com/office/drawing/2010/main" val="0"/>
-              </a:ext>
-            </a:extLst>
-          </a:blip>
-          <a:stretch>
-            <a:fillRect/>
-          </a:stretch>
-        </p:blipFill>
-        <p:spPr>
-          <a:xfrm>
-            <a:off x="1700329" y="2426818"/>
-            <a:ext cx="2718393" cy="3997637"/>
-          </a:xfrm>
-          <a:prstGeom prst="rect">
-            <a:avLst/>
-          </a:prstGeom>
-        </p:spPr>
-      </p:pic>
-      <p:cxnSp>
-        <p:nvCxnSpPr>
-          <p:cNvPr id="16" name="Straight Connector 15">
-            <a:extLst>
-              <a:ext uri="{FF2B5EF4-FFF2-40B4-BE49-F238E27FC236}">
-                <a16:creationId xmlns:a16="http://schemas.microsoft.com/office/drawing/2014/main" id="{DB146403-F3D6-484B-B2ED-97F9565D0370}"/>
-              </a:ext>
-              <a:ext uri="{C183D7F6-B498-43B3-948B-1728B52AA6E4}">
-                <adec:decorative xmlns:adec="http://schemas.microsoft.com/office/drawing/2017/decorative" val="1"/>
-              </a:ext>
-            </a:extLst>
-          </p:cNvPr>
-          <p:cNvCxnSpPr>
-            <a:cxnSpLocks noGrp="1" noRot="1" noChangeAspect="1" noMove="1" noResize="1" noEditPoints="1" noAdjustHandles="1" noChangeArrowheads="1" noChangeShapeType="1"/>
-          </p:cNvCxnSpPr>
-          <p:nvPr>
-            <p:extLst>
-              <p:ext uri="{386F3935-93C4-4BCD-93E2-E3B085C9AB24}">
-                <p16:designElem xmlns:p16="http://schemas.microsoft.com/office/powerpoint/2015/main" val="1"/>
-              </p:ext>
-            </p:extLst>
-          </p:nvPr>
-        </p:nvCxnSpPr>
-        <p:spPr>
-          <a:xfrm>
-            <a:off x="6116278" y="2596836"/>
-            <a:ext cx="0" cy="3657600"/>
-          </a:xfrm>
-          <a:prstGeom prst="line">
-            <a:avLst/>
-          </a:prstGeom>
-          <a:ln w="101600" cmpd="dbl">
-            <a:solidFill>
-              <a:srgbClr val="595959"/>
-            </a:solidFill>
-          </a:ln>
-        </p:spPr>
-        <p:style>
-          <a:lnRef idx="1">
-            <a:schemeClr val="accent1"/>
-          </a:lnRef>
-          <a:fillRef idx="0">
-            <a:schemeClr val="accent1"/>
-          </a:fillRef>
-          <a:effectRef idx="0">
-            <a:schemeClr val="accent1"/>
-          </a:effectRef>
-          <a:fontRef idx="minor">
-            <a:schemeClr val="tx1"/>
-          </a:fontRef>
-        </p:style>
-      </p:cxnSp>
-      <p:pic>
-        <p:nvPicPr>
-          <p:cNvPr id="7" name="Picture 6" descr="A picture containing text, dish&#10;&#10;Description automatically generated">
-            <a:extLst>
-              <a:ext uri="{FF2B5EF4-FFF2-40B4-BE49-F238E27FC236}">
-                <a16:creationId xmlns:a16="http://schemas.microsoft.com/office/drawing/2014/main" id="{31B90403-F070-479C-AD9C-E8E956DADE52}"/>
-              </a:ext>
-            </a:extLst>
-          </p:cNvPr>
-          <p:cNvPicPr>
-            <a:picLocks noChangeAspect="1"/>
-          </p:cNvPicPr>
-          <p:nvPr/>
-        </p:nvPicPr>
-        <p:blipFill>
-          <a:blip r:embed="rId3">
-            <a:extLst>
-              <a:ext uri="{28A0092B-C50C-407E-A947-70E740481C1C}">
-                <a14:useLocalDpi xmlns:a14="http://schemas.microsoft.com/office/drawing/2010/main" val="0"/>
-              </a:ext>
-            </a:extLst>
-          </a:blip>
-          <a:stretch>
-            <a:fillRect/>
-          </a:stretch>
-        </p:blipFill>
-        <p:spPr>
-          <a:xfrm>
-            <a:off x="7174213" y="2426818"/>
-            <a:ext cx="3997637" cy="3997637"/>
-          </a:xfrm>
-          <a:prstGeom prst="rect">
-            <a:avLst/>
-          </a:prstGeom>
-        </p:spPr>
-      </p:pic>
-    </p:spTree>
-    <p:extLst>
-      <p:ext uri="{BB962C8B-B14F-4D97-AF65-F5344CB8AC3E}">
-        <p14:creationId xmlns:p14="http://schemas.microsoft.com/office/powerpoint/2010/main" val="2305588479"/>
-      </p:ext>
-    </p:extLst>
-  </p:cSld>
-  <p:clrMapOvr>
-    <a:masterClrMapping/>
-  </p:clrMapOvr>
-</p:sld>
-</file>
-
-<file path=ppt/slides/slide11.xml><?xml version="1.0" encoding="utf-8"?>
-<p:sld xmlns:a="http://schemas.openxmlformats.org/drawingml/2006/main" xmlns:r="http://schemas.openxmlformats.org/officeDocument/2006/relationships" xmlns:p="http://schemas.openxmlformats.org/presentationml/2006/main">
-  <p:cSld>
-    <p:bg>
-      <p:bgPr>
-        <a:solidFill>
-          <a:schemeClr val="bg1"/>
-        </a:solidFill>
-        <a:effectLst/>
-      </p:bgPr>
-    </p:bg>
-    <p:spTree>
-      <p:nvGrpSpPr>
-        <p:cNvPr id="1" name=""/>
-        <p:cNvGrpSpPr/>
-        <p:nvPr/>
-      </p:nvGrpSpPr>
-      <p:grpSpPr>
-        <a:xfrm>
-          <a:off x="0" y="0"/>
-          <a:ext cx="0" cy="0"/>
-          <a:chOff x="0" y="0"/>
-          <a:chExt cx="0" cy="0"/>
-        </a:xfrm>
-      </p:grpSpPr>
-      <p:sp>
-        <p:nvSpPr>
-          <p:cNvPr id="38" name="Down Arrow 7">
-            <a:extLst>
-              <a:ext uri="{FF2B5EF4-FFF2-40B4-BE49-F238E27FC236}">
-                <a16:creationId xmlns:a16="http://schemas.microsoft.com/office/drawing/2014/main" id="{D4771268-CB57-404A-9271-370EB28F6090}"/>
-              </a:ext>
-              <a:ext uri="{C183D7F6-B498-43B3-948B-1728B52AA6E4}">
-                <adec:decorative xmlns:adec="http://schemas.microsoft.com/office/drawing/2017/decorative" val="1"/>
-              </a:ext>
-            </a:extLst>
-          </p:cNvPr>
-          <p:cNvSpPr>
-            <a:spLocks noGrp="1" noRot="1" noChangeAspect="1" noMove="1" noResize="1" noEditPoints="1" noAdjustHandles="1" noChangeArrowheads="1" noChangeShapeType="1" noTextEdit="1"/>
-          </p:cNvSpPr>
-          <p:nvPr>
-            <p:extLst>
-              <p:ext uri="{386F3935-93C4-4BCD-93E2-E3B085C9AB24}">
-                <p16:designElem xmlns:p16="http://schemas.microsoft.com/office/powerpoint/2015/main" val="1"/>
-              </p:ext>
-            </p:extLst>
-          </p:nvPr>
-        </p:nvSpPr>
-        <p:spPr>
-          <a:xfrm rot="16200000">
-            <a:off x="800100" y="1491343"/>
-            <a:ext cx="3333749" cy="3499103"/>
-          </a:xfrm>
-          <a:prstGeom prst="downArrow">
-            <a:avLst>
-              <a:gd name="adj1" fmla="val 100000"/>
-              <a:gd name="adj2" fmla="val 15788"/>
-            </a:avLst>
-          </a:prstGeom>
-          <a:solidFill>
-            <a:srgbClr val="404040"/>
-          </a:solidFill>
-          <a:ln w="53975">
-            <a:noFill/>
-          </a:ln>
-        </p:spPr>
-        <p:style>
-          <a:lnRef idx="2">
-            <a:schemeClr val="accent1">
-              <a:shade val="50000"/>
-            </a:schemeClr>
-          </a:lnRef>
-          <a:fillRef idx="1">
-            <a:schemeClr val="accent1"/>
-          </a:fillRef>
-          <a:effectRef idx="0">
-            <a:schemeClr val="accent1"/>
-          </a:effectRef>
-          <a:fontRef idx="minor">
-            <a:schemeClr val="lt1"/>
-          </a:fontRef>
-        </p:style>
-        <p:txBody>
-          <a:bodyPr rtlCol="0" anchor="ctr"/>
-          <a:lstStyle/>
-          <a:p>
-            <a:pPr algn="ctr"/>
-            <a:endParaRPr lang="en-US"/>
-          </a:p>
-        </p:txBody>
-      </p:sp>
-      <p:sp>
-        <p:nvSpPr>
-          <p:cNvPr id="2" name="Title 1">
-            <a:extLst>
-              <a:ext uri="{FF2B5EF4-FFF2-40B4-BE49-F238E27FC236}">
-                <a16:creationId xmlns:a16="http://schemas.microsoft.com/office/drawing/2014/main" id="{ECAE13F9-3DBE-453A-983D-5B5DC6CCD611}"/>
-              </a:ext>
-            </a:extLst>
-          </p:cNvPr>
-          <p:cNvSpPr>
-            <a:spLocks noGrp="1"/>
-          </p:cNvSpPr>
-          <p:nvPr>
-            <p:ph type="title"/>
-          </p:nvPr>
-        </p:nvSpPr>
-        <p:spPr>
-          <a:xfrm>
-            <a:off x="1028700" y="1967266"/>
-            <a:ext cx="2628900" cy="2547257"/>
-          </a:xfrm>
-          <a:noFill/>
-        </p:spPr>
-        <p:txBody>
-          <a:bodyPr vert="horz" lIns="91440" tIns="45720" rIns="91440" bIns="45720" rtlCol="0" anchor="ctr">
-            <a:normAutofit/>
-          </a:bodyPr>
-          <a:lstStyle/>
-          <a:p>
-            <a:pPr algn="ctr"/>
-            <a:r>
-              <a:rPr lang="en-US" sz="3600" kern="1200">
-                <a:solidFill>
-                  <a:srgbClr val="FFFFFF"/>
-                </a:solidFill>
-                <a:latin typeface="+mj-lt"/>
-                <a:ea typeface="+mj-ea"/>
-                <a:cs typeface="+mj-cs"/>
-              </a:rPr>
-              <a:t>So, Who’s The Goat?</a:t>
-            </a:r>
-          </a:p>
-        </p:txBody>
-      </p:sp>
-      <p:pic>
-        <p:nvPicPr>
-          <p:cNvPr id="9" name="Content Placeholder 8" descr="A person in a basketball uniform&#10;&#10;Description automatically generated with low confidence">
-            <a:extLst>
-              <a:ext uri="{FF2B5EF4-FFF2-40B4-BE49-F238E27FC236}">
-                <a16:creationId xmlns:a16="http://schemas.microsoft.com/office/drawing/2014/main" id="{3E8E4695-29ED-4C04-A617-785AF43F529C}"/>
-              </a:ext>
-            </a:extLst>
-          </p:cNvPr>
-          <p:cNvPicPr>
-            <a:picLocks noGrp="1" noChangeAspect="1"/>
-          </p:cNvPicPr>
-          <p:nvPr>
-            <p:ph idx="1"/>
-          </p:nvPr>
-        </p:nvPicPr>
-        <p:blipFill>
-          <a:blip r:embed="rId2">
-            <a:extLst>
-              <a:ext uri="{28A0092B-C50C-407E-A947-70E740481C1C}">
-                <a14:useLocalDpi xmlns:a14="http://schemas.microsoft.com/office/drawing/2010/main" val="0"/>
-              </a:ext>
-            </a:extLst>
-          </a:blip>
-          <a:stretch>
-            <a:fillRect/>
-          </a:stretch>
-        </p:blipFill>
-        <p:spPr>
-          <a:xfrm>
-            <a:off x="4777316" y="885073"/>
-            <a:ext cx="6780700" cy="5085525"/>
-          </a:xfrm>
-          <a:prstGeom prst="rect">
-            <a:avLst/>
-          </a:prstGeom>
-        </p:spPr>
-      </p:pic>
-    </p:spTree>
-    <p:extLst>
-      <p:ext uri="{BB962C8B-B14F-4D97-AF65-F5344CB8AC3E}">
-        <p14:creationId xmlns:p14="http://schemas.microsoft.com/office/powerpoint/2010/main" val="3376271703"/>
       </p:ext>
     </p:extLst>
   </p:cSld>
@@ -12492,142 +11983,6 @@
 <file path=ppt/slides/slide6.xml><?xml version="1.0" encoding="utf-8"?>
 <p:sld xmlns:a="http://schemas.openxmlformats.org/drawingml/2006/main" xmlns:r="http://schemas.openxmlformats.org/officeDocument/2006/relationships" xmlns:p="http://schemas.openxmlformats.org/presentationml/2006/main">
   <p:cSld>
-    <p:spTree>
-      <p:nvGrpSpPr>
-        <p:cNvPr id="1" name=""/>
-        <p:cNvGrpSpPr/>
-        <p:nvPr/>
-      </p:nvGrpSpPr>
-      <p:grpSpPr>
-        <a:xfrm>
-          <a:off x="0" y="0"/>
-          <a:ext cx="0" cy="0"/>
-          <a:chOff x="0" y="0"/>
-          <a:chExt cx="0" cy="0"/>
-        </a:xfrm>
-      </p:grpSpPr>
-      <p:sp>
-        <p:nvSpPr>
-          <p:cNvPr id="2" name="Title 1">
-            <a:extLst>
-              <a:ext uri="{FF2B5EF4-FFF2-40B4-BE49-F238E27FC236}">
-                <a16:creationId xmlns:a16="http://schemas.microsoft.com/office/drawing/2014/main" id="{56F0E6FE-E5DD-4570-AE0E-493E64848572}"/>
-              </a:ext>
-            </a:extLst>
-          </p:cNvPr>
-          <p:cNvSpPr>
-            <a:spLocks noGrp="1"/>
-          </p:cNvSpPr>
-          <p:nvPr>
-            <p:ph type="title"/>
-          </p:nvPr>
-        </p:nvSpPr>
-        <p:spPr/>
-        <p:txBody>
-          <a:bodyPr/>
-          <a:lstStyle/>
-          <a:p>
-            <a:r>
-              <a:rPr lang="en-US" dirty="0"/>
-              <a:t>Michael Jordan Cont.</a:t>
-            </a:r>
-          </a:p>
-        </p:txBody>
-      </p:sp>
-      <p:sp>
-        <p:nvSpPr>
-          <p:cNvPr id="3" name="Content Placeholder 2">
-            <a:extLst>
-              <a:ext uri="{FF2B5EF4-FFF2-40B4-BE49-F238E27FC236}">
-                <a16:creationId xmlns:a16="http://schemas.microsoft.com/office/drawing/2014/main" id="{6B717335-A4DF-47C1-B9E9-262B05601D9F}"/>
-              </a:ext>
-            </a:extLst>
-          </p:cNvPr>
-          <p:cNvSpPr>
-            <a:spLocks noGrp="1"/>
-          </p:cNvSpPr>
-          <p:nvPr>
-            <p:ph idx="1"/>
-          </p:nvPr>
-        </p:nvSpPr>
-        <p:spPr/>
-        <p:txBody>
-          <a:bodyPr>
-            <a:normAutofit fontScale="92500" lnSpcReduction="10000"/>
-          </a:bodyPr>
-          <a:lstStyle/>
-          <a:p>
-            <a:r>
-              <a:rPr lang="en-US" dirty="0"/>
-              <a:t>NBA Rookie of the Year</a:t>
-            </a:r>
-          </a:p>
-          <a:p>
-            <a:r>
-              <a:rPr lang="en-US" dirty="0"/>
-              <a:t>10x NBA scoring leader</a:t>
-            </a:r>
-          </a:p>
-          <a:p>
-            <a:r>
-              <a:rPr lang="en-US" dirty="0"/>
-              <a:t>3x NBA All-Star Game MVP</a:t>
-            </a:r>
-          </a:p>
-          <a:p>
-            <a:r>
-              <a:rPr lang="en-US" dirty="0"/>
-              <a:t>10x All-NBA First Team</a:t>
-            </a:r>
-          </a:p>
-          <a:p>
-            <a:r>
-              <a:rPr lang="en-US" dirty="0"/>
-              <a:t>9x NBA All-Defensive First Team</a:t>
-            </a:r>
-          </a:p>
-          <a:p>
-            <a:r>
-              <a:rPr lang="en-US" dirty="0"/>
-              <a:t>2x NBA Slam Dunk Contest Champion</a:t>
-            </a:r>
-          </a:p>
-          <a:p>
-            <a:r>
-              <a:rPr lang="en-US" dirty="0"/>
-              <a:t>Current partial owner of the Charlotte Hornets</a:t>
-            </a:r>
-          </a:p>
-          <a:p>
-            <a:r>
-              <a:rPr lang="en-US" dirty="0"/>
-              <a:t>Class of 2019 Hall of Fame</a:t>
-            </a:r>
-          </a:p>
-          <a:p>
-            <a:r>
-              <a:rPr lang="en-US" dirty="0"/>
-              <a:t>At the end of 2019, it was estimated that the Nike Air Jordan brand was worth 3bn dollars</a:t>
-            </a:r>
-          </a:p>
-        </p:txBody>
-      </p:sp>
-    </p:spTree>
-    <p:extLst>
-      <p:ext uri="{BB962C8B-B14F-4D97-AF65-F5344CB8AC3E}">
-        <p14:creationId xmlns:p14="http://schemas.microsoft.com/office/powerpoint/2010/main" val="1817447329"/>
-      </p:ext>
-    </p:extLst>
-  </p:cSld>
-  <p:clrMapOvr>
-    <a:masterClrMapping/>
-  </p:clrMapOvr>
-</p:sld>
-</file>
-
-<file path=ppt/slides/slide7.xml><?xml version="1.0" encoding="utf-8"?>
-<p:sld xmlns:a="http://schemas.openxmlformats.org/drawingml/2006/main" xmlns:r="http://schemas.openxmlformats.org/officeDocument/2006/relationships" xmlns:p="http://schemas.openxmlformats.org/presentationml/2006/main">
-  <p:cSld>
     <p:bg>
       <p:bgPr>
         <a:solidFill>
@@ -13262,124 +12617,7 @@
 </p:sld>
 </file>
 
-<file path=ppt/slides/slide8.xml><?xml version="1.0" encoding="utf-8"?>
-<p:sld xmlns:a="http://schemas.openxmlformats.org/drawingml/2006/main" xmlns:r="http://schemas.openxmlformats.org/officeDocument/2006/relationships" xmlns:p="http://schemas.openxmlformats.org/presentationml/2006/main">
-  <p:cSld>
-    <p:spTree>
-      <p:nvGrpSpPr>
-        <p:cNvPr id="1" name=""/>
-        <p:cNvGrpSpPr/>
-        <p:nvPr/>
-      </p:nvGrpSpPr>
-      <p:grpSpPr>
-        <a:xfrm>
-          <a:off x="0" y="0"/>
-          <a:ext cx="0" cy="0"/>
-          <a:chOff x="0" y="0"/>
-          <a:chExt cx="0" cy="0"/>
-        </a:xfrm>
-      </p:grpSpPr>
-      <p:sp>
-        <p:nvSpPr>
-          <p:cNvPr id="2" name="Title 1">
-            <a:extLst>
-              <a:ext uri="{FF2B5EF4-FFF2-40B4-BE49-F238E27FC236}">
-                <a16:creationId xmlns:a16="http://schemas.microsoft.com/office/drawing/2014/main" id="{2BD9FDD1-9B6E-4080-B7C1-DD55AD3B0DFB}"/>
-              </a:ext>
-            </a:extLst>
-          </p:cNvPr>
-          <p:cNvSpPr>
-            <a:spLocks noGrp="1"/>
-          </p:cNvSpPr>
-          <p:nvPr>
-            <p:ph type="title"/>
-          </p:nvPr>
-        </p:nvSpPr>
-        <p:spPr/>
-        <p:txBody>
-          <a:bodyPr/>
-          <a:lstStyle/>
-          <a:p>
-            <a:r>
-              <a:rPr lang="en-US" dirty="0"/>
-              <a:t>LeBron James Cont.</a:t>
-            </a:r>
-          </a:p>
-        </p:txBody>
-      </p:sp>
-      <p:sp>
-        <p:nvSpPr>
-          <p:cNvPr id="3" name="Content Placeholder 2">
-            <a:extLst>
-              <a:ext uri="{FF2B5EF4-FFF2-40B4-BE49-F238E27FC236}">
-                <a16:creationId xmlns:a16="http://schemas.microsoft.com/office/drawing/2014/main" id="{1BE4F303-55D7-4D8A-9DF1-A398D1D805BE}"/>
-              </a:ext>
-            </a:extLst>
-          </p:cNvPr>
-          <p:cNvSpPr>
-            <a:spLocks noGrp="1"/>
-          </p:cNvSpPr>
-          <p:nvPr>
-            <p:ph idx="1"/>
-          </p:nvPr>
-        </p:nvSpPr>
-        <p:spPr/>
-        <p:txBody>
-          <a:bodyPr/>
-          <a:lstStyle/>
-          <a:p>
-            <a:r>
-              <a:rPr lang="en-US" dirty="0"/>
-              <a:t>NBA scoring leader in 2008</a:t>
-            </a:r>
-          </a:p>
-          <a:p>
-            <a:r>
-              <a:rPr lang="en-US" dirty="0"/>
-              <a:t>NBA assists leader in 2020</a:t>
-            </a:r>
-          </a:p>
-          <a:p>
-            <a:r>
-              <a:rPr lang="en-US" dirty="0"/>
-              <a:t>3x NBA minutes Leader.</a:t>
-            </a:r>
-          </a:p>
-          <a:p>
-            <a:r>
-              <a:rPr lang="en-US" dirty="0"/>
-              <a:t>Charity</a:t>
-            </a:r>
-          </a:p>
-          <a:p>
-            <a:pPr lvl="1"/>
-            <a:r>
-              <a:rPr lang="en-US" dirty="0"/>
-              <a:t>Through its I PROMISE program, the foundation serves more than 1,400 Akron-area students by providing them with the programs, support, and mentors they need to succeed in school and beyond.</a:t>
-            </a:r>
-          </a:p>
-          <a:p>
-            <a:r>
-              <a:rPr lang="en-US" dirty="0"/>
-              <a:t>https://www.lebronjamesfamilyfoundation.org/</a:t>
-            </a:r>
-          </a:p>
-        </p:txBody>
-      </p:sp>
-    </p:spTree>
-    <p:extLst>
-      <p:ext uri="{BB962C8B-B14F-4D97-AF65-F5344CB8AC3E}">
-        <p14:creationId xmlns:p14="http://schemas.microsoft.com/office/powerpoint/2010/main" val="3222413101"/>
-      </p:ext>
-    </p:extLst>
-  </p:cSld>
-  <p:clrMapOvr>
-    <a:masterClrMapping/>
-  </p:clrMapOvr>
-</p:sld>
-</file>
-
-<file path=ppt/slides/slide9.xml><?xml version="1.0" encoding="utf-8"?>
+<file path=ppt/slides/slide7.xml><?xml version="1.0" encoding="utf-8"?>
 <p:sld xmlns:a="http://schemas.openxmlformats.org/drawingml/2006/main" xmlns:r="http://schemas.openxmlformats.org/officeDocument/2006/relationships" xmlns:p="http://schemas.openxmlformats.org/presentationml/2006/main">
   <p:cSld>
     <p:bg>
@@ -14013,6 +13251,513 @@
 </p:sld>
 </file>
 
+<file path=ppt/slides/slide8.xml><?xml version="1.0" encoding="utf-8"?>
+<p:sld xmlns:a="http://schemas.openxmlformats.org/drawingml/2006/main" xmlns:r="http://schemas.openxmlformats.org/officeDocument/2006/relationships" xmlns:p="http://schemas.openxmlformats.org/presentationml/2006/main">
+  <p:cSld>
+    <p:bg>
+      <p:bgPr>
+        <a:solidFill>
+          <a:schemeClr val="bg1"/>
+        </a:solidFill>
+        <a:effectLst/>
+      </p:bgPr>
+    </p:bg>
+    <p:spTree>
+      <p:nvGrpSpPr>
+        <p:cNvPr id="1" name=""/>
+        <p:cNvGrpSpPr/>
+        <p:nvPr/>
+      </p:nvGrpSpPr>
+      <p:grpSpPr>
+        <a:xfrm>
+          <a:off x="0" y="0"/>
+          <a:ext cx="0" cy="0"/>
+          <a:chOff x="0" y="0"/>
+          <a:chExt cx="0" cy="0"/>
+        </a:xfrm>
+      </p:grpSpPr>
+      <p:sp>
+        <p:nvSpPr>
+          <p:cNvPr id="12" name="Rectangle 11">
+            <a:extLst>
+              <a:ext uri="{FF2B5EF4-FFF2-40B4-BE49-F238E27FC236}">
+                <a16:creationId xmlns:a16="http://schemas.microsoft.com/office/drawing/2014/main" id="{823AC064-BC96-4F32-8AE1-B2FD38754823}"/>
+              </a:ext>
+              <a:ext uri="{C183D7F6-B498-43B3-948B-1728B52AA6E4}">
+                <adec:decorative xmlns:adec="http://schemas.microsoft.com/office/drawing/2017/decorative" val="1"/>
+              </a:ext>
+            </a:extLst>
+          </p:cNvPr>
+          <p:cNvSpPr>
+            <a:spLocks noGrp="1" noRot="1" noChangeAspect="1" noMove="1" noResize="1" noEditPoints="1" noAdjustHandles="1" noChangeArrowheads="1" noChangeShapeType="1" noTextEdit="1"/>
+          </p:cNvSpPr>
+          <p:nvPr>
+            <p:extLst>
+              <p:ext uri="{386F3935-93C4-4BCD-93E2-E3B085C9AB24}">
+                <p16:designElem xmlns:p16="http://schemas.microsoft.com/office/powerpoint/2015/main" val="1"/>
+              </p:ext>
+            </p:extLst>
+          </p:nvPr>
+        </p:nvSpPr>
+        <p:spPr bwMode="ltGray">
+          <a:xfrm>
+            <a:off x="396882" y="280374"/>
+            <a:ext cx="11438793" cy="1844256"/>
+          </a:xfrm>
+          <a:prstGeom prst="rect">
+            <a:avLst/>
+          </a:prstGeom>
+          <a:solidFill>
+            <a:srgbClr val="404040"/>
+          </a:solidFill>
+          <a:ln w="127000" cap="sq" cmpd="thinThick">
+            <a:solidFill>
+              <a:srgbClr val="404040"/>
+            </a:solidFill>
+          </a:ln>
+        </p:spPr>
+        <p:style>
+          <a:lnRef idx="2">
+            <a:schemeClr val="accent1">
+              <a:shade val="50000"/>
+            </a:schemeClr>
+          </a:lnRef>
+          <a:fillRef idx="1">
+            <a:schemeClr val="accent1"/>
+          </a:fillRef>
+          <a:effectRef idx="0">
+            <a:schemeClr val="accent1"/>
+          </a:effectRef>
+          <a:fontRef idx="minor">
+            <a:schemeClr val="lt1"/>
+          </a:fontRef>
+        </p:style>
+        <p:txBody>
+          <a:bodyPr rtlCol="0" anchor="ctr"/>
+          <a:lstStyle/>
+          <a:p>
+            <a:pPr algn="ctr"/>
+            <a:endParaRPr lang="en-US"/>
+          </a:p>
+        </p:txBody>
+      </p:sp>
+      <p:sp>
+        <p:nvSpPr>
+          <p:cNvPr id="2" name="Title 1">
+            <a:extLst>
+              <a:ext uri="{FF2B5EF4-FFF2-40B4-BE49-F238E27FC236}">
+                <a16:creationId xmlns:a16="http://schemas.microsoft.com/office/drawing/2014/main" id="{AD5BE9D1-441C-4FAF-9CA2-4F67A92491C2}"/>
+              </a:ext>
+            </a:extLst>
+          </p:cNvPr>
+          <p:cNvSpPr>
+            <a:spLocks noGrp="1"/>
+          </p:cNvSpPr>
+          <p:nvPr>
+            <p:ph type="title"/>
+          </p:nvPr>
+        </p:nvSpPr>
+        <p:spPr>
+          <a:xfrm>
+            <a:off x="546351" y="433545"/>
+            <a:ext cx="11139854" cy="930447"/>
+          </a:xfrm>
+        </p:spPr>
+        <p:txBody>
+          <a:bodyPr vert="horz" lIns="91440" tIns="45720" rIns="91440" bIns="45720" rtlCol="0" anchor="b">
+            <a:normAutofit/>
+          </a:bodyPr>
+          <a:lstStyle/>
+          <a:p>
+            <a:pPr algn="ctr"/>
+            <a:r>
+              <a:rPr lang="en-US" sz="5400" dirty="0">
+                <a:solidFill>
+                  <a:srgbClr val="FFFFFF"/>
+                </a:solidFill>
+              </a:rPr>
+              <a:t>Acting?</a:t>
+            </a:r>
+          </a:p>
+        </p:txBody>
+      </p:sp>
+      <p:cxnSp>
+        <p:nvCxnSpPr>
+          <p:cNvPr id="14" name="Straight Connector 13">
+            <a:extLst>
+              <a:ext uri="{FF2B5EF4-FFF2-40B4-BE49-F238E27FC236}">
+                <a16:creationId xmlns:a16="http://schemas.microsoft.com/office/drawing/2014/main" id="{7E7C77BC-7138-40B1-A15B-20F57A494629}"/>
+              </a:ext>
+              <a:ext uri="{C183D7F6-B498-43B3-948B-1728B52AA6E4}">
+                <adec:decorative xmlns:adec="http://schemas.microsoft.com/office/drawing/2017/decorative" val="1"/>
+              </a:ext>
+            </a:extLst>
+          </p:cNvPr>
+          <p:cNvCxnSpPr>
+            <a:cxnSpLocks noGrp="1" noRot="1" noChangeAspect="1" noMove="1" noResize="1" noEditPoints="1" noAdjustHandles="1" noChangeArrowheads="1" noChangeShapeType="1"/>
+          </p:cNvCxnSpPr>
+          <p:nvPr>
+            <p:extLst>
+              <p:ext uri="{386F3935-93C4-4BCD-93E2-E3B085C9AB24}">
+                <p16:designElem xmlns:p16="http://schemas.microsoft.com/office/powerpoint/2015/main" val="1"/>
+              </p:ext>
+            </p:extLst>
+          </p:nvPr>
+        </p:nvCxnSpPr>
+        <p:spPr>
+          <a:xfrm>
+            <a:off x="2230078" y="1522292"/>
+            <a:ext cx="7772400" cy="0"/>
+          </a:xfrm>
+          <a:prstGeom prst="line">
+            <a:avLst/>
+          </a:prstGeom>
+          <a:ln w="22225">
+            <a:solidFill>
+              <a:srgbClr val="D9D9D9"/>
+            </a:solidFill>
+          </a:ln>
+        </p:spPr>
+        <p:style>
+          <a:lnRef idx="1">
+            <a:schemeClr val="accent1"/>
+          </a:lnRef>
+          <a:fillRef idx="0">
+            <a:schemeClr val="accent1"/>
+          </a:fillRef>
+          <a:effectRef idx="0">
+            <a:schemeClr val="accent1"/>
+          </a:effectRef>
+          <a:fontRef idx="minor">
+            <a:schemeClr val="tx1"/>
+          </a:fontRef>
+        </p:style>
+      </p:cxnSp>
+      <p:pic>
+        <p:nvPicPr>
+          <p:cNvPr id="5" name="Content Placeholder 4" descr="A picture containing text, doll, toy, posing&#10;&#10;Description automatically generated">
+            <a:extLst>
+              <a:ext uri="{FF2B5EF4-FFF2-40B4-BE49-F238E27FC236}">
+                <a16:creationId xmlns:a16="http://schemas.microsoft.com/office/drawing/2014/main" id="{64DCEABF-B5DE-4B7F-82B7-BE88A100E08B}"/>
+              </a:ext>
+            </a:extLst>
+          </p:cNvPr>
+          <p:cNvPicPr>
+            <a:picLocks noGrp="1" noChangeAspect="1"/>
+          </p:cNvPicPr>
+          <p:nvPr>
+            <p:ph idx="1"/>
+          </p:nvPr>
+        </p:nvPicPr>
+        <p:blipFill>
+          <a:blip r:embed="rId2">
+            <a:extLst>
+              <a:ext uri="{28A0092B-C50C-407E-A947-70E740481C1C}">
+                <a14:useLocalDpi xmlns:a14="http://schemas.microsoft.com/office/drawing/2010/main" val="0"/>
+              </a:ext>
+            </a:extLst>
+          </a:blip>
+          <a:stretch>
+            <a:fillRect/>
+          </a:stretch>
+        </p:blipFill>
+        <p:spPr>
+          <a:xfrm>
+            <a:off x="1700329" y="2426818"/>
+            <a:ext cx="2718393" cy="3997637"/>
+          </a:xfrm>
+          <a:prstGeom prst="rect">
+            <a:avLst/>
+          </a:prstGeom>
+        </p:spPr>
+      </p:pic>
+      <p:cxnSp>
+        <p:nvCxnSpPr>
+          <p:cNvPr id="16" name="Straight Connector 15">
+            <a:extLst>
+              <a:ext uri="{FF2B5EF4-FFF2-40B4-BE49-F238E27FC236}">
+                <a16:creationId xmlns:a16="http://schemas.microsoft.com/office/drawing/2014/main" id="{DB146403-F3D6-484B-B2ED-97F9565D0370}"/>
+              </a:ext>
+              <a:ext uri="{C183D7F6-B498-43B3-948B-1728B52AA6E4}">
+                <adec:decorative xmlns:adec="http://schemas.microsoft.com/office/drawing/2017/decorative" val="1"/>
+              </a:ext>
+            </a:extLst>
+          </p:cNvPr>
+          <p:cNvCxnSpPr>
+            <a:cxnSpLocks noGrp="1" noRot="1" noChangeAspect="1" noMove="1" noResize="1" noEditPoints="1" noAdjustHandles="1" noChangeArrowheads="1" noChangeShapeType="1"/>
+          </p:cNvCxnSpPr>
+          <p:nvPr>
+            <p:extLst>
+              <p:ext uri="{386F3935-93C4-4BCD-93E2-E3B085C9AB24}">
+                <p16:designElem xmlns:p16="http://schemas.microsoft.com/office/powerpoint/2015/main" val="1"/>
+              </p:ext>
+            </p:extLst>
+          </p:nvPr>
+        </p:nvCxnSpPr>
+        <p:spPr>
+          <a:xfrm>
+            <a:off x="6116278" y="2596836"/>
+            <a:ext cx="0" cy="3657600"/>
+          </a:xfrm>
+          <a:prstGeom prst="line">
+            <a:avLst/>
+          </a:prstGeom>
+          <a:ln w="101600" cmpd="dbl">
+            <a:solidFill>
+              <a:srgbClr val="595959"/>
+            </a:solidFill>
+          </a:ln>
+        </p:spPr>
+        <p:style>
+          <a:lnRef idx="1">
+            <a:schemeClr val="accent1"/>
+          </a:lnRef>
+          <a:fillRef idx="0">
+            <a:schemeClr val="accent1"/>
+          </a:fillRef>
+          <a:effectRef idx="0">
+            <a:schemeClr val="accent1"/>
+          </a:effectRef>
+          <a:fontRef idx="minor">
+            <a:schemeClr val="tx1"/>
+          </a:fontRef>
+        </p:style>
+      </p:cxnSp>
+      <p:pic>
+        <p:nvPicPr>
+          <p:cNvPr id="7" name="Picture 6" descr="A picture containing text, dish&#10;&#10;Description automatically generated">
+            <a:extLst>
+              <a:ext uri="{FF2B5EF4-FFF2-40B4-BE49-F238E27FC236}">
+                <a16:creationId xmlns:a16="http://schemas.microsoft.com/office/drawing/2014/main" id="{31B90403-F070-479C-AD9C-E8E956DADE52}"/>
+              </a:ext>
+            </a:extLst>
+          </p:cNvPr>
+          <p:cNvPicPr>
+            <a:picLocks noChangeAspect="1"/>
+          </p:cNvPicPr>
+          <p:nvPr/>
+        </p:nvPicPr>
+        <p:blipFill>
+          <a:blip r:embed="rId3">
+            <a:extLst>
+              <a:ext uri="{28A0092B-C50C-407E-A947-70E740481C1C}">
+                <a14:useLocalDpi xmlns:a14="http://schemas.microsoft.com/office/drawing/2010/main" val="0"/>
+              </a:ext>
+            </a:extLst>
+          </a:blip>
+          <a:stretch>
+            <a:fillRect/>
+          </a:stretch>
+        </p:blipFill>
+        <p:spPr>
+          <a:xfrm>
+            <a:off x="7174213" y="2426818"/>
+            <a:ext cx="3997637" cy="3997637"/>
+          </a:xfrm>
+          <a:prstGeom prst="rect">
+            <a:avLst/>
+          </a:prstGeom>
+        </p:spPr>
+      </p:pic>
+    </p:spTree>
+    <p:extLst>
+      <p:ext uri="{BB962C8B-B14F-4D97-AF65-F5344CB8AC3E}">
+        <p14:creationId xmlns:p14="http://schemas.microsoft.com/office/powerpoint/2010/main" val="2305588479"/>
+      </p:ext>
+    </p:extLst>
+  </p:cSld>
+  <p:clrMapOvr>
+    <a:masterClrMapping/>
+  </p:clrMapOvr>
+</p:sld>
+</file>
+
+<file path=ppt/slides/slide9.xml><?xml version="1.0" encoding="utf-8"?>
+<p:sld xmlns:a="http://schemas.openxmlformats.org/drawingml/2006/main" xmlns:r="http://schemas.openxmlformats.org/officeDocument/2006/relationships" xmlns:p="http://schemas.openxmlformats.org/presentationml/2006/main">
+  <p:cSld>
+    <p:bg>
+      <p:bgPr>
+        <a:solidFill>
+          <a:schemeClr val="bg1"/>
+        </a:solidFill>
+        <a:effectLst/>
+      </p:bgPr>
+    </p:bg>
+    <p:spTree>
+      <p:nvGrpSpPr>
+        <p:cNvPr id="1" name=""/>
+        <p:cNvGrpSpPr/>
+        <p:nvPr/>
+      </p:nvGrpSpPr>
+      <p:grpSpPr>
+        <a:xfrm>
+          <a:off x="0" y="0"/>
+          <a:ext cx="0" cy="0"/>
+          <a:chOff x="0" y="0"/>
+          <a:chExt cx="0" cy="0"/>
+        </a:xfrm>
+      </p:grpSpPr>
+      <p:sp>
+        <p:nvSpPr>
+          <p:cNvPr id="38" name="Down Arrow 7">
+            <a:extLst>
+              <a:ext uri="{FF2B5EF4-FFF2-40B4-BE49-F238E27FC236}">
+                <a16:creationId xmlns:a16="http://schemas.microsoft.com/office/drawing/2014/main" id="{D4771268-CB57-404A-9271-370EB28F6090}"/>
+              </a:ext>
+              <a:ext uri="{C183D7F6-B498-43B3-948B-1728B52AA6E4}">
+                <adec:decorative xmlns:adec="http://schemas.microsoft.com/office/drawing/2017/decorative" val="1"/>
+              </a:ext>
+            </a:extLst>
+          </p:cNvPr>
+          <p:cNvSpPr>
+            <a:spLocks noGrp="1" noRot="1" noChangeAspect="1" noMove="1" noResize="1" noEditPoints="1" noAdjustHandles="1" noChangeArrowheads="1" noChangeShapeType="1" noTextEdit="1"/>
+          </p:cNvSpPr>
+          <p:nvPr>
+            <p:extLst>
+              <p:ext uri="{386F3935-93C4-4BCD-93E2-E3B085C9AB24}">
+                <p16:designElem xmlns:p16="http://schemas.microsoft.com/office/powerpoint/2015/main" val="1"/>
+              </p:ext>
+            </p:extLst>
+          </p:nvPr>
+        </p:nvSpPr>
+        <p:spPr>
+          <a:xfrm rot="16200000">
+            <a:off x="800100" y="1491343"/>
+            <a:ext cx="3333749" cy="3499103"/>
+          </a:xfrm>
+          <a:prstGeom prst="downArrow">
+            <a:avLst>
+              <a:gd name="adj1" fmla="val 100000"/>
+              <a:gd name="adj2" fmla="val 15788"/>
+            </a:avLst>
+          </a:prstGeom>
+          <a:solidFill>
+            <a:srgbClr val="404040"/>
+          </a:solidFill>
+          <a:ln w="53975">
+            <a:noFill/>
+          </a:ln>
+        </p:spPr>
+        <p:style>
+          <a:lnRef idx="2">
+            <a:schemeClr val="accent1">
+              <a:shade val="50000"/>
+            </a:schemeClr>
+          </a:lnRef>
+          <a:fillRef idx="1">
+            <a:schemeClr val="accent1"/>
+          </a:fillRef>
+          <a:effectRef idx="0">
+            <a:schemeClr val="accent1"/>
+          </a:effectRef>
+          <a:fontRef idx="minor">
+            <a:schemeClr val="lt1"/>
+          </a:fontRef>
+        </p:style>
+        <p:txBody>
+          <a:bodyPr rtlCol="0" anchor="ctr"/>
+          <a:lstStyle/>
+          <a:p>
+            <a:pPr algn="ctr"/>
+            <a:endParaRPr lang="en-US"/>
+          </a:p>
+        </p:txBody>
+      </p:sp>
+      <p:sp>
+        <p:nvSpPr>
+          <p:cNvPr id="2" name="Title 1">
+            <a:extLst>
+              <a:ext uri="{FF2B5EF4-FFF2-40B4-BE49-F238E27FC236}">
+                <a16:creationId xmlns:a16="http://schemas.microsoft.com/office/drawing/2014/main" id="{ECAE13F9-3DBE-453A-983D-5B5DC6CCD611}"/>
+              </a:ext>
+            </a:extLst>
+          </p:cNvPr>
+          <p:cNvSpPr>
+            <a:spLocks noGrp="1"/>
+          </p:cNvSpPr>
+          <p:nvPr>
+            <p:ph type="title"/>
+          </p:nvPr>
+        </p:nvSpPr>
+        <p:spPr>
+          <a:xfrm>
+            <a:off x="1028700" y="1967266"/>
+            <a:ext cx="2628900" cy="2547257"/>
+          </a:xfrm>
+          <a:noFill/>
+        </p:spPr>
+        <p:txBody>
+          <a:bodyPr vert="horz" lIns="91440" tIns="45720" rIns="91440" bIns="45720" rtlCol="0" anchor="ctr">
+            <a:normAutofit/>
+          </a:bodyPr>
+          <a:lstStyle/>
+          <a:p>
+            <a:pPr algn="ctr"/>
+            <a:r>
+              <a:rPr lang="en-US" sz="3600" kern="1200">
+                <a:solidFill>
+                  <a:srgbClr val="FFFFFF"/>
+                </a:solidFill>
+                <a:latin typeface="+mj-lt"/>
+                <a:ea typeface="+mj-ea"/>
+                <a:cs typeface="+mj-cs"/>
+              </a:rPr>
+              <a:t>So, Who’s The Goat?</a:t>
+            </a:r>
+          </a:p>
+        </p:txBody>
+      </p:sp>
+      <p:pic>
+        <p:nvPicPr>
+          <p:cNvPr id="9" name="Content Placeholder 8" descr="A person in a basketball uniform&#10;&#10;Description automatically generated with low confidence">
+            <a:extLst>
+              <a:ext uri="{FF2B5EF4-FFF2-40B4-BE49-F238E27FC236}">
+                <a16:creationId xmlns:a16="http://schemas.microsoft.com/office/drawing/2014/main" id="{3E8E4695-29ED-4C04-A617-785AF43F529C}"/>
+              </a:ext>
+            </a:extLst>
+          </p:cNvPr>
+          <p:cNvPicPr>
+            <a:picLocks noGrp="1" noChangeAspect="1"/>
+          </p:cNvPicPr>
+          <p:nvPr>
+            <p:ph idx="1"/>
+          </p:nvPr>
+        </p:nvPicPr>
+        <p:blipFill>
+          <a:blip r:embed="rId2">
+            <a:extLst>
+              <a:ext uri="{28A0092B-C50C-407E-A947-70E740481C1C}">
+                <a14:useLocalDpi xmlns:a14="http://schemas.microsoft.com/office/drawing/2010/main" val="0"/>
+              </a:ext>
+            </a:extLst>
+          </a:blip>
+          <a:stretch>
+            <a:fillRect/>
+          </a:stretch>
+        </p:blipFill>
+        <p:spPr>
+          <a:xfrm>
+            <a:off x="4777316" y="885073"/>
+            <a:ext cx="6780700" cy="5085525"/>
+          </a:xfrm>
+          <a:prstGeom prst="rect">
+            <a:avLst/>
+          </a:prstGeom>
+        </p:spPr>
+      </p:pic>
+    </p:spTree>
+    <p:extLst>
+      <p:ext uri="{BB962C8B-B14F-4D97-AF65-F5344CB8AC3E}">
+        <p14:creationId xmlns:p14="http://schemas.microsoft.com/office/powerpoint/2010/main" val="3376271703"/>
+      </p:ext>
+    </p:extLst>
+  </p:cSld>
+  <p:clrMapOvr>
+    <a:masterClrMapping/>
+  </p:clrMapOvr>
+</p:sld>
+</file>
+
 <file path=ppt/theme/theme1.xml><?xml version="1.0" encoding="utf-8"?>
 <a:theme xmlns:a="http://schemas.openxmlformats.org/drawingml/2006/main" name="Office Theme">
   <a:themeElements>
